--- a/slides/Python_Workshop_2.pptx
+++ b/slides/Python_Workshop_2.pptx
@@ -6,24 +6,33 @@
   </p:sldMasterIdLst>
   <p:sldIdLst>
     <p:sldId id="256" r:id="rId2"/>
-    <p:sldId id="261" r:id="rId3"/>
-    <p:sldId id="268" r:id="rId4"/>
-    <p:sldId id="260" r:id="rId5"/>
-    <p:sldId id="264" r:id="rId6"/>
-    <p:sldId id="265" r:id="rId7"/>
-    <p:sldId id="262" r:id="rId8"/>
-    <p:sldId id="272" r:id="rId9"/>
-    <p:sldId id="263" r:id="rId10"/>
-    <p:sldId id="267" r:id="rId11"/>
-    <p:sldId id="266" r:id="rId12"/>
-    <p:sldId id="269" r:id="rId13"/>
-    <p:sldId id="257" r:id="rId14"/>
-    <p:sldId id="258" r:id="rId15"/>
-    <p:sldId id="259" r:id="rId16"/>
-    <p:sldId id="273" r:id="rId17"/>
-    <p:sldId id="270" r:id="rId18"/>
-    <p:sldId id="271" r:id="rId19"/>
-    <p:sldId id="274" r:id="rId20"/>
+    <p:sldId id="273" r:id="rId3"/>
+    <p:sldId id="274" r:id="rId4"/>
+    <p:sldId id="275" r:id="rId5"/>
+    <p:sldId id="276" r:id="rId6"/>
+    <p:sldId id="277" r:id="rId7"/>
+    <p:sldId id="278" r:id="rId8"/>
+    <p:sldId id="280" r:id="rId9"/>
+    <p:sldId id="279" r:id="rId10"/>
+    <p:sldId id="282" r:id="rId11"/>
+    <p:sldId id="283" r:id="rId12"/>
+    <p:sldId id="284" r:id="rId13"/>
+    <p:sldId id="261" r:id="rId14"/>
+    <p:sldId id="268" r:id="rId15"/>
+    <p:sldId id="260" r:id="rId16"/>
+    <p:sldId id="264" r:id="rId17"/>
+    <p:sldId id="265" r:id="rId18"/>
+    <p:sldId id="262" r:id="rId19"/>
+    <p:sldId id="272" r:id="rId20"/>
+    <p:sldId id="263" r:id="rId21"/>
+    <p:sldId id="267" r:id="rId22"/>
+    <p:sldId id="266" r:id="rId23"/>
+    <p:sldId id="269" r:id="rId24"/>
+    <p:sldId id="257" r:id="rId25"/>
+    <p:sldId id="258" r:id="rId26"/>
+    <p:sldId id="259" r:id="rId27"/>
+    <p:sldId id="270" r:id="rId28"/>
+    <p:sldId id="271" r:id="rId29"/>
   </p:sldIdLst>
   <p:sldSz cx="12192000" cy="6858000"/>
   <p:notesSz cx="6858000" cy="9144000"/>
@@ -270,7 +279,7 @@
           <a:p>
             <a:fld id="{19706069-D345-43C2-B511-2199960C95D3}" type="datetimeFigureOut">
               <a:rPr lang="zh-TW" altLang="en-US" smtClean="0"/>
-              <a:t>2025/2/24</a:t>
+              <a:t>2025/3/5</a:t>
             </a:fld>
             <a:endParaRPr lang="zh-TW" altLang="en-US"/>
           </a:p>
@@ -438,7 +447,7 @@
           <a:p>
             <a:fld id="{19706069-D345-43C2-B511-2199960C95D3}" type="datetimeFigureOut">
               <a:rPr lang="zh-TW" altLang="en-US" smtClean="0"/>
-              <a:t>2025/2/24</a:t>
+              <a:t>2025/3/5</a:t>
             </a:fld>
             <a:endParaRPr lang="zh-TW" altLang="en-US"/>
           </a:p>
@@ -616,7 +625,7 @@
           <a:p>
             <a:fld id="{19706069-D345-43C2-B511-2199960C95D3}" type="datetimeFigureOut">
               <a:rPr lang="zh-TW" altLang="en-US" smtClean="0"/>
-              <a:t>2025/2/24</a:t>
+              <a:t>2025/3/5</a:t>
             </a:fld>
             <a:endParaRPr lang="zh-TW" altLang="en-US"/>
           </a:p>
@@ -784,7 +793,7 @@
           <a:p>
             <a:fld id="{19706069-D345-43C2-B511-2199960C95D3}" type="datetimeFigureOut">
               <a:rPr lang="zh-TW" altLang="en-US" smtClean="0"/>
-              <a:t>2025/2/24</a:t>
+              <a:t>2025/3/5</a:t>
             </a:fld>
             <a:endParaRPr lang="zh-TW" altLang="en-US"/>
           </a:p>
@@ -1029,7 +1038,7 @@
           <a:p>
             <a:fld id="{19706069-D345-43C2-B511-2199960C95D3}" type="datetimeFigureOut">
               <a:rPr lang="zh-TW" altLang="en-US" smtClean="0"/>
-              <a:t>2025/2/24</a:t>
+              <a:t>2025/3/5</a:t>
             </a:fld>
             <a:endParaRPr lang="zh-TW" altLang="en-US"/>
           </a:p>
@@ -1258,7 +1267,7 @@
           <a:p>
             <a:fld id="{19706069-D345-43C2-B511-2199960C95D3}" type="datetimeFigureOut">
               <a:rPr lang="zh-TW" altLang="en-US" smtClean="0"/>
-              <a:t>2025/2/24</a:t>
+              <a:t>2025/3/5</a:t>
             </a:fld>
             <a:endParaRPr lang="zh-TW" altLang="en-US"/>
           </a:p>
@@ -1622,7 +1631,7 @@
           <a:p>
             <a:fld id="{19706069-D345-43C2-B511-2199960C95D3}" type="datetimeFigureOut">
               <a:rPr lang="zh-TW" altLang="en-US" smtClean="0"/>
-              <a:t>2025/2/24</a:t>
+              <a:t>2025/3/5</a:t>
             </a:fld>
             <a:endParaRPr lang="zh-TW" altLang="en-US"/>
           </a:p>
@@ -1739,7 +1748,7 @@
           <a:p>
             <a:fld id="{19706069-D345-43C2-B511-2199960C95D3}" type="datetimeFigureOut">
               <a:rPr lang="zh-TW" altLang="en-US" smtClean="0"/>
-              <a:t>2025/2/24</a:t>
+              <a:t>2025/3/5</a:t>
             </a:fld>
             <a:endParaRPr lang="zh-TW" altLang="en-US"/>
           </a:p>
@@ -1834,7 +1843,7 @@
           <a:p>
             <a:fld id="{19706069-D345-43C2-B511-2199960C95D3}" type="datetimeFigureOut">
               <a:rPr lang="zh-TW" altLang="en-US" smtClean="0"/>
-              <a:t>2025/2/24</a:t>
+              <a:t>2025/3/5</a:t>
             </a:fld>
             <a:endParaRPr lang="zh-TW" altLang="en-US"/>
           </a:p>
@@ -2109,7 +2118,7 @@
           <a:p>
             <a:fld id="{19706069-D345-43C2-B511-2199960C95D3}" type="datetimeFigureOut">
               <a:rPr lang="zh-TW" altLang="en-US" smtClean="0"/>
-              <a:t>2025/2/24</a:t>
+              <a:t>2025/3/5</a:t>
             </a:fld>
             <a:endParaRPr lang="zh-TW" altLang="en-US"/>
           </a:p>
@@ -2361,7 +2370,7 @@
           <a:p>
             <a:fld id="{19706069-D345-43C2-B511-2199960C95D3}" type="datetimeFigureOut">
               <a:rPr lang="zh-TW" altLang="en-US" smtClean="0"/>
-              <a:t>2025/2/24</a:t>
+              <a:t>2025/3/5</a:t>
             </a:fld>
             <a:endParaRPr lang="zh-TW" altLang="en-US"/>
           </a:p>
@@ -2572,7 +2581,7 @@
           <a:p>
             <a:fld id="{19706069-D345-43C2-B511-2199960C95D3}" type="datetimeFigureOut">
               <a:rPr lang="zh-TW" altLang="en-US" smtClean="0"/>
-              <a:t>2025/2/24</a:t>
+              <a:t>2025/3/5</a:t>
             </a:fld>
             <a:endParaRPr lang="zh-TW" altLang="en-US"/>
           </a:p>
@@ -3045,7 +3054,13 @@
   <p:cSld>
     <p:spTree>
       <p:nvGrpSpPr>
-        <p:cNvPr id="1" name=""/>
+        <p:cNvPr id="1" name="">
+          <a:extLst>
+            <a:ext uri="{FF2B5EF4-FFF2-40B4-BE49-F238E27FC236}">
+              <a16:creationId xmlns:a16="http://schemas.microsoft.com/office/drawing/2014/main" id="{8B19519C-2194-69A1-A355-81EB572E1F5F}"/>
+            </a:ext>
+          </a:extLst>
+        </p:cNvPr>
         <p:cNvGrpSpPr/>
         <p:nvPr/>
       </p:nvGrpSpPr>
@@ -3059,14 +3074,53 @@
       </p:grpSpPr>
       <p:sp>
         <p:nvSpPr>
-          <p:cNvPr id="2" name="文字方塊 1"/>
+          <p:cNvPr id="2" name="標題 1">
+            <a:extLst>
+              <a:ext uri="{FF2B5EF4-FFF2-40B4-BE49-F238E27FC236}">
+                <a16:creationId xmlns:a16="http://schemas.microsoft.com/office/drawing/2014/main" id="{AD9052DA-FB0D-CA2E-2165-8F3BE6B5E4B8}"/>
+              </a:ext>
+            </a:extLst>
+          </p:cNvPr>
+          <p:cNvSpPr>
+            <a:spLocks noGrp="1"/>
+          </p:cNvSpPr>
+          <p:nvPr>
+            <p:ph type="title"/>
+          </p:nvPr>
+        </p:nvSpPr>
+        <p:spPr/>
+        <p:txBody>
+          <a:bodyPr/>
+          <a:lstStyle/>
+          <a:p>
+            <a:r>
+              <a:rPr lang="en-US" altLang="zh-TW" b="1" dirty="0"/>
+              <a:t>Break it down </a:t>
+            </a:r>
+            <a:r>
+              <a:rPr lang="en-US" altLang="zh-TW" dirty="0"/>
+              <a:t>– Binary Search</a:t>
+            </a:r>
+            <a:endParaRPr lang="zh-TW" altLang="en-US" dirty="0"/>
+          </a:p>
+        </p:txBody>
+      </p:sp>
+      <p:sp>
+        <p:nvSpPr>
+          <p:cNvPr id="3" name="文字方塊 2">
+            <a:extLst>
+              <a:ext uri="{FF2B5EF4-FFF2-40B4-BE49-F238E27FC236}">
+                <a16:creationId xmlns:a16="http://schemas.microsoft.com/office/drawing/2014/main" id="{E8B61266-D8D8-9CFF-369F-4B5E4D730E4F}"/>
+              </a:ext>
+            </a:extLst>
+          </p:cNvPr>
           <p:cNvSpPr txBox="1"/>
           <p:nvPr/>
         </p:nvSpPr>
         <p:spPr>
           <a:xfrm>
-            <a:off x="3149138" y="594635"/>
-            <a:ext cx="5694218" cy="830997"/>
+            <a:off x="838200" y="1690688"/>
+            <a:ext cx="9834664" cy="1754326"/>
           </a:xfrm>
           <a:prstGeom prst="rect">
             <a:avLst/>
@@ -3079,313 +3133,42 @@
           </a:bodyPr>
           <a:lstStyle/>
           <a:p>
-            <a:r>
-              <a:rPr lang="zh-TW" altLang="en-US" sz="4800" b="1" dirty="0">
-                <a:solidFill>
+            <a:pPr marL="742950" indent="-742950">
+              <a:buAutoNum type="arabicPeriod"/>
+            </a:pPr>
+            <a:r>
+              <a:rPr lang="en-US" altLang="zh-TW" sz="3600" b="1" dirty="0"/>
+              <a:t>Spec – search number from sorted sequence</a:t>
+            </a:r>
+          </a:p>
+          <a:p>
+            <a:pPr marL="742950" indent="-742950">
+              <a:buAutoNum type="arabicPeriod"/>
+            </a:pPr>
+            <a:r>
+              <a:rPr lang="en-US" altLang="zh-TW" sz="3600" b="1" dirty="0"/>
+              <a:t>Now start thinking</a:t>
+            </a:r>
+          </a:p>
+          <a:p>
+            <a:pPr marL="742950" indent="-742950">
+              <a:buAutoNum type="arabicPeriod"/>
+            </a:pPr>
+            <a:r>
+              <a:rPr lang="en-US" altLang="zh-TW" sz="3600" b="1" dirty="0">
+                <a:highlight>
                   <a:srgbClr val="FF0000"/>
-                </a:solidFill>
-                <a:latin typeface="標楷體" panose="03000509000000000000" pitchFamily="65" charset="-120"/>
-                <a:ea typeface="標楷體" panose="03000509000000000000" pitchFamily="65" charset="-120"/>
-              </a:rPr>
-              <a:t>小明</a:t>
-            </a:r>
-            <a:r>
-              <a:rPr lang="zh-TW" altLang="en-US" sz="4800" b="1" dirty="0">
-                <a:latin typeface="標楷體" panose="03000509000000000000" pitchFamily="65" charset="-120"/>
-                <a:ea typeface="標楷體" panose="03000509000000000000" pitchFamily="65" charset="-120"/>
-              </a:rPr>
-              <a:t>把</a:t>
-            </a:r>
-            <a:r>
-              <a:rPr lang="zh-TW" altLang="en-US" sz="4800" b="1" dirty="0">
-                <a:solidFill>
-                  <a:srgbClr val="00B050"/>
-                </a:solidFill>
-                <a:latin typeface="標楷體" panose="03000509000000000000" pitchFamily="65" charset="-120"/>
-                <a:ea typeface="標楷體" panose="03000509000000000000" pitchFamily="65" charset="-120"/>
-              </a:rPr>
-              <a:t>蘋果</a:t>
-            </a:r>
-            <a:r>
-              <a:rPr lang="zh-TW" altLang="en-US" sz="4800" b="1" dirty="0">
-                <a:latin typeface="標楷體" panose="03000509000000000000" pitchFamily="65" charset="-120"/>
-                <a:ea typeface="標楷體" panose="03000509000000000000" pitchFamily="65" charset="-120"/>
-              </a:rPr>
-              <a:t>給了</a:t>
-            </a:r>
-            <a:r>
-              <a:rPr lang="zh-TW" altLang="en-US" sz="4800" b="1" dirty="0">
-                <a:solidFill>
-                  <a:srgbClr val="00B0F0"/>
-                </a:solidFill>
-                <a:latin typeface="標楷體" panose="03000509000000000000" pitchFamily="65" charset="-120"/>
-                <a:ea typeface="標楷體" panose="03000509000000000000" pitchFamily="65" charset="-120"/>
-              </a:rPr>
-              <a:t>小弟</a:t>
-            </a:r>
-          </a:p>
-        </p:txBody>
-      </p:sp>
-      <p:sp>
-        <p:nvSpPr>
-          <p:cNvPr id="5" name="文字方塊 4"/>
-          <p:cNvSpPr txBox="1"/>
-          <p:nvPr/>
-        </p:nvSpPr>
-        <p:spPr>
-          <a:xfrm>
-            <a:off x="2674619" y="2256629"/>
-            <a:ext cx="6643255" cy="830997"/>
-          </a:xfrm>
-          <a:prstGeom prst="rect">
-            <a:avLst/>
-          </a:prstGeom>
-          <a:noFill/>
-        </p:spPr>
-        <p:txBody>
-          <a:bodyPr wrap="square" rtlCol="0">
-            <a:spAutoFit/>
-          </a:bodyPr>
-          <a:lstStyle/>
-          <a:p>
-            <a:r>
-              <a:rPr lang="zh-TW" altLang="en-US" sz="4800" b="1" dirty="0">
-                <a:latin typeface="標楷體" panose="03000509000000000000" pitchFamily="65" charset="-120"/>
-                <a:ea typeface="標楷體" panose="03000509000000000000" pitchFamily="65" charset="-120"/>
-              </a:rPr>
-              <a:t>小明把蘋果</a:t>
-            </a:r>
-            <a:r>
-              <a:rPr lang="zh-TW" altLang="en-US" sz="4800" b="1" dirty="0">
-                <a:solidFill>
-                  <a:srgbClr val="FF0000"/>
-                </a:solidFill>
-                <a:latin typeface="標楷體" panose="03000509000000000000" pitchFamily="65" charset="-120"/>
-                <a:ea typeface="標楷體" panose="03000509000000000000" pitchFamily="65" charset="-120"/>
-              </a:rPr>
-              <a:t>給</a:t>
-            </a:r>
-            <a:r>
-              <a:rPr lang="en-US" altLang="zh-TW" sz="4800" dirty="0">
-                <a:solidFill>
-                  <a:srgbClr val="FF0000"/>
-                </a:solidFill>
-                <a:latin typeface="Arial Black" panose="020B0A04020102020204" pitchFamily="34" charset="0"/>
-                <a:ea typeface="標楷體" panose="03000509000000000000" pitchFamily="65" charset="-120"/>
-              </a:rPr>
-              <a:t>(v)</a:t>
-            </a:r>
-            <a:r>
-              <a:rPr lang="zh-TW" altLang="en-US" sz="4800" b="1" dirty="0">
-                <a:latin typeface="標楷體" panose="03000509000000000000" pitchFamily="65" charset="-120"/>
-                <a:ea typeface="標楷體" panose="03000509000000000000" pitchFamily="65" charset="-120"/>
-              </a:rPr>
-              <a:t>了小弟</a:t>
-            </a:r>
-          </a:p>
-        </p:txBody>
-      </p:sp>
-      <p:sp>
-        <p:nvSpPr>
-          <p:cNvPr id="6" name="文字方塊 5"/>
-          <p:cNvSpPr txBox="1"/>
-          <p:nvPr/>
-        </p:nvSpPr>
-        <p:spPr>
-          <a:xfrm>
-            <a:off x="1753292" y="1425632"/>
-            <a:ext cx="8286404" cy="830997"/>
-          </a:xfrm>
-          <a:prstGeom prst="rect">
-            <a:avLst/>
-          </a:prstGeom>
-          <a:noFill/>
-        </p:spPr>
-        <p:txBody>
-          <a:bodyPr wrap="square" rtlCol="0">
-            <a:spAutoFit/>
-          </a:bodyPr>
-          <a:lstStyle/>
-          <a:p>
-            <a:r>
-              <a:rPr lang="zh-TW" altLang="en-US" sz="4800" b="1" dirty="0">
-                <a:solidFill>
-                  <a:srgbClr val="FF0000"/>
-                </a:solidFill>
-                <a:latin typeface="標楷體" panose="03000509000000000000" pitchFamily="65" charset="-120"/>
-                <a:ea typeface="標楷體" panose="03000509000000000000" pitchFamily="65" charset="-120"/>
-              </a:rPr>
-              <a:t>小明</a:t>
-            </a:r>
-            <a:r>
-              <a:rPr lang="en-US" altLang="zh-TW" sz="4800" dirty="0">
-                <a:solidFill>
-                  <a:srgbClr val="FF0000"/>
-                </a:solidFill>
-                <a:latin typeface="Arial Black" panose="020B0A04020102020204" pitchFamily="34" charset="0"/>
-                <a:ea typeface="標楷體" panose="03000509000000000000" pitchFamily="65" charset="-120"/>
-              </a:rPr>
-              <a:t>(n)</a:t>
-            </a:r>
-            <a:r>
-              <a:rPr lang="zh-TW" altLang="en-US" sz="4800" b="1" dirty="0">
-                <a:latin typeface="標楷體" panose="03000509000000000000" pitchFamily="65" charset="-120"/>
-                <a:ea typeface="標楷體" panose="03000509000000000000" pitchFamily="65" charset="-120"/>
-              </a:rPr>
-              <a:t>把</a:t>
-            </a:r>
-            <a:r>
-              <a:rPr lang="zh-TW" altLang="en-US" sz="4800" b="1" dirty="0">
-                <a:solidFill>
-                  <a:srgbClr val="00B050"/>
-                </a:solidFill>
-                <a:latin typeface="標楷體" panose="03000509000000000000" pitchFamily="65" charset="-120"/>
-                <a:ea typeface="標楷體" panose="03000509000000000000" pitchFamily="65" charset="-120"/>
-              </a:rPr>
-              <a:t>蘋果</a:t>
-            </a:r>
-            <a:r>
-              <a:rPr lang="en-US" altLang="zh-TW" sz="4800" dirty="0">
-                <a:solidFill>
-                  <a:srgbClr val="00B050"/>
-                </a:solidFill>
-                <a:latin typeface="Arial Black" panose="020B0A04020102020204" pitchFamily="34" charset="0"/>
-                <a:ea typeface="標楷體" panose="03000509000000000000" pitchFamily="65" charset="-120"/>
-              </a:rPr>
-              <a:t>(n)</a:t>
-            </a:r>
-            <a:r>
-              <a:rPr lang="zh-TW" altLang="en-US" sz="4800" b="1" dirty="0">
-                <a:latin typeface="標楷體" panose="03000509000000000000" pitchFamily="65" charset="-120"/>
-                <a:ea typeface="標楷體" panose="03000509000000000000" pitchFamily="65" charset="-120"/>
-              </a:rPr>
-              <a:t>給了</a:t>
-            </a:r>
-            <a:r>
-              <a:rPr lang="zh-TW" altLang="en-US" sz="4800" b="1" dirty="0">
-                <a:solidFill>
-                  <a:srgbClr val="00B0F0"/>
-                </a:solidFill>
-                <a:latin typeface="標楷體" panose="03000509000000000000" pitchFamily="65" charset="-120"/>
-                <a:ea typeface="標楷體" panose="03000509000000000000" pitchFamily="65" charset="-120"/>
-              </a:rPr>
-              <a:t>小弟</a:t>
-            </a:r>
-            <a:r>
-              <a:rPr lang="en-US" altLang="zh-TW" sz="4800" dirty="0">
-                <a:solidFill>
-                  <a:srgbClr val="00B0F0"/>
-                </a:solidFill>
-                <a:latin typeface="Arial Black" panose="020B0A04020102020204" pitchFamily="34" charset="0"/>
-                <a:ea typeface="標楷體" panose="03000509000000000000" pitchFamily="65" charset="-120"/>
-              </a:rPr>
-              <a:t>(n)</a:t>
-            </a:r>
-            <a:endParaRPr lang="zh-TW" altLang="en-US" sz="4800" dirty="0">
-              <a:solidFill>
-                <a:srgbClr val="00B0F0"/>
-              </a:solidFill>
-              <a:latin typeface="Arial Black" panose="020B0A04020102020204" pitchFamily="34" charset="0"/>
-              <a:ea typeface="標楷體" panose="03000509000000000000" pitchFamily="65" charset="-120"/>
-            </a:endParaRPr>
-          </a:p>
-        </p:txBody>
-      </p:sp>
-      <p:sp>
-        <p:nvSpPr>
-          <p:cNvPr id="4" name="矩形 3"/>
-          <p:cNvSpPr/>
-          <p:nvPr/>
-        </p:nvSpPr>
-        <p:spPr>
-          <a:xfrm>
-            <a:off x="0" y="0"/>
-            <a:ext cx="12192000" cy="6858000"/>
-          </a:xfrm>
-          <a:prstGeom prst="rect">
-            <a:avLst/>
-          </a:prstGeom>
-          <a:solidFill>
-            <a:schemeClr val="tx1">
-              <a:alpha val="90000"/>
-            </a:schemeClr>
-          </a:solidFill>
-          <a:ln>
-            <a:solidFill>
-              <a:schemeClr val="tx1"/>
-            </a:solidFill>
-          </a:ln>
-        </p:spPr>
-        <p:style>
-          <a:lnRef idx="2">
-            <a:schemeClr val="accent1">
-              <a:shade val="50000"/>
-            </a:schemeClr>
-          </a:lnRef>
-          <a:fillRef idx="1">
-            <a:schemeClr val="accent1"/>
-          </a:fillRef>
-          <a:effectRef idx="0">
-            <a:schemeClr val="accent1"/>
-          </a:effectRef>
-          <a:fontRef idx="minor">
-            <a:schemeClr val="lt1"/>
-          </a:fontRef>
-        </p:style>
-        <p:txBody>
-          <a:bodyPr rtlCol="0" anchor="ctr"/>
-          <a:lstStyle/>
-          <a:p>
-            <a:pPr algn="ctr"/>
-            <a:endParaRPr lang="zh-TW" altLang="en-US"/>
-          </a:p>
-        </p:txBody>
-      </p:sp>
-      <p:sp>
-        <p:nvSpPr>
-          <p:cNvPr id="7" name="文字方塊 6"/>
-          <p:cNvSpPr txBox="1"/>
-          <p:nvPr/>
-        </p:nvSpPr>
-        <p:spPr>
-          <a:xfrm>
-            <a:off x="3754522" y="2672127"/>
-            <a:ext cx="5088834" cy="1569660"/>
-          </a:xfrm>
-          <a:prstGeom prst="rect">
-            <a:avLst/>
-          </a:prstGeom>
-          <a:noFill/>
-        </p:spPr>
-        <p:txBody>
-          <a:bodyPr wrap="square" rtlCol="0">
-            <a:spAutoFit/>
-          </a:bodyPr>
-          <a:lstStyle/>
-          <a:p>
-            <a:pPr algn="ctr"/>
-            <a:r>
-              <a:rPr lang="en-US" altLang="zh-TW" sz="9600" b="1" dirty="0">
-                <a:solidFill>
-                  <a:srgbClr val="FF0000"/>
-                </a:solidFill>
-                <a:latin typeface="Arial Black" panose="020B0A04020102020204" pitchFamily="34" charset="0"/>
-              </a:rPr>
-              <a:t>HOW ?</a:t>
-            </a:r>
-            <a:endParaRPr lang="zh-TW" altLang="en-US" sz="9600" b="1" dirty="0">
-              <a:solidFill>
-                <a:srgbClr val="FF0000"/>
-              </a:solidFill>
-              <a:latin typeface="Arial Black" panose="020B0A04020102020204" pitchFamily="34" charset="0"/>
-            </a:endParaRPr>
+                </a:highlight>
+              </a:rPr>
+              <a:t>Flowchart – draw.io/pseudocode</a:t>
+            </a:r>
           </a:p>
         </p:txBody>
       </p:sp>
     </p:spTree>
     <p:extLst>
       <p:ext uri="{BB962C8B-B14F-4D97-AF65-F5344CB8AC3E}">
-        <p14:creationId xmlns:p14="http://schemas.microsoft.com/office/powerpoint/2010/main" val="3744414516"/>
+        <p14:creationId xmlns:p14="http://schemas.microsoft.com/office/powerpoint/2010/main" val="1247673454"/>
       </p:ext>
     </p:extLst>
   </p:cSld>
@@ -3400,7 +3183,13 @@
   <p:cSld>
     <p:spTree>
       <p:nvGrpSpPr>
-        <p:cNvPr id="1" name=""/>
+        <p:cNvPr id="1" name="">
+          <a:extLst>
+            <a:ext uri="{FF2B5EF4-FFF2-40B4-BE49-F238E27FC236}">
+              <a16:creationId xmlns:a16="http://schemas.microsoft.com/office/drawing/2014/main" id="{F140EC29-7667-F2C1-D124-DAFEDBD792D9}"/>
+            </a:ext>
+          </a:extLst>
+        </p:cNvPr>
         <p:cNvGrpSpPr/>
         <p:nvPr/>
       </p:nvGrpSpPr>
@@ -3412,42 +3201,50 @@
           <a:chExt cx="0" cy="0"/>
         </a:xfrm>
       </p:grpSpPr>
-      <p:pic>
-        <p:nvPicPr>
-          <p:cNvPr id="4" name="8bdRWgyN2vM"/>
-          <p:cNvPicPr>
-            <a:picLocks noRot="1" noChangeAspect="1"/>
-          </p:cNvPicPr>
+      <p:sp>
+        <p:nvSpPr>
+          <p:cNvPr id="2" name="標題 1">
+            <a:extLst>
+              <a:ext uri="{FF2B5EF4-FFF2-40B4-BE49-F238E27FC236}">
+                <a16:creationId xmlns:a16="http://schemas.microsoft.com/office/drawing/2014/main" id="{BC330AE5-37BF-67B9-B811-04D47C36E1AB}"/>
+              </a:ext>
+            </a:extLst>
+          </p:cNvPr>
+          <p:cNvSpPr>
+            <a:spLocks noGrp="1"/>
+          </p:cNvSpPr>
           <p:nvPr>
-            <a:videoFile r:link="rId1"/>
+            <p:ph type="title"/>
           </p:nvPr>
-        </p:nvPicPr>
-        <p:blipFill>
-          <a:blip r:embed="rId3"/>
-          <a:stretch>
-            <a:fillRect/>
-          </a:stretch>
-        </p:blipFill>
-        <p:spPr>
-          <a:xfrm>
-            <a:off x="1373155" y="772399"/>
-            <a:ext cx="9445690" cy="5313201"/>
-          </a:xfrm>
-          <a:prstGeom prst="rect">
-            <a:avLst/>
-          </a:prstGeom>
-        </p:spPr>
-      </p:pic>
-      <p:sp>
-        <p:nvSpPr>
-          <p:cNvPr id="7" name="文字方塊 6"/>
+        </p:nvSpPr>
+        <p:spPr/>
+        <p:txBody>
+          <a:bodyPr/>
+          <a:lstStyle/>
+          <a:p>
+            <a:r>
+              <a:rPr lang="en-US" altLang="zh-TW" sz="4400" b="1" dirty="0"/>
+              <a:t>Flowchart – draw.io/pseudocode</a:t>
+            </a:r>
+          </a:p>
+        </p:txBody>
+      </p:sp>
+      <p:sp>
+        <p:nvSpPr>
+          <p:cNvPr id="4" name="文字方塊 3">
+            <a:extLst>
+              <a:ext uri="{FF2B5EF4-FFF2-40B4-BE49-F238E27FC236}">
+                <a16:creationId xmlns:a16="http://schemas.microsoft.com/office/drawing/2014/main" id="{2032322C-6D60-776B-201E-2F083CE33394}"/>
+              </a:ext>
+            </a:extLst>
+          </p:cNvPr>
           <p:cNvSpPr txBox="1"/>
           <p:nvPr/>
         </p:nvSpPr>
         <p:spPr>
           <a:xfrm>
-            <a:off x="5682343" y="6085600"/>
-            <a:ext cx="5663681" cy="215444"/>
+            <a:off x="914400" y="1690688"/>
+            <a:ext cx="8852170" cy="4247317"/>
           </a:xfrm>
           <a:prstGeom prst="rect">
             <a:avLst/>
@@ -3460,53 +3257,120 @@
           </a:bodyPr>
           <a:lstStyle/>
           <a:p>
-            <a:pPr algn="ctr"/>
-            <a:r>
-              <a:rPr lang="en-US" altLang="zh-TW" sz="800" dirty="0" err="1">
-                <a:latin typeface="Arial Black" panose="020B0A04020102020204" pitchFamily="34" charset="0"/>
-              </a:rPr>
-              <a:t>Source:https</a:t>
-            </a:r>
-            <a:r>
-              <a:rPr lang="en-US" altLang="zh-TW" sz="800" dirty="0">
-                <a:latin typeface="Arial Black" panose="020B0A04020102020204" pitchFamily="34" charset="0"/>
-              </a:rPr>
-              <a:t>://github.com/</a:t>
-            </a:r>
-            <a:r>
-              <a:rPr lang="en-US" altLang="zh-TW" sz="800" dirty="0" err="1">
-                <a:latin typeface="Arial Black" panose="020B0A04020102020204" pitchFamily="34" charset="0"/>
-              </a:rPr>
-              <a:t>Droidtown</a:t>
-            </a:r>
-            <a:r>
-              <a:rPr lang="en-US" altLang="zh-TW" sz="800" dirty="0">
-                <a:latin typeface="Arial Black" panose="020B0A04020102020204" pitchFamily="34" charset="0"/>
-              </a:rPr>
-              <a:t>/</a:t>
-            </a:r>
-            <a:r>
-              <a:rPr lang="en-US" altLang="zh-TW" sz="800" dirty="0" err="1">
-                <a:latin typeface="Arial Black" panose="020B0A04020102020204" pitchFamily="34" charset="0"/>
-              </a:rPr>
-              <a:t>NLP_TrainingLab</a:t>
-            </a:r>
-            <a:r>
-              <a:rPr lang="en-US" altLang="zh-TW" sz="800" dirty="0">
-                <a:latin typeface="Arial Black" panose="020B0A04020102020204" pitchFamily="34" charset="0"/>
-              </a:rPr>
-              <a:t>/tree/main/Syntax101/week01</a:t>
-            </a:r>
-            <a:endParaRPr lang="zh-TW" altLang="en-US" sz="800" dirty="0">
-              <a:latin typeface="Arial Black" panose="020B0A04020102020204" pitchFamily="34" charset="0"/>
-            </a:endParaRPr>
+            <a:pPr marL="342900" indent="-342900">
+              <a:buAutoNum type="arabicPeriod"/>
+            </a:pPr>
+            <a:r>
+              <a:rPr lang="en-US" altLang="zh-TW" sz="3600" dirty="0"/>
+              <a:t>Set min/max</a:t>
+            </a:r>
+          </a:p>
+          <a:p>
+            <a:pPr marL="342900" indent="-342900">
+              <a:buAutoNum type="arabicPeriod"/>
+            </a:pPr>
+            <a:r>
+              <a:rPr lang="en-US" altLang="zh-TW" sz="3600" dirty="0"/>
+              <a:t> middle (</a:t>
+            </a:r>
+            <a:r>
+              <a:rPr lang="en-US" altLang="zh-TW" sz="3600" dirty="0" err="1"/>
+              <a:t>min+max</a:t>
+            </a:r>
+            <a:r>
+              <a:rPr lang="en-US" altLang="zh-TW" sz="3600" dirty="0"/>
+              <a:t>)/2</a:t>
+            </a:r>
+          </a:p>
+          <a:p>
+            <a:pPr marL="342900" indent="-342900">
+              <a:buAutoNum type="arabicPeriod"/>
+            </a:pPr>
+            <a:r>
+              <a:rPr lang="en-US" altLang="zh-TW" sz="3600" dirty="0"/>
+              <a:t>Compare</a:t>
+            </a:r>
+          </a:p>
+          <a:p>
+            <a:pPr marL="800100" lvl="1" indent="-342900">
+              <a:buAutoNum type="arabicPeriod"/>
+            </a:pPr>
+            <a:r>
+              <a:rPr lang="en-US" altLang="zh-TW" sz="3600" dirty="0"/>
+              <a:t>Given &gt; mid -&gt; ?</a:t>
+            </a:r>
+          </a:p>
+          <a:p>
+            <a:pPr marL="800100" lvl="1" indent="-342900">
+              <a:buAutoNum type="arabicPeriod"/>
+            </a:pPr>
+            <a:r>
+              <a:rPr lang="en-US" altLang="zh-TW" sz="3600" dirty="0"/>
+              <a:t>Given &lt; mid -&gt; ?</a:t>
+            </a:r>
+          </a:p>
+          <a:p>
+            <a:pPr marL="800100" lvl="1" indent="-342900">
+              <a:buAutoNum type="arabicPeriod"/>
+            </a:pPr>
+            <a:r>
+              <a:rPr lang="en-US" altLang="zh-TW" sz="3600" dirty="0"/>
+              <a:t>Given = mid -&gt; found</a:t>
+            </a:r>
+          </a:p>
+          <a:p>
+            <a:pPr marL="342900" indent="-342900">
+              <a:buAutoNum type="arabicPeriod"/>
+            </a:pPr>
+            <a:endParaRPr lang="en-US" altLang="zh-TW" sz="3600" dirty="0"/>
+          </a:p>
+          <a:p>
+            <a:pPr marL="342900" indent="-342900">
+              <a:buAutoNum type="arabicPeriod"/>
+            </a:pPr>
+            <a:endParaRPr lang="zh-TW" altLang="en-US" dirty="0"/>
+          </a:p>
+        </p:txBody>
+      </p:sp>
+      <p:sp>
+        <p:nvSpPr>
+          <p:cNvPr id="6" name="文字方塊 5">
+            <a:extLst>
+              <a:ext uri="{FF2B5EF4-FFF2-40B4-BE49-F238E27FC236}">
+                <a16:creationId xmlns:a16="http://schemas.microsoft.com/office/drawing/2014/main" id="{4A987478-DD0D-78AD-F90B-D9EE69261ADD}"/>
+              </a:ext>
+            </a:extLst>
+          </p:cNvPr>
+          <p:cNvSpPr txBox="1"/>
+          <p:nvPr/>
+        </p:nvSpPr>
+        <p:spPr>
+          <a:xfrm>
+            <a:off x="838200" y="5614839"/>
+            <a:ext cx="6094378" cy="646331"/>
+          </a:xfrm>
+          <a:prstGeom prst="rect">
+            <a:avLst/>
+          </a:prstGeom>
+          <a:noFill/>
+        </p:spPr>
+        <p:txBody>
+          <a:bodyPr wrap="square">
+            <a:spAutoFit/>
+          </a:bodyPr>
+          <a:lstStyle/>
+          <a:p>
+            <a:r>
+              <a:rPr lang="zh-TW" altLang="en-US" dirty="0"/>
+              <a:t>https://zh.wikipedia.org/zh-tw/%E6%B5%81%E7%A8%8B%E5%9B%BE</a:t>
+            </a:r>
           </a:p>
         </p:txBody>
       </p:sp>
     </p:spTree>
     <p:extLst>
       <p:ext uri="{BB962C8B-B14F-4D97-AF65-F5344CB8AC3E}">
-        <p14:creationId xmlns:p14="http://schemas.microsoft.com/office/powerpoint/2010/main" val="1633356606"/>
+        <p14:creationId xmlns:p14="http://schemas.microsoft.com/office/powerpoint/2010/main" val="2547787240"/>
       </p:ext>
     </p:extLst>
   </p:cSld>
@@ -3521,7 +3385,13 @@
   <p:cSld>
     <p:spTree>
       <p:nvGrpSpPr>
-        <p:cNvPr id="1" name=""/>
+        <p:cNvPr id="1" name="">
+          <a:extLst>
+            <a:ext uri="{FF2B5EF4-FFF2-40B4-BE49-F238E27FC236}">
+              <a16:creationId xmlns:a16="http://schemas.microsoft.com/office/drawing/2014/main" id="{C07B9A6A-6B16-9162-F7FE-5EB4DB8A1B67}"/>
+            </a:ext>
+          </a:extLst>
+        </p:cNvPr>
         <p:cNvGrpSpPr/>
         <p:nvPr/>
       </p:nvGrpSpPr>
@@ -3535,7 +3405,13 @@
       </p:grpSpPr>
       <p:sp>
         <p:nvSpPr>
-          <p:cNvPr id="2" name="標題 1"/>
+          <p:cNvPr id="2" name="標題 1">
+            <a:extLst>
+              <a:ext uri="{FF2B5EF4-FFF2-40B4-BE49-F238E27FC236}">
+                <a16:creationId xmlns:a16="http://schemas.microsoft.com/office/drawing/2014/main" id="{E14664D9-596B-295B-3901-BBF0F64C9967}"/>
+              </a:ext>
+            </a:extLst>
+          </p:cNvPr>
           <p:cNvSpPr>
             <a:spLocks noGrp="1"/>
           </p:cNvSpPr>
@@ -3543,12 +3419,7 @@
             <p:ph type="ctrTitle"/>
           </p:nvPr>
         </p:nvSpPr>
-        <p:spPr>
-          <a:xfrm>
-            <a:off x="1524000" y="2441643"/>
-            <a:ext cx="9144000" cy="1068320"/>
-          </a:xfrm>
-        </p:spPr>
+        <p:spPr/>
         <p:txBody>
           <a:bodyPr/>
           <a:lstStyle/>
@@ -3557,7 +3428,7 @@
               <a:rPr lang="en-US" altLang="zh-TW" dirty="0">
                 <a:latin typeface="Arial Black" panose="020B0A04020102020204" pitchFamily="34" charset="0"/>
               </a:rPr>
-              <a:t>Hands-On</a:t>
+              <a:t>Proposals #2</a:t>
             </a:r>
             <a:endParaRPr lang="zh-TW" altLang="en-US" dirty="0">
               <a:latin typeface="Arial Black" panose="020B0A04020102020204" pitchFamily="34" charset="0"/>
@@ -3565,50 +3436,10 @@
           </a:p>
         </p:txBody>
       </p:sp>
-      <p:sp>
-        <p:nvSpPr>
-          <p:cNvPr id="3" name="副標題 2"/>
-          <p:cNvSpPr>
-            <a:spLocks noGrp="1"/>
-          </p:cNvSpPr>
-          <p:nvPr>
-            <p:ph type="subTitle" idx="1"/>
-          </p:nvPr>
-        </p:nvSpPr>
-        <p:spPr/>
-        <p:txBody>
-          <a:bodyPr/>
-          <a:lstStyle/>
-          <a:p>
-            <a:r>
-              <a:rPr lang="en-US" altLang="zh-TW" b="1" dirty="0">
-                <a:solidFill>
-                  <a:srgbClr val="FF0000"/>
-                </a:solidFill>
-              </a:rPr>
-              <a:t>3 People</a:t>
-            </a:r>
-            <a:r>
-              <a:rPr lang="en-US" altLang="zh-TW" b="1" dirty="0"/>
-              <a:t>/ Team</a:t>
-            </a:r>
-          </a:p>
-          <a:p>
-            <a:r>
-              <a:rPr lang="en-US" altLang="zh-TW" b="1" dirty="0">
-                <a:solidFill>
-                  <a:srgbClr val="FF0000"/>
-                </a:solidFill>
-              </a:rPr>
-              <a:t>1 Function/People</a:t>
-            </a:r>
-          </a:p>
-        </p:txBody>
-      </p:sp>
     </p:spTree>
     <p:extLst>
       <p:ext uri="{BB962C8B-B14F-4D97-AF65-F5344CB8AC3E}">
-        <p14:creationId xmlns:p14="http://schemas.microsoft.com/office/powerpoint/2010/main" val="2543752364"/>
+        <p14:creationId xmlns:p14="http://schemas.microsoft.com/office/powerpoint/2010/main" val="1883418149"/>
       </p:ext>
     </p:extLst>
   </p:cSld>
@@ -3635,24 +3466,484 @@
           <a:chExt cx="0" cy="0"/>
         </a:xfrm>
       </p:grpSpPr>
+      <p:sp>
+        <p:nvSpPr>
+          <p:cNvPr id="2" name="文字方塊 1"/>
+          <p:cNvSpPr txBox="1"/>
+          <p:nvPr/>
+        </p:nvSpPr>
+        <p:spPr>
+          <a:xfrm>
+            <a:off x="1867663" y="493221"/>
+            <a:ext cx="8456674" cy="707886"/>
+          </a:xfrm>
+          <a:prstGeom prst="rect">
+            <a:avLst/>
+          </a:prstGeom>
+          <a:noFill/>
+        </p:spPr>
+        <p:txBody>
+          <a:bodyPr wrap="none" rtlCol="0">
+            <a:spAutoFit/>
+          </a:bodyPr>
+          <a:lstStyle/>
+          <a:p>
+            <a:pPr algn="ctr"/>
+            <a:r>
+              <a:rPr lang="en-US" altLang="zh-TW" sz="4000" dirty="0">
+                <a:latin typeface="Arial Black" panose="020B0A04020102020204" pitchFamily="34" charset="0"/>
+                <a:ea typeface="+mj-ea"/>
+                <a:cs typeface="+mj-cs"/>
+              </a:rPr>
+              <a:t>Natural Language Processing</a:t>
+            </a:r>
+            <a:endParaRPr lang="zh-TW" altLang="en-US" sz="4000" dirty="0">
+              <a:latin typeface="Arial Black" panose="020B0A04020102020204" pitchFamily="34" charset="0"/>
+              <a:ea typeface="+mj-ea"/>
+              <a:cs typeface="+mj-cs"/>
+            </a:endParaRPr>
+          </a:p>
+        </p:txBody>
+      </p:sp>
+      <p:sp>
+        <p:nvSpPr>
+          <p:cNvPr id="3" name="矩形 2">
+            <a:extLst>
+              <a:ext uri="{FF2B5EF4-FFF2-40B4-BE49-F238E27FC236}">
+                <a16:creationId xmlns:a16="http://schemas.microsoft.com/office/drawing/2014/main" id="{35E922E9-2526-51EA-BFBB-0919A896FACD}"/>
+              </a:ext>
+            </a:extLst>
+          </p:cNvPr>
+          <p:cNvSpPr/>
+          <p:nvPr/>
+        </p:nvSpPr>
+        <p:spPr>
+          <a:xfrm>
+            <a:off x="685800" y="331694"/>
+            <a:ext cx="10820400" cy="5827059"/>
+          </a:xfrm>
+          <a:prstGeom prst="rect">
+            <a:avLst/>
+          </a:prstGeom>
+          <a:noFill/>
+          <a:ln w="57150">
+            <a:solidFill>
+              <a:schemeClr val="tx1"/>
+            </a:solidFill>
+          </a:ln>
+        </p:spPr>
+        <p:style>
+          <a:lnRef idx="2">
+            <a:schemeClr val="accent1">
+              <a:shade val="15000"/>
+            </a:schemeClr>
+          </a:lnRef>
+          <a:fillRef idx="1">
+            <a:schemeClr val="accent1"/>
+          </a:fillRef>
+          <a:effectRef idx="0">
+            <a:schemeClr val="accent1"/>
+          </a:effectRef>
+          <a:fontRef idx="minor">
+            <a:schemeClr val="lt1"/>
+          </a:fontRef>
+        </p:style>
+        <p:txBody>
+          <a:bodyPr rtlCol="0" anchor="ctr"/>
+          <a:lstStyle/>
+          <a:p>
+            <a:pPr algn="ctr"/>
+            <a:endParaRPr lang="zh-TW" altLang="en-US"/>
+          </a:p>
+        </p:txBody>
+      </p:sp>
+      <p:sp>
+        <p:nvSpPr>
+          <p:cNvPr id="4" name="文字方塊 3">
+            <a:extLst>
+              <a:ext uri="{FF2B5EF4-FFF2-40B4-BE49-F238E27FC236}">
+                <a16:creationId xmlns:a16="http://schemas.microsoft.com/office/drawing/2014/main" id="{8A26C7B0-2551-3CC8-0190-B288D1A4CC65}"/>
+              </a:ext>
+            </a:extLst>
+          </p:cNvPr>
+          <p:cNvSpPr txBox="1"/>
+          <p:nvPr/>
+        </p:nvSpPr>
+        <p:spPr>
+          <a:xfrm>
+            <a:off x="1269004" y="1504599"/>
+            <a:ext cx="3061351" cy="523220"/>
+          </a:xfrm>
+          <a:prstGeom prst="rect">
+            <a:avLst/>
+          </a:prstGeom>
+          <a:noFill/>
+        </p:spPr>
+        <p:txBody>
+          <a:bodyPr wrap="none" rtlCol="0">
+            <a:spAutoFit/>
+          </a:bodyPr>
+          <a:lstStyle/>
+          <a:p>
+            <a:pPr algn="ctr"/>
+            <a:r>
+              <a:rPr lang="en-US" altLang="zh-TW" sz="2800" dirty="0">
+                <a:solidFill>
+                  <a:srgbClr val="FF0000"/>
+                </a:solidFill>
+                <a:latin typeface="Arial Black" panose="020B0A04020102020204" pitchFamily="34" charset="0"/>
+                <a:ea typeface="+mj-ea"/>
+                <a:cs typeface="+mj-cs"/>
+              </a:rPr>
+              <a:t>Understanding</a:t>
+            </a:r>
+            <a:endParaRPr lang="zh-TW" altLang="en-US" sz="2800" dirty="0">
+              <a:solidFill>
+                <a:srgbClr val="FF0000"/>
+              </a:solidFill>
+              <a:latin typeface="Arial Black" panose="020B0A04020102020204" pitchFamily="34" charset="0"/>
+              <a:ea typeface="+mj-ea"/>
+              <a:cs typeface="+mj-cs"/>
+            </a:endParaRPr>
+          </a:p>
+        </p:txBody>
+      </p:sp>
+      <p:sp>
+        <p:nvSpPr>
+          <p:cNvPr id="7" name="矩形 6">
+            <a:extLst>
+              <a:ext uri="{FF2B5EF4-FFF2-40B4-BE49-F238E27FC236}">
+                <a16:creationId xmlns:a16="http://schemas.microsoft.com/office/drawing/2014/main" id="{3CAF7B1F-499C-246E-8385-36481872AE18}"/>
+              </a:ext>
+            </a:extLst>
+          </p:cNvPr>
+          <p:cNvSpPr/>
+          <p:nvPr/>
+        </p:nvSpPr>
+        <p:spPr>
+          <a:xfrm>
+            <a:off x="883926" y="1362634"/>
+            <a:ext cx="3831509" cy="4607860"/>
+          </a:xfrm>
+          <a:prstGeom prst="rect">
+            <a:avLst/>
+          </a:prstGeom>
+          <a:noFill/>
+          <a:ln w="57150">
+            <a:solidFill>
+              <a:srgbClr val="FF0000"/>
+            </a:solidFill>
+          </a:ln>
+        </p:spPr>
+        <p:style>
+          <a:lnRef idx="2">
+            <a:schemeClr val="accent1">
+              <a:shade val="15000"/>
+            </a:schemeClr>
+          </a:lnRef>
+          <a:fillRef idx="1">
+            <a:schemeClr val="accent1"/>
+          </a:fillRef>
+          <a:effectRef idx="0">
+            <a:schemeClr val="accent1"/>
+          </a:effectRef>
+          <a:fontRef idx="minor">
+            <a:schemeClr val="lt1"/>
+          </a:fontRef>
+        </p:style>
+        <p:txBody>
+          <a:bodyPr rtlCol="0" anchor="ctr"/>
+          <a:lstStyle/>
+          <a:p>
+            <a:pPr algn="ctr"/>
+            <a:endParaRPr lang="zh-TW" altLang="en-US">
+              <a:solidFill>
+                <a:srgbClr val="FF0000"/>
+              </a:solidFill>
+            </a:endParaRPr>
+          </a:p>
+        </p:txBody>
+      </p:sp>
+      <p:sp>
+        <p:nvSpPr>
+          <p:cNvPr id="8" name="文字方塊 7">
+            <a:extLst>
+              <a:ext uri="{FF2B5EF4-FFF2-40B4-BE49-F238E27FC236}">
+                <a16:creationId xmlns:a16="http://schemas.microsoft.com/office/drawing/2014/main" id="{9666F11F-2FBD-04F3-BB71-EA16F6A200F9}"/>
+              </a:ext>
+            </a:extLst>
+          </p:cNvPr>
+          <p:cNvSpPr txBox="1"/>
+          <p:nvPr/>
+        </p:nvSpPr>
+        <p:spPr>
+          <a:xfrm>
+            <a:off x="5651748" y="1504599"/>
+            <a:ext cx="2355133" cy="523220"/>
+          </a:xfrm>
+          <a:prstGeom prst="rect">
+            <a:avLst/>
+          </a:prstGeom>
+          <a:noFill/>
+        </p:spPr>
+        <p:txBody>
+          <a:bodyPr wrap="none" rtlCol="0">
+            <a:spAutoFit/>
+          </a:bodyPr>
+          <a:lstStyle/>
+          <a:p>
+            <a:pPr algn="ctr"/>
+            <a:r>
+              <a:rPr lang="en-US" altLang="zh-TW" sz="2800" dirty="0">
+                <a:latin typeface="Arial Black" panose="020B0A04020102020204" pitchFamily="34" charset="0"/>
+                <a:ea typeface="+mj-ea"/>
+                <a:cs typeface="+mj-cs"/>
+              </a:rPr>
+              <a:t>Generating</a:t>
+            </a:r>
+            <a:endParaRPr lang="zh-TW" altLang="en-US" sz="2800" dirty="0">
+              <a:latin typeface="Arial Black" panose="020B0A04020102020204" pitchFamily="34" charset="0"/>
+              <a:ea typeface="+mj-ea"/>
+              <a:cs typeface="+mj-cs"/>
+            </a:endParaRPr>
+          </a:p>
+        </p:txBody>
+      </p:sp>
+      <p:sp>
+        <p:nvSpPr>
+          <p:cNvPr id="9" name="矩形 8">
+            <a:extLst>
+              <a:ext uri="{FF2B5EF4-FFF2-40B4-BE49-F238E27FC236}">
+                <a16:creationId xmlns:a16="http://schemas.microsoft.com/office/drawing/2014/main" id="{C9A19B25-1BDD-B927-A11A-3ED51AD2B471}"/>
+              </a:ext>
+            </a:extLst>
+          </p:cNvPr>
+          <p:cNvSpPr/>
+          <p:nvPr/>
+        </p:nvSpPr>
+        <p:spPr>
+          <a:xfrm>
+            <a:off x="4913561" y="1362634"/>
+            <a:ext cx="3831509" cy="4607860"/>
+          </a:xfrm>
+          <a:prstGeom prst="rect">
+            <a:avLst/>
+          </a:prstGeom>
+          <a:noFill/>
+          <a:ln w="57150">
+            <a:solidFill>
+              <a:schemeClr val="tx1"/>
+            </a:solidFill>
+          </a:ln>
+        </p:spPr>
+        <p:style>
+          <a:lnRef idx="2">
+            <a:schemeClr val="accent1">
+              <a:shade val="15000"/>
+            </a:schemeClr>
+          </a:lnRef>
+          <a:fillRef idx="1">
+            <a:schemeClr val="accent1"/>
+          </a:fillRef>
+          <a:effectRef idx="0">
+            <a:schemeClr val="accent1"/>
+          </a:effectRef>
+          <a:fontRef idx="minor">
+            <a:schemeClr val="lt1"/>
+          </a:fontRef>
+        </p:style>
+        <p:txBody>
+          <a:bodyPr rtlCol="0" anchor="ctr"/>
+          <a:lstStyle/>
+          <a:p>
+            <a:pPr algn="ctr"/>
+            <a:endParaRPr lang="zh-TW" altLang="en-US"/>
+          </a:p>
+        </p:txBody>
+      </p:sp>
+      <p:sp>
+        <p:nvSpPr>
+          <p:cNvPr id="10" name="矩形 9">
+            <a:extLst>
+              <a:ext uri="{FF2B5EF4-FFF2-40B4-BE49-F238E27FC236}">
+                <a16:creationId xmlns:a16="http://schemas.microsoft.com/office/drawing/2014/main" id="{7453B275-5314-5CF6-338C-FB3EE56C6128}"/>
+              </a:ext>
+            </a:extLst>
+          </p:cNvPr>
+          <p:cNvSpPr/>
+          <p:nvPr/>
+        </p:nvSpPr>
+        <p:spPr>
+          <a:xfrm>
+            <a:off x="8943197" y="1362633"/>
+            <a:ext cx="2364878" cy="665186"/>
+          </a:xfrm>
+          <a:prstGeom prst="rect">
+            <a:avLst/>
+          </a:prstGeom>
+          <a:noFill/>
+          <a:ln w="57150">
+            <a:solidFill>
+              <a:schemeClr val="tx1"/>
+            </a:solidFill>
+          </a:ln>
+        </p:spPr>
+        <p:style>
+          <a:lnRef idx="2">
+            <a:schemeClr val="accent1">
+              <a:shade val="15000"/>
+            </a:schemeClr>
+          </a:lnRef>
+          <a:fillRef idx="1">
+            <a:schemeClr val="accent1"/>
+          </a:fillRef>
+          <a:effectRef idx="0">
+            <a:schemeClr val="accent1"/>
+          </a:effectRef>
+          <a:fontRef idx="minor">
+            <a:schemeClr val="lt1"/>
+          </a:fontRef>
+        </p:style>
+        <p:txBody>
+          <a:bodyPr rtlCol="0" anchor="ctr"/>
+          <a:lstStyle/>
+          <a:p>
+            <a:pPr algn="ctr"/>
+            <a:endParaRPr lang="zh-TW" altLang="en-US"/>
+          </a:p>
+        </p:txBody>
+      </p:sp>
+      <p:sp>
+        <p:nvSpPr>
+          <p:cNvPr id="11" name="文字方塊 10">
+            <a:extLst>
+              <a:ext uri="{FF2B5EF4-FFF2-40B4-BE49-F238E27FC236}">
+                <a16:creationId xmlns:a16="http://schemas.microsoft.com/office/drawing/2014/main" id="{BCE8E60C-FAF1-DEDF-932A-4084BE68F098}"/>
+              </a:ext>
+            </a:extLst>
+          </p:cNvPr>
+          <p:cNvSpPr txBox="1"/>
+          <p:nvPr/>
+        </p:nvSpPr>
+        <p:spPr>
+          <a:xfrm>
+            <a:off x="9345705" y="1536174"/>
+            <a:ext cx="1559859" cy="4708981"/>
+          </a:xfrm>
+          <a:prstGeom prst="rect">
+            <a:avLst/>
+          </a:prstGeom>
+          <a:noFill/>
+        </p:spPr>
+        <p:txBody>
+          <a:bodyPr wrap="square" rtlCol="0">
+            <a:spAutoFit/>
+          </a:bodyPr>
+          <a:lstStyle/>
+          <a:p>
+            <a:pPr algn="ctr"/>
+            <a:r>
+              <a:rPr lang="en-US" altLang="zh-TW" sz="6000" dirty="0"/>
+              <a:t>.</a:t>
+            </a:r>
+          </a:p>
+          <a:p>
+            <a:pPr algn="ctr"/>
+            <a:r>
+              <a:rPr lang="en-US" altLang="zh-TW" sz="6000" dirty="0"/>
+              <a:t>.</a:t>
+            </a:r>
+          </a:p>
+          <a:p>
+            <a:pPr algn="ctr"/>
+            <a:r>
+              <a:rPr lang="en-US" altLang="zh-TW" sz="6000" dirty="0"/>
+              <a:t>.</a:t>
+            </a:r>
+          </a:p>
+          <a:p>
+            <a:pPr algn="ctr"/>
+            <a:r>
+              <a:rPr lang="en-US" altLang="zh-TW" sz="6000" dirty="0"/>
+              <a:t>.</a:t>
+            </a:r>
+          </a:p>
+          <a:p>
+            <a:pPr algn="ctr"/>
+            <a:r>
+              <a:rPr lang="en-US" altLang="zh-TW" sz="6000" dirty="0"/>
+              <a:t>.</a:t>
+            </a:r>
+            <a:endParaRPr lang="zh-TW" altLang="en-US" sz="6000" dirty="0"/>
+          </a:p>
+        </p:txBody>
+      </p:sp>
       <p:pic>
         <p:nvPicPr>
-          <p:cNvPr id="5" name="圖片 4"/>
+          <p:cNvPr id="13" name="圖片 12" descr="一張含有 字型, 符號, 標誌, 圖形 的圖片&#10;&#10;自動產生的描述">
+            <a:extLst>
+              <a:ext uri="{FF2B5EF4-FFF2-40B4-BE49-F238E27FC236}">
+                <a16:creationId xmlns:a16="http://schemas.microsoft.com/office/drawing/2014/main" id="{5AA67A19-21A1-C693-3AA3-5A6F287A17C6}"/>
+              </a:ext>
+            </a:extLst>
+          </p:cNvPr>
           <p:cNvPicPr>
             <a:picLocks noChangeAspect="1"/>
           </p:cNvPicPr>
           <p:nvPr/>
         </p:nvPicPr>
         <p:blipFill>
-          <a:blip r:embed="rId2"/>
+          <a:blip r:embed="rId2">
+            <a:extLst>
+              <a:ext uri="{28A0092B-C50C-407E-A947-70E740481C1C}">
+                <a14:useLocalDpi xmlns:a14="http://schemas.microsoft.com/office/drawing/2010/main" val="0"/>
+              </a:ext>
+            </a:extLst>
+          </a:blip>
           <a:stretch>
             <a:fillRect/>
           </a:stretch>
         </p:blipFill>
         <p:spPr>
           <a:xfrm>
-            <a:off x="2641860" y="327091"/>
-            <a:ext cx="6908280" cy="6203818"/>
+            <a:off x="6176991" y="2378506"/>
+            <a:ext cx="1304645" cy="1304645"/>
+          </a:xfrm>
+          <a:prstGeom prst="rect">
+            <a:avLst/>
+          </a:prstGeom>
+        </p:spPr>
+      </p:pic>
+      <p:pic>
+        <p:nvPicPr>
+          <p:cNvPr id="15" name="圖片 14" descr="一張含有 創造力 的圖片&#10;&#10;自動產生的描述">
+            <a:extLst>
+              <a:ext uri="{FF2B5EF4-FFF2-40B4-BE49-F238E27FC236}">
+                <a16:creationId xmlns:a16="http://schemas.microsoft.com/office/drawing/2014/main" id="{53E3C2B7-728E-45D4-E7B4-BF3C631ECC82}"/>
+              </a:ext>
+            </a:extLst>
+          </p:cNvPr>
+          <p:cNvPicPr>
+            <a:picLocks noChangeAspect="1"/>
+          </p:cNvPicPr>
+          <p:nvPr/>
+        </p:nvPicPr>
+        <p:blipFill>
+          <a:blip r:embed="rId3">
+            <a:extLst>
+              <a:ext uri="{28A0092B-C50C-407E-A947-70E740481C1C}">
+                <a14:useLocalDpi xmlns:a14="http://schemas.microsoft.com/office/drawing/2010/main" val="0"/>
+              </a:ext>
+            </a:extLst>
+          </a:blip>
+          <a:stretch>
+            <a:fillRect/>
+          </a:stretch>
+        </p:blipFill>
+        <p:spPr>
+          <a:xfrm>
+            <a:off x="6405002" y="4033838"/>
+            <a:ext cx="1071562" cy="1071562"/>
           </a:xfrm>
           <a:prstGeom prst="rect">
             <a:avLst/>
@@ -3662,7 +3953,7 @@
     </p:spTree>
     <p:extLst>
       <p:ext uri="{BB962C8B-B14F-4D97-AF65-F5344CB8AC3E}">
-        <p14:creationId xmlns:p14="http://schemas.microsoft.com/office/powerpoint/2010/main" val="4147352019"/>
+        <p14:creationId xmlns:p14="http://schemas.microsoft.com/office/powerpoint/2010/main" val="1274058634"/>
       </p:ext>
     </p:extLst>
   </p:cSld>
@@ -3689,132 +3980,87 @@
           <a:chExt cx="0" cy="0"/>
         </a:xfrm>
       </p:grpSpPr>
+      <p:sp>
+        <p:nvSpPr>
+          <p:cNvPr id="2" name="文字方塊 1"/>
+          <p:cNvSpPr txBox="1"/>
+          <p:nvPr/>
+        </p:nvSpPr>
+        <p:spPr>
+          <a:xfrm>
+            <a:off x="1366885" y="602674"/>
+            <a:ext cx="9458230" cy="707886"/>
+          </a:xfrm>
+          <a:prstGeom prst="rect">
+            <a:avLst/>
+          </a:prstGeom>
+          <a:noFill/>
+        </p:spPr>
+        <p:txBody>
+          <a:bodyPr wrap="none" rtlCol="0">
+            <a:spAutoFit/>
+          </a:bodyPr>
+          <a:lstStyle/>
+          <a:p>
+            <a:pPr algn="ctr"/>
+            <a:r>
+              <a:rPr lang="en-US" altLang="zh-TW" sz="4000" dirty="0">
+                <a:latin typeface="Arial Black" panose="020B0A04020102020204" pitchFamily="34" charset="0"/>
+                <a:ea typeface="+mj-ea"/>
+                <a:cs typeface="+mj-cs"/>
+              </a:rPr>
+              <a:t>Natural Language </a:t>
+            </a:r>
+            <a:r>
+              <a:rPr lang="en-US" altLang="zh-TW" sz="4000" dirty="0">
+                <a:solidFill>
+                  <a:srgbClr val="FF0000"/>
+                </a:solidFill>
+                <a:latin typeface="Arial Black" panose="020B0A04020102020204" pitchFamily="34" charset="0"/>
+                <a:ea typeface="+mj-ea"/>
+                <a:cs typeface="+mj-cs"/>
+              </a:rPr>
+              <a:t>Understanding</a:t>
+            </a:r>
+            <a:endParaRPr lang="zh-TW" altLang="en-US" sz="4000" dirty="0">
+              <a:solidFill>
+                <a:srgbClr val="FF0000"/>
+              </a:solidFill>
+              <a:latin typeface="Arial Black" panose="020B0A04020102020204" pitchFamily="34" charset="0"/>
+              <a:ea typeface="+mj-ea"/>
+              <a:cs typeface="+mj-cs"/>
+            </a:endParaRPr>
+          </a:p>
+        </p:txBody>
+      </p:sp>
       <p:pic>
         <p:nvPicPr>
-          <p:cNvPr id="2" name="圖片 1"/>
+          <p:cNvPr id="4" name="圖片 3"/>
           <p:cNvPicPr>
             <a:picLocks noChangeAspect="1"/>
           </p:cNvPicPr>
           <p:nvPr/>
         </p:nvPicPr>
         <p:blipFill>
-          <a:blip r:embed="rId2">
-            <a:extLst>
-              <a:ext uri="{28A0092B-C50C-407E-A947-70E740481C1C}">
-                <a14:useLocalDpi xmlns:a14="http://schemas.microsoft.com/office/drawing/2010/main" val="0"/>
-              </a:ext>
-            </a:extLst>
-          </a:blip>
+          <a:blip r:embed="rId2"/>
           <a:stretch>
             <a:fillRect/>
           </a:stretch>
         </p:blipFill>
         <p:spPr>
           <a:xfrm>
-            <a:off x="1333500" y="838200"/>
-            <a:ext cx="9525000" cy="5181600"/>
+            <a:off x="2580783" y="1805834"/>
+            <a:ext cx="7030431" cy="3867690"/>
           </a:xfrm>
           <a:prstGeom prst="rect">
             <a:avLst/>
           </a:prstGeom>
         </p:spPr>
       </p:pic>
-      <p:sp>
-        <p:nvSpPr>
-          <p:cNvPr id="3" name="矩形 2"/>
-          <p:cNvSpPr/>
-          <p:nvPr/>
-        </p:nvSpPr>
-        <p:spPr>
-          <a:xfrm>
-            <a:off x="1529542" y="2493818"/>
-            <a:ext cx="9077498" cy="498764"/>
-          </a:xfrm>
-          <a:prstGeom prst="rect">
-            <a:avLst/>
-          </a:prstGeom>
-          <a:noFill/>
-          <a:ln w="76200">
-            <a:solidFill>
-              <a:srgbClr val="FF0000"/>
-            </a:solidFill>
-          </a:ln>
-        </p:spPr>
-        <p:style>
-          <a:lnRef idx="2">
-            <a:schemeClr val="accent1">
-              <a:shade val="50000"/>
-            </a:schemeClr>
-          </a:lnRef>
-          <a:fillRef idx="1">
-            <a:schemeClr val="accent1"/>
-          </a:fillRef>
-          <a:effectRef idx="0">
-            <a:schemeClr val="accent1"/>
-          </a:effectRef>
-          <a:fontRef idx="minor">
-            <a:schemeClr val="lt1"/>
-          </a:fontRef>
-        </p:style>
-        <p:txBody>
-          <a:bodyPr rtlCol="0" anchor="ctr"/>
-          <a:lstStyle/>
-          <a:p>
-            <a:pPr algn="ctr"/>
-            <a:endParaRPr lang="zh-TW" altLang="en-US"/>
-          </a:p>
-        </p:txBody>
-      </p:sp>
-      <p:sp>
-        <p:nvSpPr>
-          <p:cNvPr id="6" name="矩形 5"/>
-          <p:cNvSpPr/>
-          <p:nvPr/>
-        </p:nvSpPr>
-        <p:spPr>
-          <a:xfrm>
-            <a:off x="1529542" y="3868189"/>
-            <a:ext cx="9077498" cy="498764"/>
-          </a:xfrm>
-          <a:prstGeom prst="rect">
-            <a:avLst/>
-          </a:prstGeom>
-          <a:noFill/>
-          <a:ln w="76200">
-            <a:solidFill>
-              <a:srgbClr val="FF0000"/>
-            </a:solidFill>
-          </a:ln>
-        </p:spPr>
-        <p:style>
-          <a:lnRef idx="2">
-            <a:schemeClr val="accent1">
-              <a:shade val="50000"/>
-            </a:schemeClr>
-          </a:lnRef>
-          <a:fillRef idx="1">
-            <a:schemeClr val="accent1"/>
-          </a:fillRef>
-          <a:effectRef idx="0">
-            <a:schemeClr val="accent1"/>
-          </a:effectRef>
-          <a:fontRef idx="minor">
-            <a:schemeClr val="lt1"/>
-          </a:fontRef>
-        </p:style>
-        <p:txBody>
-          <a:bodyPr rtlCol="0" anchor="ctr"/>
-          <a:lstStyle/>
-          <a:p>
-            <a:pPr algn="ctr"/>
-            <a:endParaRPr lang="zh-TW" altLang="en-US"/>
-          </a:p>
-        </p:txBody>
-      </p:sp>
     </p:spTree>
     <p:extLst>
       <p:ext uri="{BB962C8B-B14F-4D97-AF65-F5344CB8AC3E}">
-        <p14:creationId xmlns:p14="http://schemas.microsoft.com/office/powerpoint/2010/main" val="2038594078"/>
+        <p14:creationId xmlns:p14="http://schemas.microsoft.com/office/powerpoint/2010/main" val="3266726702"/>
       </p:ext>
     </p:extLst>
   </p:cSld>
@@ -3857,18 +4103,64 @@
         </p:blipFill>
         <p:spPr>
           <a:xfrm>
-            <a:off x="1685886" y="1404719"/>
-            <a:ext cx="8820227" cy="3932052"/>
+            <a:off x="2414073" y="542522"/>
+            <a:ext cx="7363853" cy="5772956"/>
           </a:xfrm>
           <a:prstGeom prst="rect">
             <a:avLst/>
           </a:prstGeom>
         </p:spPr>
       </p:pic>
+      <p:sp>
+        <p:nvSpPr>
+          <p:cNvPr id="6" name="矩形 5"/>
+          <p:cNvSpPr/>
+          <p:nvPr/>
+        </p:nvSpPr>
+        <p:spPr>
+          <a:xfrm>
+            <a:off x="2414073" y="5261956"/>
+            <a:ext cx="7363853" cy="1053522"/>
+          </a:xfrm>
+          <a:prstGeom prst="rect">
+            <a:avLst/>
+          </a:prstGeom>
+          <a:noFill/>
+          <a:ln w="76200">
+            <a:solidFill>
+              <a:srgbClr val="FF0000"/>
+            </a:solidFill>
+          </a:ln>
+        </p:spPr>
+        <p:style>
+          <a:lnRef idx="2">
+            <a:schemeClr val="accent1">
+              <a:shade val="50000"/>
+            </a:schemeClr>
+          </a:lnRef>
+          <a:fillRef idx="1">
+            <a:schemeClr val="accent1"/>
+          </a:fillRef>
+          <a:effectRef idx="0">
+            <a:schemeClr val="accent1"/>
+          </a:effectRef>
+          <a:fontRef idx="minor">
+            <a:schemeClr val="lt1"/>
+          </a:fontRef>
+        </p:style>
+        <p:txBody>
+          <a:bodyPr rtlCol="0" anchor="ctr"/>
+          <a:lstStyle/>
+          <a:p>
+            <a:pPr algn="ctr"/>
+            <a:endParaRPr lang="zh-TW" altLang="en-US"/>
+          </a:p>
+        </p:txBody>
+      </p:sp>
     </p:spTree>
     <p:extLst>
       <p:ext uri="{BB962C8B-B14F-4D97-AF65-F5344CB8AC3E}">
-        <p14:creationId xmlns:p14="http://schemas.microsoft.com/office/powerpoint/2010/main" val="4076804561"/>
+        <p14:creationId xmlns:p14="http://schemas.microsoft.com/office/powerpoint/2010/main" val="220535420"/>
       </p:ext>
     </p:extLst>
   </p:cSld>
@@ -3897,14 +4189,14 @@
       </p:grpSpPr>
       <p:sp>
         <p:nvSpPr>
-          <p:cNvPr id="3" name="文字方塊 2"/>
+          <p:cNvPr id="2" name="文字方塊 1"/>
           <p:cNvSpPr txBox="1"/>
           <p:nvPr/>
         </p:nvSpPr>
         <p:spPr>
           <a:xfrm>
-            <a:off x="3707363" y="531844"/>
-            <a:ext cx="4777274" cy="1015663"/>
+            <a:off x="3149138" y="594635"/>
+            <a:ext cx="5694218" cy="830997"/>
           </a:xfrm>
           <a:prstGeom prst="rect">
             <a:avLst/>
@@ -3917,167 +4209,20 @@
           </a:bodyPr>
           <a:lstStyle/>
           <a:p>
-            <a:pPr algn="ctr"/>
-            <a:r>
-              <a:rPr lang="en-US" altLang="zh-TW" sz="6000" dirty="0">
-                <a:latin typeface="Arial Black" panose="020B0A04020102020204" pitchFamily="34" charset="0"/>
-                <a:ea typeface="+mj-ea"/>
-                <a:cs typeface="+mj-cs"/>
-              </a:rPr>
-              <a:t>Spec</a:t>
-            </a:r>
-            <a:endParaRPr lang="zh-TW" altLang="en-US" sz="6000" dirty="0">
-              <a:latin typeface="Arial Black" panose="020B0A04020102020204" pitchFamily="34" charset="0"/>
-              <a:ea typeface="+mj-ea"/>
-              <a:cs typeface="+mj-cs"/>
-            </a:endParaRPr>
-          </a:p>
-        </p:txBody>
-      </p:sp>
-      <p:sp>
-        <p:nvSpPr>
-          <p:cNvPr id="5" name="文字方塊 4">
-            <a:extLst>
-              <a:ext uri="{FF2B5EF4-FFF2-40B4-BE49-F238E27FC236}">
-                <a16:creationId xmlns:a16="http://schemas.microsoft.com/office/drawing/2014/main" id="{CF876A2D-9A40-0029-7A32-B8A925FC8523}"/>
-              </a:ext>
-            </a:extLst>
-          </p:cNvPr>
-          <p:cNvSpPr txBox="1"/>
-          <p:nvPr/>
-        </p:nvSpPr>
-        <p:spPr>
-          <a:xfrm>
-            <a:off x="1640540" y="1674673"/>
-            <a:ext cx="8910919" cy="3508653"/>
-          </a:xfrm>
-          <a:prstGeom prst="rect">
-            <a:avLst/>
-          </a:prstGeom>
-          <a:noFill/>
-        </p:spPr>
-        <p:txBody>
-          <a:bodyPr wrap="square" rtlCol="0">
-            <a:spAutoFit/>
-          </a:bodyPr>
-          <a:lstStyle/>
-          <a:p>
-            <a:pPr marL="342900" indent="-342900">
-              <a:buAutoNum type="arabicPeriod"/>
-            </a:pPr>
-            <a:r>
-              <a:rPr lang="en-US" altLang="zh-TW" sz="2800" dirty="0">
-                <a:latin typeface="Arial Black" panose="020B0A04020102020204" pitchFamily="34" charset="0"/>
-              </a:rPr>
-              <a:t>Collab using GitHub (One Repo)</a:t>
-            </a:r>
-          </a:p>
-          <a:p>
-            <a:pPr marL="342900" indent="-342900">
-              <a:buAutoNum type="arabicPeriod"/>
-            </a:pPr>
-            <a:r>
-              <a:rPr lang="en-US" altLang="zh-TW" sz="2800" dirty="0">
-                <a:latin typeface="Arial Black" panose="020B0A04020102020204" pitchFamily="34" charset="0"/>
-              </a:rPr>
-              <a:t>Share the link with Jonathan.</a:t>
-            </a:r>
-          </a:p>
-          <a:p>
-            <a:pPr marL="342900" indent="-342900">
-              <a:buAutoNum type="arabicPeriod"/>
-            </a:pPr>
-            <a:r>
-              <a:rPr lang="en-US" altLang="zh-TW" sz="2800" dirty="0">
-                <a:latin typeface="Arial Black" panose="020B0A04020102020204" pitchFamily="34" charset="0"/>
-              </a:rPr>
-              <a:t>inputSTR.txt (20 sentences)</a:t>
-            </a:r>
-          </a:p>
-          <a:p>
-            <a:pPr marL="342900" indent="-342900">
-              <a:buAutoNum type="arabicPeriod"/>
-            </a:pPr>
-            <a:r>
-              <a:rPr lang="en-US" altLang="zh-TW" sz="2800" dirty="0">
-                <a:latin typeface="Arial Black" panose="020B0A04020102020204" pitchFamily="34" charset="0"/>
-              </a:rPr>
-              <a:t>Test using </a:t>
-            </a:r>
-            <a:r>
-              <a:rPr lang="en-US" altLang="zh-TW" sz="2800" dirty="0" err="1">
-                <a:latin typeface="Arial Black" panose="020B0A04020102020204" pitchFamily="34" charset="0"/>
-              </a:rPr>
-              <a:t>caseparse</a:t>
-            </a:r>
-            <a:r>
-              <a:rPr lang="en-US" altLang="zh-TW" sz="2800" dirty="0">
-                <a:latin typeface="Arial Black" panose="020B0A04020102020204" pitchFamily="34" charset="0"/>
-              </a:rPr>
-              <a:t>(</a:t>
-            </a:r>
-            <a:r>
-              <a:rPr lang="en-US" altLang="zh-TW" sz="2800" dirty="0" err="1">
-                <a:latin typeface="Arial Black" panose="020B0A04020102020204" pitchFamily="34" charset="0"/>
-              </a:rPr>
-              <a:t>inputLIST</a:t>
-            </a:r>
-            <a:r>
-              <a:rPr lang="en-US" altLang="zh-TW" sz="2800" dirty="0">
-                <a:latin typeface="Arial Black" panose="020B0A04020102020204" pitchFamily="34" charset="0"/>
-              </a:rPr>
-              <a:t>)</a:t>
-            </a:r>
-          </a:p>
-          <a:p>
-            <a:pPr marL="342900" indent="-342900">
-              <a:buAutoNum type="arabicPeriod"/>
-            </a:pPr>
-            <a:r>
-              <a:rPr lang="en-US" altLang="zh-TW" sz="2800" dirty="0">
-                <a:solidFill>
-                  <a:srgbClr val="FF0000"/>
-                </a:solidFill>
-                <a:latin typeface="Arial Black" panose="020B0A04020102020204" pitchFamily="34" charset="0"/>
-              </a:rPr>
-              <a:t>For freshman : </a:t>
-            </a:r>
-          </a:p>
-          <a:p>
-            <a:r>
-              <a:rPr lang="en-US" altLang="zh-TW" sz="2800" dirty="0">
-                <a:solidFill>
-                  <a:srgbClr val="FF0000"/>
-                </a:solidFill>
-                <a:latin typeface="Arial Black" panose="020B0A04020102020204" pitchFamily="34" charset="0"/>
-              </a:rPr>
-              <a:t>Lab Hour Tues 14:30~16:30 by appointment</a:t>
-            </a:r>
-          </a:p>
-          <a:p>
-            <a:pPr marL="342900" indent="-342900">
-              <a:buAutoNum type="arabicPeriod"/>
-            </a:pPr>
-            <a:endParaRPr lang="en-US" altLang="zh-TW" dirty="0"/>
-          </a:p>
-          <a:p>
-            <a:pPr marL="342900" indent="-342900">
-              <a:buAutoNum type="arabicPeriod"/>
-            </a:pPr>
-            <a:endParaRPr lang="en-US" altLang="zh-TW" dirty="0"/>
-          </a:p>
-          <a:p>
-            <a:pPr marL="342900" indent="-342900">
-              <a:buAutoNum type="arabicPeriod"/>
-            </a:pPr>
-            <a:endParaRPr lang="zh-TW" altLang="en-US" dirty="0"/>
+            <a:r>
+              <a:rPr lang="zh-TW" altLang="en-US" sz="4800" b="1" dirty="0">
+                <a:latin typeface="標楷體" panose="03000509000000000000" pitchFamily="65" charset="-120"/>
+                <a:ea typeface="標楷體" panose="03000509000000000000" pitchFamily="65" charset="-120"/>
+              </a:rPr>
+              <a:t>小明把蘋果給了小弟</a:t>
+            </a:r>
           </a:p>
         </p:txBody>
       </p:sp>
     </p:spTree>
     <p:extLst>
       <p:ext uri="{BB962C8B-B14F-4D97-AF65-F5344CB8AC3E}">
-        <p14:creationId xmlns:p14="http://schemas.microsoft.com/office/powerpoint/2010/main" val="3695506599"/>
+        <p14:creationId xmlns:p14="http://schemas.microsoft.com/office/powerpoint/2010/main" val="1372223683"/>
       </p:ext>
     </p:extLst>
   </p:cSld>
@@ -4112,1490 +4257,6 @@
         </p:nvSpPr>
         <p:spPr>
           <a:xfrm>
-            <a:off x="2880426" y="797510"/>
-            <a:ext cx="12204441" cy="5262979"/>
-          </a:xfrm>
-          <a:prstGeom prst="rect">
-            <a:avLst/>
-          </a:prstGeom>
-          <a:noFill/>
-        </p:spPr>
-        <p:txBody>
-          <a:bodyPr wrap="square" rtlCol="0">
-            <a:spAutoFit/>
-          </a:bodyPr>
-          <a:lstStyle/>
-          <a:p>
-            <a:r>
-              <a:rPr lang="en-US" altLang="zh-TW" sz="2800" dirty="0" err="1">
-                <a:latin typeface="Arial Black" panose="020B0A04020102020204" pitchFamily="34" charset="0"/>
-              </a:rPr>
-              <a:t>inputSTR</a:t>
-            </a:r>
-            <a:r>
-              <a:rPr lang="en-US" altLang="zh-TW" sz="2800" dirty="0">
-                <a:latin typeface="Arial Black" panose="020B0A04020102020204" pitchFamily="34" charset="0"/>
-              </a:rPr>
-              <a:t> = “</a:t>
-            </a:r>
-            <a:r>
-              <a:rPr lang="ja-JP" altLang="en-US" sz="2800" b="1" dirty="0">
-                <a:solidFill>
-                  <a:srgbClr val="FF0000"/>
-                </a:solidFill>
-                <a:latin typeface="Arial Black" panose="020B0A04020102020204" pitchFamily="34" charset="0"/>
-              </a:rPr>
-              <a:t>私</a:t>
-            </a:r>
-            <a:r>
-              <a:rPr lang="ja-JP" altLang="en-US" sz="2800" b="1" dirty="0">
-                <a:latin typeface="Arial Black" panose="020B0A04020102020204" pitchFamily="34" charset="0"/>
-              </a:rPr>
-              <a:t>は</a:t>
-            </a:r>
-            <a:r>
-              <a:rPr lang="ja-JP" altLang="en-US" sz="2800" b="1" dirty="0">
-                <a:solidFill>
-                  <a:srgbClr val="FF0000"/>
-                </a:solidFill>
-                <a:latin typeface="Arial Black" panose="020B0A04020102020204" pitchFamily="34" charset="0"/>
-              </a:rPr>
-              <a:t>ラーメン</a:t>
-            </a:r>
-            <a:r>
-              <a:rPr lang="ja-JP" altLang="en-US" sz="2800" b="1" dirty="0">
-                <a:latin typeface="Arial Black" panose="020B0A04020102020204" pitchFamily="34" charset="0"/>
-              </a:rPr>
-              <a:t>を</a:t>
-            </a:r>
-            <a:r>
-              <a:rPr lang="ja-JP" altLang="en-US" sz="2800" b="1" dirty="0">
-                <a:solidFill>
-                  <a:srgbClr val="FF0000"/>
-                </a:solidFill>
-                <a:latin typeface="Arial Black" panose="020B0A04020102020204" pitchFamily="34" charset="0"/>
-              </a:rPr>
-              <a:t>食べ</a:t>
-            </a:r>
-            <a:r>
-              <a:rPr lang="ja-JP" altLang="en-US" sz="2800" b="1" dirty="0">
-                <a:latin typeface="Arial Black" panose="020B0A04020102020204" pitchFamily="34" charset="0"/>
-              </a:rPr>
-              <a:t>ます</a:t>
-            </a:r>
-            <a:r>
-              <a:rPr lang="en-US" altLang="zh-TW" sz="2800" dirty="0">
-                <a:latin typeface="Arial Black" panose="020B0A04020102020204" pitchFamily="34" charset="0"/>
-              </a:rPr>
-              <a:t>”</a:t>
-            </a:r>
-          </a:p>
-          <a:p>
-            <a:endParaRPr lang="en-US" altLang="zh-TW" sz="2800" dirty="0">
-              <a:latin typeface="Arial Black" panose="020B0A04020102020204" pitchFamily="34" charset="0"/>
-            </a:endParaRPr>
-          </a:p>
-          <a:p>
-            <a:r>
-              <a:rPr lang="en-US" altLang="zh-TW" sz="2800" dirty="0" err="1">
-                <a:latin typeface="Arial Black" panose="020B0A04020102020204" pitchFamily="34" charset="0"/>
-              </a:rPr>
-              <a:t>resultDICT</a:t>
-            </a:r>
-            <a:r>
-              <a:rPr lang="en-US" altLang="zh-TW" sz="2800" dirty="0">
-                <a:latin typeface="Arial Black" panose="020B0A04020102020204" pitchFamily="34" charset="0"/>
-              </a:rPr>
-              <a:t> = {</a:t>
-            </a:r>
-          </a:p>
-          <a:p>
-            <a:r>
-              <a:rPr lang="en-US" altLang="zh-TW" sz="2800" dirty="0">
-                <a:latin typeface="Arial Black" panose="020B0A04020102020204" pitchFamily="34" charset="0"/>
-              </a:rPr>
-              <a:t>			“Subject”:”</a:t>
-            </a:r>
-            <a:r>
-              <a:rPr lang="ja-JP" altLang="en-US" sz="2800" b="1" dirty="0">
-                <a:solidFill>
-                  <a:srgbClr val="FF0000"/>
-                </a:solidFill>
-                <a:latin typeface="Arial Black" panose="020B0A04020102020204" pitchFamily="34" charset="0"/>
-              </a:rPr>
-              <a:t>私</a:t>
-            </a:r>
-            <a:r>
-              <a:rPr lang="en-US" altLang="zh-TW" sz="2800" dirty="0">
-                <a:latin typeface="Arial Black" panose="020B0A04020102020204" pitchFamily="34" charset="0"/>
-              </a:rPr>
-              <a:t>”, </a:t>
-            </a:r>
-          </a:p>
-          <a:p>
-            <a:r>
-              <a:rPr lang="en-US" altLang="zh-TW" sz="2800" dirty="0">
-                <a:latin typeface="Arial Black" panose="020B0A04020102020204" pitchFamily="34" charset="0"/>
-              </a:rPr>
-              <a:t>			“Object”:”</a:t>
-            </a:r>
-            <a:r>
-              <a:rPr lang="ja-JP" altLang="en-US" sz="2800" b="1" dirty="0">
-                <a:solidFill>
-                  <a:srgbClr val="FF0000"/>
-                </a:solidFill>
-                <a:latin typeface="Arial Black" panose="020B0A04020102020204" pitchFamily="34" charset="0"/>
-              </a:rPr>
-              <a:t>ラーメン</a:t>
-            </a:r>
-            <a:r>
-              <a:rPr lang="en-US" altLang="zh-TW" sz="2800" dirty="0">
-                <a:latin typeface="Arial Black" panose="020B0A04020102020204" pitchFamily="34" charset="0"/>
-              </a:rPr>
-              <a:t>”, </a:t>
-            </a:r>
-          </a:p>
-          <a:p>
-            <a:r>
-              <a:rPr lang="en-US" altLang="zh-TW" sz="2800" dirty="0">
-                <a:latin typeface="Arial Black" panose="020B0A04020102020204" pitchFamily="34" charset="0"/>
-              </a:rPr>
-              <a:t>			“Verb”:”</a:t>
-            </a:r>
-            <a:r>
-              <a:rPr lang="ja-JP" altLang="en-US" sz="2800" b="1" dirty="0">
-                <a:solidFill>
-                  <a:srgbClr val="FF0000"/>
-                </a:solidFill>
-                <a:latin typeface="Arial Black" panose="020B0A04020102020204" pitchFamily="34" charset="0"/>
-              </a:rPr>
-              <a:t>食べ</a:t>
-            </a:r>
-            <a:r>
-              <a:rPr lang="en-US" altLang="zh-TW" sz="2800" dirty="0">
-                <a:latin typeface="Arial Black" panose="020B0A04020102020204" pitchFamily="34" charset="0"/>
-              </a:rPr>
-              <a:t>”</a:t>
-            </a:r>
-          </a:p>
-          <a:p>
-            <a:r>
-              <a:rPr lang="en-US" altLang="zh-TW" sz="2800" dirty="0">
-                <a:latin typeface="Arial Black" panose="020B0A04020102020204" pitchFamily="34" charset="0"/>
-              </a:rPr>
-              <a:t>			}</a:t>
-            </a:r>
-          </a:p>
-          <a:p>
-            <a:endParaRPr lang="en-US" altLang="zh-TW" sz="2800" dirty="0">
-              <a:latin typeface="Arial Black" panose="020B0A04020102020204" pitchFamily="34" charset="0"/>
-            </a:endParaRPr>
-          </a:p>
-          <a:p>
-            <a:r>
-              <a:rPr lang="en-US" altLang="zh-TW" sz="2800" dirty="0">
-                <a:latin typeface="Arial Black" panose="020B0A04020102020204" pitchFamily="34" charset="0"/>
-              </a:rPr>
-              <a:t>def </a:t>
-            </a:r>
-            <a:r>
-              <a:rPr lang="en-US" altLang="zh-TW" sz="2800" dirty="0" err="1">
-                <a:latin typeface="Arial Black" panose="020B0A04020102020204" pitchFamily="34" charset="0"/>
-              </a:rPr>
-              <a:t>caseparse</a:t>
-            </a:r>
-            <a:r>
-              <a:rPr lang="en-US" altLang="zh-TW" sz="2800" dirty="0">
-                <a:latin typeface="Arial Black" panose="020B0A04020102020204" pitchFamily="34" charset="0"/>
-              </a:rPr>
-              <a:t>(</a:t>
-            </a:r>
-            <a:r>
-              <a:rPr lang="en-US" altLang="zh-TW" sz="2800" dirty="0" err="1">
-                <a:latin typeface="Arial Black" panose="020B0A04020102020204" pitchFamily="34" charset="0"/>
-              </a:rPr>
-              <a:t>inputLIST</a:t>
-            </a:r>
-            <a:r>
-              <a:rPr lang="en-US" altLang="zh-TW" sz="2800" dirty="0">
-                <a:latin typeface="Arial Black" panose="020B0A04020102020204" pitchFamily="34" charset="0"/>
-              </a:rPr>
-              <a:t>):</a:t>
-            </a:r>
-          </a:p>
-          <a:p>
-            <a:r>
-              <a:rPr lang="en-US" altLang="zh-TW" sz="2800" dirty="0">
-                <a:latin typeface="Arial Black" panose="020B0A04020102020204" pitchFamily="34" charset="0"/>
-              </a:rPr>
-              <a:t>	</a:t>
-            </a:r>
-            <a:r>
-              <a:rPr lang="en-US" altLang="zh-TW" sz="2800" dirty="0" err="1">
-                <a:latin typeface="Arial Black" panose="020B0A04020102020204" pitchFamily="34" charset="0"/>
-              </a:rPr>
-              <a:t>extractSubject</a:t>
-            </a:r>
-            <a:r>
-              <a:rPr lang="en-US" altLang="zh-TW" sz="2800" dirty="0">
-                <a:latin typeface="Arial Black" panose="020B0A04020102020204" pitchFamily="34" charset="0"/>
-              </a:rPr>
-              <a:t>(</a:t>
-            </a:r>
-            <a:r>
-              <a:rPr lang="en-US" altLang="zh-TW" sz="2800" dirty="0" err="1">
-                <a:latin typeface="Arial Black" panose="020B0A04020102020204" pitchFamily="34" charset="0"/>
-              </a:rPr>
-              <a:t>inputLIST</a:t>
-            </a:r>
-            <a:r>
-              <a:rPr lang="en-US" altLang="zh-TW" sz="2800" dirty="0">
-                <a:latin typeface="Arial Black" panose="020B0A04020102020204" pitchFamily="34" charset="0"/>
-              </a:rPr>
-              <a:t>)</a:t>
-            </a:r>
-          </a:p>
-          <a:p>
-            <a:r>
-              <a:rPr lang="en-US" altLang="zh-TW" sz="2800" dirty="0">
-                <a:latin typeface="Arial Black" panose="020B0A04020102020204" pitchFamily="34" charset="0"/>
-              </a:rPr>
-              <a:t>	</a:t>
-            </a:r>
-            <a:r>
-              <a:rPr lang="en-US" altLang="zh-TW" sz="2800" dirty="0" err="1">
-                <a:latin typeface="Arial Black" panose="020B0A04020102020204" pitchFamily="34" charset="0"/>
-              </a:rPr>
-              <a:t>extractObject</a:t>
-            </a:r>
-            <a:r>
-              <a:rPr lang="en-US" altLang="zh-TW" sz="2800" dirty="0">
-                <a:latin typeface="Arial Black" panose="020B0A04020102020204" pitchFamily="34" charset="0"/>
-              </a:rPr>
-              <a:t>(</a:t>
-            </a:r>
-            <a:r>
-              <a:rPr lang="en-US" altLang="zh-TW" sz="2800" dirty="0" err="1">
-                <a:latin typeface="Arial Black" panose="020B0A04020102020204" pitchFamily="34" charset="0"/>
-              </a:rPr>
-              <a:t>inputLIST</a:t>
-            </a:r>
-            <a:r>
-              <a:rPr lang="en-US" altLang="zh-TW" sz="2800" dirty="0">
-                <a:latin typeface="Arial Black" panose="020B0A04020102020204" pitchFamily="34" charset="0"/>
-              </a:rPr>
-              <a:t>)</a:t>
-            </a:r>
-          </a:p>
-          <a:p>
-            <a:r>
-              <a:rPr lang="en-US" altLang="zh-TW" sz="2800" dirty="0">
-                <a:latin typeface="Arial Black" panose="020B0A04020102020204" pitchFamily="34" charset="0"/>
-              </a:rPr>
-              <a:t>	</a:t>
-            </a:r>
-            <a:r>
-              <a:rPr lang="en-US" altLang="zh-TW" sz="2800" dirty="0" err="1">
-                <a:latin typeface="Arial Black" panose="020B0A04020102020204" pitchFamily="34" charset="0"/>
-              </a:rPr>
-              <a:t>extractVerb</a:t>
-            </a:r>
-            <a:r>
-              <a:rPr lang="en-US" altLang="zh-TW" sz="2800" dirty="0">
-                <a:latin typeface="Arial Black" panose="020B0A04020102020204" pitchFamily="34" charset="0"/>
-              </a:rPr>
-              <a:t> (</a:t>
-            </a:r>
-            <a:r>
-              <a:rPr lang="en-US" altLang="zh-TW" sz="2800" dirty="0" err="1">
-                <a:latin typeface="Arial Black" panose="020B0A04020102020204" pitchFamily="34" charset="0"/>
-              </a:rPr>
-              <a:t>inputLIST</a:t>
-            </a:r>
-            <a:r>
-              <a:rPr lang="en-US" altLang="zh-TW" sz="2800" dirty="0">
-                <a:latin typeface="Arial Black" panose="020B0A04020102020204" pitchFamily="34" charset="0"/>
-              </a:rPr>
-              <a:t>)</a:t>
-            </a:r>
-            <a:endParaRPr lang="zh-TW" altLang="en-US" sz="2800" dirty="0">
-              <a:latin typeface="Arial Black" panose="020B0A04020102020204" pitchFamily="34" charset="0"/>
-            </a:endParaRPr>
-          </a:p>
-        </p:txBody>
-      </p:sp>
-    </p:spTree>
-    <p:extLst>
-      <p:ext uri="{BB962C8B-B14F-4D97-AF65-F5344CB8AC3E}">
-        <p14:creationId xmlns:p14="http://schemas.microsoft.com/office/powerpoint/2010/main" val="3459649001"/>
-      </p:ext>
-    </p:extLst>
-  </p:cSld>
-  <p:clrMapOvr>
-    <a:masterClrMapping/>
-  </p:clrMapOvr>
-</p:sld>
-</file>
-
-<file path=ppt/slides/slide18.xml><?xml version="1.0" encoding="utf-8"?>
-<p:sld xmlns:a="http://schemas.openxmlformats.org/drawingml/2006/main" xmlns:r="http://schemas.openxmlformats.org/officeDocument/2006/relationships" xmlns:p="http://schemas.openxmlformats.org/presentationml/2006/main">
-  <p:cSld>
-    <p:spTree>
-      <p:nvGrpSpPr>
-        <p:cNvPr id="1" name=""/>
-        <p:cNvGrpSpPr/>
-        <p:nvPr/>
-      </p:nvGrpSpPr>
-      <p:grpSpPr>
-        <a:xfrm>
-          <a:off x="0" y="0"/>
-          <a:ext cx="0" cy="0"/>
-          <a:chOff x="0" y="0"/>
-          <a:chExt cx="0" cy="0"/>
-        </a:xfrm>
-      </p:grpSpPr>
-      <p:sp>
-        <p:nvSpPr>
-          <p:cNvPr id="2" name="文字方塊 1"/>
-          <p:cNvSpPr txBox="1"/>
-          <p:nvPr/>
-        </p:nvSpPr>
-        <p:spPr>
-          <a:xfrm>
-            <a:off x="2640564" y="1766958"/>
-            <a:ext cx="12204441" cy="954107"/>
-          </a:xfrm>
-          <a:prstGeom prst="rect">
-            <a:avLst/>
-          </a:prstGeom>
-          <a:noFill/>
-        </p:spPr>
-        <p:txBody>
-          <a:bodyPr wrap="square" rtlCol="0">
-            <a:spAutoFit/>
-          </a:bodyPr>
-          <a:lstStyle/>
-          <a:p>
-            <a:r>
-              <a:rPr lang="en-US" altLang="zh-TW" sz="2800" dirty="0" err="1">
-                <a:latin typeface="Arial Black" panose="020B0A04020102020204" pitchFamily="34" charset="0"/>
-              </a:rPr>
-              <a:t>inputSTR</a:t>
-            </a:r>
-            <a:r>
-              <a:rPr lang="en-US" altLang="zh-TW" sz="2800" dirty="0">
-                <a:latin typeface="Arial Black" panose="020B0A04020102020204" pitchFamily="34" charset="0"/>
-              </a:rPr>
-              <a:t> = “</a:t>
-            </a:r>
-            <a:r>
-              <a:rPr lang="ja-JP" altLang="en-US" sz="2800" b="1" dirty="0">
-                <a:latin typeface="Arial Black" panose="020B0A04020102020204" pitchFamily="34" charset="0"/>
-              </a:rPr>
-              <a:t>私</a:t>
-            </a:r>
-            <a:r>
-              <a:rPr lang="ja-JP" altLang="en-US" sz="2800" b="1" dirty="0">
-                <a:solidFill>
-                  <a:srgbClr val="FF0000"/>
-                </a:solidFill>
-                <a:latin typeface="Arial Black" panose="020B0A04020102020204" pitchFamily="34" charset="0"/>
-              </a:rPr>
-              <a:t>は</a:t>
-            </a:r>
-            <a:r>
-              <a:rPr lang="ja-JP" altLang="en-US" sz="2800" b="1" dirty="0">
-                <a:latin typeface="Arial Black" panose="020B0A04020102020204" pitchFamily="34" charset="0"/>
-              </a:rPr>
-              <a:t>ラーメン</a:t>
-            </a:r>
-            <a:r>
-              <a:rPr lang="ja-JP" altLang="en-US" sz="2800" b="1" dirty="0">
-                <a:solidFill>
-                  <a:srgbClr val="FF0000"/>
-                </a:solidFill>
-                <a:latin typeface="Arial Black" panose="020B0A04020102020204" pitchFamily="34" charset="0"/>
-              </a:rPr>
-              <a:t>を</a:t>
-            </a:r>
-            <a:r>
-              <a:rPr lang="ja-JP" altLang="en-US" sz="2800" b="1" dirty="0">
-                <a:latin typeface="Arial Black" panose="020B0A04020102020204" pitchFamily="34" charset="0"/>
-              </a:rPr>
-              <a:t>食べます</a:t>
-            </a:r>
-            <a:r>
-              <a:rPr lang="en-US" altLang="zh-TW" sz="2800" dirty="0">
-                <a:latin typeface="Arial Black" panose="020B0A04020102020204" pitchFamily="34" charset="0"/>
-              </a:rPr>
-              <a:t>”</a:t>
-            </a:r>
-          </a:p>
-          <a:p>
-            <a:endParaRPr lang="en-US" altLang="zh-TW" sz="2800" dirty="0">
-              <a:latin typeface="Arial Black" panose="020B0A04020102020204" pitchFamily="34" charset="0"/>
-            </a:endParaRPr>
-          </a:p>
-        </p:txBody>
-      </p:sp>
-      <p:sp>
-        <p:nvSpPr>
-          <p:cNvPr id="3" name="文字方塊 2"/>
-          <p:cNvSpPr txBox="1"/>
-          <p:nvPr/>
-        </p:nvSpPr>
-        <p:spPr>
-          <a:xfrm>
-            <a:off x="3707363" y="531844"/>
-            <a:ext cx="4777274" cy="1015663"/>
-          </a:xfrm>
-          <a:prstGeom prst="rect">
-            <a:avLst/>
-          </a:prstGeom>
-          <a:noFill/>
-        </p:spPr>
-        <p:txBody>
-          <a:bodyPr wrap="square" rtlCol="0">
-            <a:spAutoFit/>
-          </a:bodyPr>
-          <a:lstStyle/>
-          <a:p>
-            <a:pPr algn="ctr"/>
-            <a:r>
-              <a:rPr lang="en-US" altLang="zh-TW" sz="6000" dirty="0">
-                <a:latin typeface="Arial Black" panose="020B0A04020102020204" pitchFamily="34" charset="0"/>
-                <a:ea typeface="+mj-ea"/>
-                <a:cs typeface="+mj-cs"/>
-              </a:rPr>
-              <a:t>Hint</a:t>
-            </a:r>
-            <a:endParaRPr lang="zh-TW" altLang="en-US" sz="6000" dirty="0">
-              <a:latin typeface="Arial Black" panose="020B0A04020102020204" pitchFamily="34" charset="0"/>
-              <a:ea typeface="+mj-ea"/>
-              <a:cs typeface="+mj-cs"/>
-            </a:endParaRPr>
-          </a:p>
-        </p:txBody>
-      </p:sp>
-      <p:sp>
-        <p:nvSpPr>
-          <p:cNvPr id="4" name="矩形 3"/>
-          <p:cNvSpPr/>
-          <p:nvPr/>
-        </p:nvSpPr>
-        <p:spPr>
-          <a:xfrm>
-            <a:off x="2640564" y="2459455"/>
-            <a:ext cx="4872359" cy="523220"/>
-          </a:xfrm>
-          <a:prstGeom prst="rect">
-            <a:avLst/>
-          </a:prstGeom>
-        </p:spPr>
-        <p:txBody>
-          <a:bodyPr wrap="none">
-            <a:spAutoFit/>
-          </a:bodyPr>
-          <a:lstStyle/>
-          <a:p>
-            <a:r>
-              <a:rPr lang="zh-TW" altLang="en-US" sz="2800" dirty="0">
-                <a:latin typeface="Arial Black" panose="020B0A04020102020204" pitchFamily="34" charset="0"/>
-              </a:rPr>
-              <a:t>https://chat.openai.com/</a:t>
-            </a:r>
-          </a:p>
-        </p:txBody>
-      </p:sp>
-      <p:sp>
-        <p:nvSpPr>
-          <p:cNvPr id="6" name="文字方塊 5">
-            <a:extLst>
-              <a:ext uri="{FF2B5EF4-FFF2-40B4-BE49-F238E27FC236}">
-                <a16:creationId xmlns:a16="http://schemas.microsoft.com/office/drawing/2014/main" id="{E90E0AFC-5FA4-48D5-33EB-983C9417953D}"/>
-              </a:ext>
-            </a:extLst>
-          </p:cNvPr>
-          <p:cNvSpPr txBox="1"/>
-          <p:nvPr/>
-        </p:nvSpPr>
-        <p:spPr>
-          <a:xfrm>
-            <a:off x="2640564" y="3071199"/>
-            <a:ext cx="7421418" cy="1384995"/>
-          </a:xfrm>
-          <a:prstGeom prst="rect">
-            <a:avLst/>
-          </a:prstGeom>
-          <a:noFill/>
-        </p:spPr>
-        <p:txBody>
-          <a:bodyPr wrap="square">
-            <a:spAutoFit/>
-          </a:bodyPr>
-          <a:lstStyle/>
-          <a:p>
-            <a:r>
-              <a:rPr lang="zh-TW" altLang="en-US" sz="2800" dirty="0">
-                <a:latin typeface="Arial Black" panose="020B0A04020102020204" pitchFamily="34" charset="0"/>
-              </a:rPr>
-              <a:t>https://medium.com/ccclub/ccclub-python-for-beginners-tutorial-d26900b9280e</a:t>
-            </a:r>
-          </a:p>
-        </p:txBody>
-      </p:sp>
-    </p:spTree>
-    <p:extLst>
-      <p:ext uri="{BB962C8B-B14F-4D97-AF65-F5344CB8AC3E}">
-        <p14:creationId xmlns:p14="http://schemas.microsoft.com/office/powerpoint/2010/main" val="2561639903"/>
-      </p:ext>
-    </p:extLst>
-  </p:cSld>
-  <p:clrMapOvr>
-    <a:masterClrMapping/>
-  </p:clrMapOvr>
-</p:sld>
-</file>
-
-<file path=ppt/slides/slide19.xml><?xml version="1.0" encoding="utf-8"?>
-<p:sld xmlns:a="http://schemas.openxmlformats.org/drawingml/2006/main" xmlns:r="http://schemas.openxmlformats.org/officeDocument/2006/relationships" xmlns:p="http://schemas.openxmlformats.org/presentationml/2006/main">
-  <p:cSld>
-    <p:spTree>
-      <p:nvGrpSpPr>
-        <p:cNvPr id="1" name=""/>
-        <p:cNvGrpSpPr/>
-        <p:nvPr/>
-      </p:nvGrpSpPr>
-      <p:grpSpPr>
-        <a:xfrm>
-          <a:off x="0" y="0"/>
-          <a:ext cx="0" cy="0"/>
-          <a:chOff x="0" y="0"/>
-          <a:chExt cx="0" cy="0"/>
-        </a:xfrm>
-      </p:grpSpPr>
-      <p:sp>
-        <p:nvSpPr>
-          <p:cNvPr id="3" name="文字方塊 2"/>
-          <p:cNvSpPr txBox="1"/>
-          <p:nvPr/>
-        </p:nvSpPr>
-        <p:spPr>
-          <a:xfrm>
-            <a:off x="3707363" y="531844"/>
-            <a:ext cx="4777274" cy="1015663"/>
-          </a:xfrm>
-          <a:prstGeom prst="rect">
-            <a:avLst/>
-          </a:prstGeom>
-          <a:noFill/>
-        </p:spPr>
-        <p:txBody>
-          <a:bodyPr wrap="square" rtlCol="0">
-            <a:spAutoFit/>
-          </a:bodyPr>
-          <a:lstStyle/>
-          <a:p>
-            <a:pPr algn="ctr"/>
-            <a:r>
-              <a:rPr lang="en-US" altLang="zh-TW" sz="6000" dirty="0">
-                <a:solidFill>
-                  <a:srgbClr val="FF0000"/>
-                </a:solidFill>
-                <a:latin typeface="Arial Black" panose="020B0A04020102020204" pitchFamily="34" charset="0"/>
-                <a:ea typeface="+mj-ea"/>
-                <a:cs typeface="+mj-cs"/>
-              </a:rPr>
-              <a:t>Sprint</a:t>
-            </a:r>
-            <a:endParaRPr lang="zh-TW" altLang="en-US" sz="6000" dirty="0">
-              <a:solidFill>
-                <a:srgbClr val="FF0000"/>
-              </a:solidFill>
-              <a:latin typeface="Arial Black" panose="020B0A04020102020204" pitchFamily="34" charset="0"/>
-              <a:ea typeface="+mj-ea"/>
-              <a:cs typeface="+mj-cs"/>
-            </a:endParaRPr>
-          </a:p>
-        </p:txBody>
-      </p:sp>
-      <p:sp>
-        <p:nvSpPr>
-          <p:cNvPr id="5" name="文字方塊 4">
-            <a:extLst>
-              <a:ext uri="{FF2B5EF4-FFF2-40B4-BE49-F238E27FC236}">
-                <a16:creationId xmlns:a16="http://schemas.microsoft.com/office/drawing/2014/main" id="{37F6AD44-1453-9817-F6D7-B73CCB69D2AC}"/>
-              </a:ext>
-            </a:extLst>
-          </p:cNvPr>
-          <p:cNvSpPr txBox="1"/>
-          <p:nvPr/>
-        </p:nvSpPr>
-        <p:spPr>
-          <a:xfrm>
-            <a:off x="1640540" y="2598003"/>
-            <a:ext cx="8910919" cy="1661993"/>
-          </a:xfrm>
-          <a:prstGeom prst="rect">
-            <a:avLst/>
-          </a:prstGeom>
-          <a:noFill/>
-        </p:spPr>
-        <p:txBody>
-          <a:bodyPr wrap="square" rtlCol="0">
-            <a:spAutoFit/>
-          </a:bodyPr>
-          <a:lstStyle/>
-          <a:p>
-            <a:r>
-              <a:rPr lang="en-US" altLang="zh-TW" sz="2800" dirty="0">
-                <a:latin typeface="Arial Black" panose="020B0A04020102020204" pitchFamily="34" charset="0"/>
-              </a:rPr>
-              <a:t>14:50~15:40 Sprint</a:t>
-            </a:r>
-          </a:p>
-          <a:p>
-            <a:endParaRPr lang="en-US" altLang="zh-TW" sz="2800" dirty="0">
-              <a:latin typeface="Arial Black" panose="020B0A04020102020204" pitchFamily="34" charset="0"/>
-            </a:endParaRPr>
-          </a:p>
-          <a:p>
-            <a:r>
-              <a:rPr lang="en-US" altLang="zh-TW" sz="2800" dirty="0">
-                <a:latin typeface="Arial Black" panose="020B0A04020102020204" pitchFamily="34" charset="0"/>
-              </a:rPr>
-              <a:t>15:40~16:00 Share (Progress/Problem)</a:t>
-            </a:r>
-          </a:p>
-          <a:p>
-            <a:pPr marL="342900" indent="-342900">
-              <a:buAutoNum type="arabicPeriod"/>
-            </a:pPr>
-            <a:endParaRPr lang="zh-TW" altLang="en-US" dirty="0"/>
-          </a:p>
-        </p:txBody>
-      </p:sp>
-    </p:spTree>
-    <p:extLst>
-      <p:ext uri="{BB962C8B-B14F-4D97-AF65-F5344CB8AC3E}">
-        <p14:creationId xmlns:p14="http://schemas.microsoft.com/office/powerpoint/2010/main" val="3351772517"/>
-      </p:ext>
-    </p:extLst>
-  </p:cSld>
-  <p:clrMapOvr>
-    <a:masterClrMapping/>
-  </p:clrMapOvr>
-</p:sld>
-</file>
-
-<file path=ppt/slides/slide2.xml><?xml version="1.0" encoding="utf-8"?>
-<p:sld xmlns:a="http://schemas.openxmlformats.org/drawingml/2006/main" xmlns:r="http://schemas.openxmlformats.org/officeDocument/2006/relationships" xmlns:p="http://schemas.openxmlformats.org/presentationml/2006/main">
-  <p:cSld>
-    <p:spTree>
-      <p:nvGrpSpPr>
-        <p:cNvPr id="1" name=""/>
-        <p:cNvGrpSpPr/>
-        <p:nvPr/>
-      </p:nvGrpSpPr>
-      <p:grpSpPr>
-        <a:xfrm>
-          <a:off x="0" y="0"/>
-          <a:ext cx="0" cy="0"/>
-          <a:chOff x="0" y="0"/>
-          <a:chExt cx="0" cy="0"/>
-        </a:xfrm>
-      </p:grpSpPr>
-      <p:sp>
-        <p:nvSpPr>
-          <p:cNvPr id="2" name="文字方塊 1"/>
-          <p:cNvSpPr txBox="1"/>
-          <p:nvPr/>
-        </p:nvSpPr>
-        <p:spPr>
-          <a:xfrm>
-            <a:off x="1867663" y="493221"/>
-            <a:ext cx="8456674" cy="707886"/>
-          </a:xfrm>
-          <a:prstGeom prst="rect">
-            <a:avLst/>
-          </a:prstGeom>
-          <a:noFill/>
-        </p:spPr>
-        <p:txBody>
-          <a:bodyPr wrap="none" rtlCol="0">
-            <a:spAutoFit/>
-          </a:bodyPr>
-          <a:lstStyle/>
-          <a:p>
-            <a:pPr algn="ctr"/>
-            <a:r>
-              <a:rPr lang="en-US" altLang="zh-TW" sz="4000" dirty="0">
-                <a:latin typeface="Arial Black" panose="020B0A04020102020204" pitchFamily="34" charset="0"/>
-                <a:ea typeface="+mj-ea"/>
-                <a:cs typeface="+mj-cs"/>
-              </a:rPr>
-              <a:t>Natural Language Processing</a:t>
-            </a:r>
-            <a:endParaRPr lang="zh-TW" altLang="en-US" sz="4000" dirty="0">
-              <a:latin typeface="Arial Black" panose="020B0A04020102020204" pitchFamily="34" charset="0"/>
-              <a:ea typeface="+mj-ea"/>
-              <a:cs typeface="+mj-cs"/>
-            </a:endParaRPr>
-          </a:p>
-        </p:txBody>
-      </p:sp>
-      <p:sp>
-        <p:nvSpPr>
-          <p:cNvPr id="3" name="矩形 2">
-            <a:extLst>
-              <a:ext uri="{FF2B5EF4-FFF2-40B4-BE49-F238E27FC236}">
-                <a16:creationId xmlns:a16="http://schemas.microsoft.com/office/drawing/2014/main" id="{35E922E9-2526-51EA-BFBB-0919A896FACD}"/>
-              </a:ext>
-            </a:extLst>
-          </p:cNvPr>
-          <p:cNvSpPr/>
-          <p:nvPr/>
-        </p:nvSpPr>
-        <p:spPr>
-          <a:xfrm>
-            <a:off x="685800" y="331694"/>
-            <a:ext cx="10820400" cy="5827059"/>
-          </a:xfrm>
-          <a:prstGeom prst="rect">
-            <a:avLst/>
-          </a:prstGeom>
-          <a:noFill/>
-          <a:ln w="57150">
-            <a:solidFill>
-              <a:schemeClr val="tx1"/>
-            </a:solidFill>
-          </a:ln>
-        </p:spPr>
-        <p:style>
-          <a:lnRef idx="2">
-            <a:schemeClr val="accent1">
-              <a:shade val="15000"/>
-            </a:schemeClr>
-          </a:lnRef>
-          <a:fillRef idx="1">
-            <a:schemeClr val="accent1"/>
-          </a:fillRef>
-          <a:effectRef idx="0">
-            <a:schemeClr val="accent1"/>
-          </a:effectRef>
-          <a:fontRef idx="minor">
-            <a:schemeClr val="lt1"/>
-          </a:fontRef>
-        </p:style>
-        <p:txBody>
-          <a:bodyPr rtlCol="0" anchor="ctr"/>
-          <a:lstStyle/>
-          <a:p>
-            <a:pPr algn="ctr"/>
-            <a:endParaRPr lang="zh-TW" altLang="en-US"/>
-          </a:p>
-        </p:txBody>
-      </p:sp>
-      <p:sp>
-        <p:nvSpPr>
-          <p:cNvPr id="4" name="文字方塊 3">
-            <a:extLst>
-              <a:ext uri="{FF2B5EF4-FFF2-40B4-BE49-F238E27FC236}">
-                <a16:creationId xmlns:a16="http://schemas.microsoft.com/office/drawing/2014/main" id="{8A26C7B0-2551-3CC8-0190-B288D1A4CC65}"/>
-              </a:ext>
-            </a:extLst>
-          </p:cNvPr>
-          <p:cNvSpPr txBox="1"/>
-          <p:nvPr/>
-        </p:nvSpPr>
-        <p:spPr>
-          <a:xfrm>
-            <a:off x="1269004" y="1504599"/>
-            <a:ext cx="3061351" cy="523220"/>
-          </a:xfrm>
-          <a:prstGeom prst="rect">
-            <a:avLst/>
-          </a:prstGeom>
-          <a:noFill/>
-        </p:spPr>
-        <p:txBody>
-          <a:bodyPr wrap="none" rtlCol="0">
-            <a:spAutoFit/>
-          </a:bodyPr>
-          <a:lstStyle/>
-          <a:p>
-            <a:pPr algn="ctr"/>
-            <a:r>
-              <a:rPr lang="en-US" altLang="zh-TW" sz="2800" dirty="0">
-                <a:solidFill>
-                  <a:srgbClr val="FF0000"/>
-                </a:solidFill>
-                <a:latin typeface="Arial Black" panose="020B0A04020102020204" pitchFamily="34" charset="0"/>
-                <a:ea typeface="+mj-ea"/>
-                <a:cs typeface="+mj-cs"/>
-              </a:rPr>
-              <a:t>Understanding</a:t>
-            </a:r>
-            <a:endParaRPr lang="zh-TW" altLang="en-US" sz="2800" dirty="0">
-              <a:solidFill>
-                <a:srgbClr val="FF0000"/>
-              </a:solidFill>
-              <a:latin typeface="Arial Black" panose="020B0A04020102020204" pitchFamily="34" charset="0"/>
-              <a:ea typeface="+mj-ea"/>
-              <a:cs typeface="+mj-cs"/>
-            </a:endParaRPr>
-          </a:p>
-        </p:txBody>
-      </p:sp>
-      <p:sp>
-        <p:nvSpPr>
-          <p:cNvPr id="7" name="矩形 6">
-            <a:extLst>
-              <a:ext uri="{FF2B5EF4-FFF2-40B4-BE49-F238E27FC236}">
-                <a16:creationId xmlns:a16="http://schemas.microsoft.com/office/drawing/2014/main" id="{3CAF7B1F-499C-246E-8385-36481872AE18}"/>
-              </a:ext>
-            </a:extLst>
-          </p:cNvPr>
-          <p:cNvSpPr/>
-          <p:nvPr/>
-        </p:nvSpPr>
-        <p:spPr>
-          <a:xfrm>
-            <a:off x="883926" y="1362634"/>
-            <a:ext cx="3831509" cy="4607860"/>
-          </a:xfrm>
-          <a:prstGeom prst="rect">
-            <a:avLst/>
-          </a:prstGeom>
-          <a:noFill/>
-          <a:ln w="57150">
-            <a:solidFill>
-              <a:srgbClr val="FF0000"/>
-            </a:solidFill>
-          </a:ln>
-        </p:spPr>
-        <p:style>
-          <a:lnRef idx="2">
-            <a:schemeClr val="accent1">
-              <a:shade val="15000"/>
-            </a:schemeClr>
-          </a:lnRef>
-          <a:fillRef idx="1">
-            <a:schemeClr val="accent1"/>
-          </a:fillRef>
-          <a:effectRef idx="0">
-            <a:schemeClr val="accent1"/>
-          </a:effectRef>
-          <a:fontRef idx="minor">
-            <a:schemeClr val="lt1"/>
-          </a:fontRef>
-        </p:style>
-        <p:txBody>
-          <a:bodyPr rtlCol="0" anchor="ctr"/>
-          <a:lstStyle/>
-          <a:p>
-            <a:pPr algn="ctr"/>
-            <a:endParaRPr lang="zh-TW" altLang="en-US">
-              <a:solidFill>
-                <a:srgbClr val="FF0000"/>
-              </a:solidFill>
-            </a:endParaRPr>
-          </a:p>
-        </p:txBody>
-      </p:sp>
-      <p:sp>
-        <p:nvSpPr>
-          <p:cNvPr id="8" name="文字方塊 7">
-            <a:extLst>
-              <a:ext uri="{FF2B5EF4-FFF2-40B4-BE49-F238E27FC236}">
-                <a16:creationId xmlns:a16="http://schemas.microsoft.com/office/drawing/2014/main" id="{9666F11F-2FBD-04F3-BB71-EA16F6A200F9}"/>
-              </a:ext>
-            </a:extLst>
-          </p:cNvPr>
-          <p:cNvSpPr txBox="1"/>
-          <p:nvPr/>
-        </p:nvSpPr>
-        <p:spPr>
-          <a:xfrm>
-            <a:off x="5651748" y="1504599"/>
-            <a:ext cx="2355133" cy="523220"/>
-          </a:xfrm>
-          <a:prstGeom prst="rect">
-            <a:avLst/>
-          </a:prstGeom>
-          <a:noFill/>
-        </p:spPr>
-        <p:txBody>
-          <a:bodyPr wrap="none" rtlCol="0">
-            <a:spAutoFit/>
-          </a:bodyPr>
-          <a:lstStyle/>
-          <a:p>
-            <a:pPr algn="ctr"/>
-            <a:r>
-              <a:rPr lang="en-US" altLang="zh-TW" sz="2800" dirty="0">
-                <a:latin typeface="Arial Black" panose="020B0A04020102020204" pitchFamily="34" charset="0"/>
-                <a:ea typeface="+mj-ea"/>
-                <a:cs typeface="+mj-cs"/>
-              </a:rPr>
-              <a:t>Generating</a:t>
-            </a:r>
-            <a:endParaRPr lang="zh-TW" altLang="en-US" sz="2800" dirty="0">
-              <a:latin typeface="Arial Black" panose="020B0A04020102020204" pitchFamily="34" charset="0"/>
-              <a:ea typeface="+mj-ea"/>
-              <a:cs typeface="+mj-cs"/>
-            </a:endParaRPr>
-          </a:p>
-        </p:txBody>
-      </p:sp>
-      <p:sp>
-        <p:nvSpPr>
-          <p:cNvPr id="9" name="矩形 8">
-            <a:extLst>
-              <a:ext uri="{FF2B5EF4-FFF2-40B4-BE49-F238E27FC236}">
-                <a16:creationId xmlns:a16="http://schemas.microsoft.com/office/drawing/2014/main" id="{C9A19B25-1BDD-B927-A11A-3ED51AD2B471}"/>
-              </a:ext>
-            </a:extLst>
-          </p:cNvPr>
-          <p:cNvSpPr/>
-          <p:nvPr/>
-        </p:nvSpPr>
-        <p:spPr>
-          <a:xfrm>
-            <a:off x="4913561" y="1362634"/>
-            <a:ext cx="3831509" cy="4607860"/>
-          </a:xfrm>
-          <a:prstGeom prst="rect">
-            <a:avLst/>
-          </a:prstGeom>
-          <a:noFill/>
-          <a:ln w="57150">
-            <a:solidFill>
-              <a:schemeClr val="tx1"/>
-            </a:solidFill>
-          </a:ln>
-        </p:spPr>
-        <p:style>
-          <a:lnRef idx="2">
-            <a:schemeClr val="accent1">
-              <a:shade val="15000"/>
-            </a:schemeClr>
-          </a:lnRef>
-          <a:fillRef idx="1">
-            <a:schemeClr val="accent1"/>
-          </a:fillRef>
-          <a:effectRef idx="0">
-            <a:schemeClr val="accent1"/>
-          </a:effectRef>
-          <a:fontRef idx="minor">
-            <a:schemeClr val="lt1"/>
-          </a:fontRef>
-        </p:style>
-        <p:txBody>
-          <a:bodyPr rtlCol="0" anchor="ctr"/>
-          <a:lstStyle/>
-          <a:p>
-            <a:pPr algn="ctr"/>
-            <a:endParaRPr lang="zh-TW" altLang="en-US"/>
-          </a:p>
-        </p:txBody>
-      </p:sp>
-      <p:sp>
-        <p:nvSpPr>
-          <p:cNvPr id="10" name="矩形 9">
-            <a:extLst>
-              <a:ext uri="{FF2B5EF4-FFF2-40B4-BE49-F238E27FC236}">
-                <a16:creationId xmlns:a16="http://schemas.microsoft.com/office/drawing/2014/main" id="{7453B275-5314-5CF6-338C-FB3EE56C6128}"/>
-              </a:ext>
-            </a:extLst>
-          </p:cNvPr>
-          <p:cNvSpPr/>
-          <p:nvPr/>
-        </p:nvSpPr>
-        <p:spPr>
-          <a:xfrm>
-            <a:off x="8943197" y="1362633"/>
-            <a:ext cx="2364878" cy="665186"/>
-          </a:xfrm>
-          <a:prstGeom prst="rect">
-            <a:avLst/>
-          </a:prstGeom>
-          <a:noFill/>
-          <a:ln w="57150">
-            <a:solidFill>
-              <a:schemeClr val="tx1"/>
-            </a:solidFill>
-          </a:ln>
-        </p:spPr>
-        <p:style>
-          <a:lnRef idx="2">
-            <a:schemeClr val="accent1">
-              <a:shade val="15000"/>
-            </a:schemeClr>
-          </a:lnRef>
-          <a:fillRef idx="1">
-            <a:schemeClr val="accent1"/>
-          </a:fillRef>
-          <a:effectRef idx="0">
-            <a:schemeClr val="accent1"/>
-          </a:effectRef>
-          <a:fontRef idx="minor">
-            <a:schemeClr val="lt1"/>
-          </a:fontRef>
-        </p:style>
-        <p:txBody>
-          <a:bodyPr rtlCol="0" anchor="ctr"/>
-          <a:lstStyle/>
-          <a:p>
-            <a:pPr algn="ctr"/>
-            <a:endParaRPr lang="zh-TW" altLang="en-US"/>
-          </a:p>
-        </p:txBody>
-      </p:sp>
-      <p:sp>
-        <p:nvSpPr>
-          <p:cNvPr id="11" name="文字方塊 10">
-            <a:extLst>
-              <a:ext uri="{FF2B5EF4-FFF2-40B4-BE49-F238E27FC236}">
-                <a16:creationId xmlns:a16="http://schemas.microsoft.com/office/drawing/2014/main" id="{BCE8E60C-FAF1-DEDF-932A-4084BE68F098}"/>
-              </a:ext>
-            </a:extLst>
-          </p:cNvPr>
-          <p:cNvSpPr txBox="1"/>
-          <p:nvPr/>
-        </p:nvSpPr>
-        <p:spPr>
-          <a:xfrm>
-            <a:off x="9345705" y="1536174"/>
-            <a:ext cx="1559859" cy="4708981"/>
-          </a:xfrm>
-          <a:prstGeom prst="rect">
-            <a:avLst/>
-          </a:prstGeom>
-          <a:noFill/>
-        </p:spPr>
-        <p:txBody>
-          <a:bodyPr wrap="square" rtlCol="0">
-            <a:spAutoFit/>
-          </a:bodyPr>
-          <a:lstStyle/>
-          <a:p>
-            <a:pPr algn="ctr"/>
-            <a:r>
-              <a:rPr lang="en-US" altLang="zh-TW" sz="6000" dirty="0"/>
-              <a:t>.</a:t>
-            </a:r>
-          </a:p>
-          <a:p>
-            <a:pPr algn="ctr"/>
-            <a:r>
-              <a:rPr lang="en-US" altLang="zh-TW" sz="6000" dirty="0"/>
-              <a:t>.</a:t>
-            </a:r>
-          </a:p>
-          <a:p>
-            <a:pPr algn="ctr"/>
-            <a:r>
-              <a:rPr lang="en-US" altLang="zh-TW" sz="6000" dirty="0"/>
-              <a:t>.</a:t>
-            </a:r>
-          </a:p>
-          <a:p>
-            <a:pPr algn="ctr"/>
-            <a:r>
-              <a:rPr lang="en-US" altLang="zh-TW" sz="6000" dirty="0"/>
-              <a:t>.</a:t>
-            </a:r>
-          </a:p>
-          <a:p>
-            <a:pPr algn="ctr"/>
-            <a:r>
-              <a:rPr lang="en-US" altLang="zh-TW" sz="6000" dirty="0"/>
-              <a:t>.</a:t>
-            </a:r>
-            <a:endParaRPr lang="zh-TW" altLang="en-US" sz="6000" dirty="0"/>
-          </a:p>
-        </p:txBody>
-      </p:sp>
-      <p:pic>
-        <p:nvPicPr>
-          <p:cNvPr id="13" name="圖片 12" descr="一張含有 字型, 符號, 標誌, 圖形 的圖片&#10;&#10;自動產生的描述">
-            <a:extLst>
-              <a:ext uri="{FF2B5EF4-FFF2-40B4-BE49-F238E27FC236}">
-                <a16:creationId xmlns:a16="http://schemas.microsoft.com/office/drawing/2014/main" id="{5AA67A19-21A1-C693-3AA3-5A6F287A17C6}"/>
-              </a:ext>
-            </a:extLst>
-          </p:cNvPr>
-          <p:cNvPicPr>
-            <a:picLocks noChangeAspect="1"/>
-          </p:cNvPicPr>
-          <p:nvPr/>
-        </p:nvPicPr>
-        <p:blipFill>
-          <a:blip r:embed="rId2">
-            <a:extLst>
-              <a:ext uri="{28A0092B-C50C-407E-A947-70E740481C1C}">
-                <a14:useLocalDpi xmlns:a14="http://schemas.microsoft.com/office/drawing/2010/main" val="0"/>
-              </a:ext>
-            </a:extLst>
-          </a:blip>
-          <a:stretch>
-            <a:fillRect/>
-          </a:stretch>
-        </p:blipFill>
-        <p:spPr>
-          <a:xfrm>
-            <a:off x="6176991" y="2378506"/>
-            <a:ext cx="1304645" cy="1304645"/>
-          </a:xfrm>
-          <a:prstGeom prst="rect">
-            <a:avLst/>
-          </a:prstGeom>
-        </p:spPr>
-      </p:pic>
-      <p:pic>
-        <p:nvPicPr>
-          <p:cNvPr id="15" name="圖片 14" descr="一張含有 創造力 的圖片&#10;&#10;自動產生的描述">
-            <a:extLst>
-              <a:ext uri="{FF2B5EF4-FFF2-40B4-BE49-F238E27FC236}">
-                <a16:creationId xmlns:a16="http://schemas.microsoft.com/office/drawing/2014/main" id="{53E3C2B7-728E-45D4-E7B4-BF3C631ECC82}"/>
-              </a:ext>
-            </a:extLst>
-          </p:cNvPr>
-          <p:cNvPicPr>
-            <a:picLocks noChangeAspect="1"/>
-          </p:cNvPicPr>
-          <p:nvPr/>
-        </p:nvPicPr>
-        <p:blipFill>
-          <a:blip r:embed="rId3">
-            <a:extLst>
-              <a:ext uri="{28A0092B-C50C-407E-A947-70E740481C1C}">
-                <a14:useLocalDpi xmlns:a14="http://schemas.microsoft.com/office/drawing/2010/main" val="0"/>
-              </a:ext>
-            </a:extLst>
-          </a:blip>
-          <a:stretch>
-            <a:fillRect/>
-          </a:stretch>
-        </p:blipFill>
-        <p:spPr>
-          <a:xfrm>
-            <a:off x="6405002" y="4033838"/>
-            <a:ext cx="1071562" cy="1071562"/>
-          </a:xfrm>
-          <a:prstGeom prst="rect">
-            <a:avLst/>
-          </a:prstGeom>
-        </p:spPr>
-      </p:pic>
-    </p:spTree>
-    <p:extLst>
-      <p:ext uri="{BB962C8B-B14F-4D97-AF65-F5344CB8AC3E}">
-        <p14:creationId xmlns:p14="http://schemas.microsoft.com/office/powerpoint/2010/main" val="1274058634"/>
-      </p:ext>
-    </p:extLst>
-  </p:cSld>
-  <p:clrMapOvr>
-    <a:masterClrMapping/>
-  </p:clrMapOvr>
-</p:sld>
-</file>
-
-<file path=ppt/slides/slide3.xml><?xml version="1.0" encoding="utf-8"?>
-<p:sld xmlns:a="http://schemas.openxmlformats.org/drawingml/2006/main" xmlns:r="http://schemas.openxmlformats.org/officeDocument/2006/relationships" xmlns:p="http://schemas.openxmlformats.org/presentationml/2006/main">
-  <p:cSld>
-    <p:spTree>
-      <p:nvGrpSpPr>
-        <p:cNvPr id="1" name=""/>
-        <p:cNvGrpSpPr/>
-        <p:nvPr/>
-      </p:nvGrpSpPr>
-      <p:grpSpPr>
-        <a:xfrm>
-          <a:off x="0" y="0"/>
-          <a:ext cx="0" cy="0"/>
-          <a:chOff x="0" y="0"/>
-          <a:chExt cx="0" cy="0"/>
-        </a:xfrm>
-      </p:grpSpPr>
-      <p:sp>
-        <p:nvSpPr>
-          <p:cNvPr id="2" name="文字方塊 1"/>
-          <p:cNvSpPr txBox="1"/>
-          <p:nvPr/>
-        </p:nvSpPr>
-        <p:spPr>
-          <a:xfrm>
-            <a:off x="1366885" y="602674"/>
-            <a:ext cx="9458230" cy="707886"/>
-          </a:xfrm>
-          <a:prstGeom prst="rect">
-            <a:avLst/>
-          </a:prstGeom>
-          <a:noFill/>
-        </p:spPr>
-        <p:txBody>
-          <a:bodyPr wrap="none" rtlCol="0">
-            <a:spAutoFit/>
-          </a:bodyPr>
-          <a:lstStyle/>
-          <a:p>
-            <a:pPr algn="ctr"/>
-            <a:r>
-              <a:rPr lang="en-US" altLang="zh-TW" sz="4000" dirty="0">
-                <a:latin typeface="Arial Black" panose="020B0A04020102020204" pitchFamily="34" charset="0"/>
-                <a:ea typeface="+mj-ea"/>
-                <a:cs typeface="+mj-cs"/>
-              </a:rPr>
-              <a:t>Natural Language </a:t>
-            </a:r>
-            <a:r>
-              <a:rPr lang="en-US" altLang="zh-TW" sz="4000" dirty="0">
-                <a:solidFill>
-                  <a:srgbClr val="FF0000"/>
-                </a:solidFill>
-                <a:latin typeface="Arial Black" panose="020B0A04020102020204" pitchFamily="34" charset="0"/>
-                <a:ea typeface="+mj-ea"/>
-                <a:cs typeface="+mj-cs"/>
-              </a:rPr>
-              <a:t>Understanding</a:t>
-            </a:r>
-            <a:endParaRPr lang="zh-TW" altLang="en-US" sz="4000" dirty="0">
-              <a:solidFill>
-                <a:srgbClr val="FF0000"/>
-              </a:solidFill>
-              <a:latin typeface="Arial Black" panose="020B0A04020102020204" pitchFamily="34" charset="0"/>
-              <a:ea typeface="+mj-ea"/>
-              <a:cs typeface="+mj-cs"/>
-            </a:endParaRPr>
-          </a:p>
-        </p:txBody>
-      </p:sp>
-      <p:pic>
-        <p:nvPicPr>
-          <p:cNvPr id="4" name="圖片 3"/>
-          <p:cNvPicPr>
-            <a:picLocks noChangeAspect="1"/>
-          </p:cNvPicPr>
-          <p:nvPr/>
-        </p:nvPicPr>
-        <p:blipFill>
-          <a:blip r:embed="rId2"/>
-          <a:stretch>
-            <a:fillRect/>
-          </a:stretch>
-        </p:blipFill>
-        <p:spPr>
-          <a:xfrm>
-            <a:off x="2580783" y="1805834"/>
-            <a:ext cx="7030431" cy="3867690"/>
-          </a:xfrm>
-          <a:prstGeom prst="rect">
-            <a:avLst/>
-          </a:prstGeom>
-        </p:spPr>
-      </p:pic>
-    </p:spTree>
-    <p:extLst>
-      <p:ext uri="{BB962C8B-B14F-4D97-AF65-F5344CB8AC3E}">
-        <p14:creationId xmlns:p14="http://schemas.microsoft.com/office/powerpoint/2010/main" val="3266726702"/>
-      </p:ext>
-    </p:extLst>
-  </p:cSld>
-  <p:clrMapOvr>
-    <a:masterClrMapping/>
-  </p:clrMapOvr>
-</p:sld>
-</file>
-
-<file path=ppt/slides/slide4.xml><?xml version="1.0" encoding="utf-8"?>
-<p:sld xmlns:a="http://schemas.openxmlformats.org/drawingml/2006/main" xmlns:r="http://schemas.openxmlformats.org/officeDocument/2006/relationships" xmlns:p="http://schemas.openxmlformats.org/presentationml/2006/main">
-  <p:cSld>
-    <p:spTree>
-      <p:nvGrpSpPr>
-        <p:cNvPr id="1" name=""/>
-        <p:cNvGrpSpPr/>
-        <p:nvPr/>
-      </p:nvGrpSpPr>
-      <p:grpSpPr>
-        <a:xfrm>
-          <a:off x="0" y="0"/>
-          <a:ext cx="0" cy="0"/>
-          <a:chOff x="0" y="0"/>
-          <a:chExt cx="0" cy="0"/>
-        </a:xfrm>
-      </p:grpSpPr>
-      <p:pic>
-        <p:nvPicPr>
-          <p:cNvPr id="4" name="圖片 3"/>
-          <p:cNvPicPr>
-            <a:picLocks noChangeAspect="1"/>
-          </p:cNvPicPr>
-          <p:nvPr/>
-        </p:nvPicPr>
-        <p:blipFill>
-          <a:blip r:embed="rId2"/>
-          <a:stretch>
-            <a:fillRect/>
-          </a:stretch>
-        </p:blipFill>
-        <p:spPr>
-          <a:xfrm>
-            <a:off x="2414073" y="542522"/>
-            <a:ext cx="7363853" cy="5772956"/>
-          </a:xfrm>
-          <a:prstGeom prst="rect">
-            <a:avLst/>
-          </a:prstGeom>
-        </p:spPr>
-      </p:pic>
-      <p:sp>
-        <p:nvSpPr>
-          <p:cNvPr id="6" name="矩形 5"/>
-          <p:cNvSpPr/>
-          <p:nvPr/>
-        </p:nvSpPr>
-        <p:spPr>
-          <a:xfrm>
-            <a:off x="2414073" y="5261956"/>
-            <a:ext cx="7363853" cy="1053522"/>
-          </a:xfrm>
-          <a:prstGeom prst="rect">
-            <a:avLst/>
-          </a:prstGeom>
-          <a:noFill/>
-          <a:ln w="76200">
-            <a:solidFill>
-              <a:srgbClr val="FF0000"/>
-            </a:solidFill>
-          </a:ln>
-        </p:spPr>
-        <p:style>
-          <a:lnRef idx="2">
-            <a:schemeClr val="accent1">
-              <a:shade val="50000"/>
-            </a:schemeClr>
-          </a:lnRef>
-          <a:fillRef idx="1">
-            <a:schemeClr val="accent1"/>
-          </a:fillRef>
-          <a:effectRef idx="0">
-            <a:schemeClr val="accent1"/>
-          </a:effectRef>
-          <a:fontRef idx="minor">
-            <a:schemeClr val="lt1"/>
-          </a:fontRef>
-        </p:style>
-        <p:txBody>
-          <a:bodyPr rtlCol="0" anchor="ctr"/>
-          <a:lstStyle/>
-          <a:p>
-            <a:pPr algn="ctr"/>
-            <a:endParaRPr lang="zh-TW" altLang="en-US"/>
-          </a:p>
-        </p:txBody>
-      </p:sp>
-    </p:spTree>
-    <p:extLst>
-      <p:ext uri="{BB962C8B-B14F-4D97-AF65-F5344CB8AC3E}">
-        <p14:creationId xmlns:p14="http://schemas.microsoft.com/office/powerpoint/2010/main" val="220535420"/>
-      </p:ext>
-    </p:extLst>
-  </p:cSld>
-  <p:clrMapOvr>
-    <a:masterClrMapping/>
-  </p:clrMapOvr>
-</p:sld>
-</file>
-
-<file path=ppt/slides/slide5.xml><?xml version="1.0" encoding="utf-8"?>
-<p:sld xmlns:a="http://schemas.openxmlformats.org/drawingml/2006/main" xmlns:r="http://schemas.openxmlformats.org/officeDocument/2006/relationships" xmlns:p="http://schemas.openxmlformats.org/presentationml/2006/main">
-  <p:cSld>
-    <p:spTree>
-      <p:nvGrpSpPr>
-        <p:cNvPr id="1" name=""/>
-        <p:cNvGrpSpPr/>
-        <p:nvPr/>
-      </p:nvGrpSpPr>
-      <p:grpSpPr>
-        <a:xfrm>
-          <a:off x="0" y="0"/>
-          <a:ext cx="0" cy="0"/>
-          <a:chOff x="0" y="0"/>
-          <a:chExt cx="0" cy="0"/>
-        </a:xfrm>
-      </p:grpSpPr>
-      <p:sp>
-        <p:nvSpPr>
-          <p:cNvPr id="2" name="文字方塊 1"/>
-          <p:cNvSpPr txBox="1"/>
-          <p:nvPr/>
-        </p:nvSpPr>
-        <p:spPr>
-          <a:xfrm>
-            <a:off x="3149138" y="594635"/>
-            <a:ext cx="5694218" cy="830997"/>
-          </a:xfrm>
-          <a:prstGeom prst="rect">
-            <a:avLst/>
-          </a:prstGeom>
-          <a:noFill/>
-        </p:spPr>
-        <p:txBody>
-          <a:bodyPr wrap="square" rtlCol="0">
-            <a:spAutoFit/>
-          </a:bodyPr>
-          <a:lstStyle/>
-          <a:p>
-            <a:r>
-              <a:rPr lang="zh-TW" altLang="en-US" sz="4800" b="1" dirty="0">
-                <a:latin typeface="標楷體" panose="03000509000000000000" pitchFamily="65" charset="-120"/>
-                <a:ea typeface="標楷體" panose="03000509000000000000" pitchFamily="65" charset="-120"/>
-              </a:rPr>
-              <a:t>小明把蘋果給了小弟</a:t>
-            </a:r>
-          </a:p>
-        </p:txBody>
-      </p:sp>
-    </p:spTree>
-    <p:extLst>
-      <p:ext uri="{BB962C8B-B14F-4D97-AF65-F5344CB8AC3E}">
-        <p14:creationId xmlns:p14="http://schemas.microsoft.com/office/powerpoint/2010/main" val="1372223683"/>
-      </p:ext>
-    </p:extLst>
-  </p:cSld>
-  <p:clrMapOvr>
-    <a:masterClrMapping/>
-  </p:clrMapOvr>
-</p:sld>
-</file>
-
-<file path=ppt/slides/slide6.xml><?xml version="1.0" encoding="utf-8"?>
-<p:sld xmlns:a="http://schemas.openxmlformats.org/drawingml/2006/main" xmlns:r="http://schemas.openxmlformats.org/officeDocument/2006/relationships" xmlns:p="http://schemas.openxmlformats.org/presentationml/2006/main">
-  <p:cSld>
-    <p:spTree>
-      <p:nvGrpSpPr>
-        <p:cNvPr id="1" name=""/>
-        <p:cNvGrpSpPr/>
-        <p:nvPr/>
-      </p:nvGrpSpPr>
-      <p:grpSpPr>
-        <a:xfrm>
-          <a:off x="0" y="0"/>
-          <a:ext cx="0" cy="0"/>
-          <a:chOff x="0" y="0"/>
-          <a:chExt cx="0" cy="0"/>
-        </a:xfrm>
-      </p:grpSpPr>
-      <p:sp>
-        <p:nvSpPr>
-          <p:cNvPr id="2" name="文字方塊 1"/>
-          <p:cNvSpPr txBox="1"/>
-          <p:nvPr/>
-        </p:nvSpPr>
-        <p:spPr>
-          <a:xfrm>
             <a:off x="3149138" y="594635"/>
             <a:ext cx="5694218" cy="830997"/>
           </a:xfrm>
@@ -5667,7 +4328,7 @@
 </p:sld>
 </file>
 
-<file path=ppt/slides/slide7.xml><?xml version="1.0" encoding="utf-8"?>
+<file path=ppt/slides/slide18.xml><?xml version="1.0" encoding="utf-8"?>
 <p:sld xmlns:a="http://schemas.openxmlformats.org/drawingml/2006/main" xmlns:r="http://schemas.openxmlformats.org/officeDocument/2006/relationships" xmlns:p="http://schemas.openxmlformats.org/presentationml/2006/main">
   <p:cSld>
     <p:spTree>
@@ -6183,7 +4844,7 @@
 </p:sld>
 </file>
 
-<file path=ppt/slides/slide8.xml><?xml version="1.0" encoding="utf-8"?>
+<file path=ppt/slides/slide19.xml><?xml version="1.0" encoding="utf-8"?>
 <p:sld xmlns:a="http://schemas.openxmlformats.org/drawingml/2006/main" xmlns:r="http://schemas.openxmlformats.org/officeDocument/2006/relationships" xmlns:p="http://schemas.openxmlformats.org/presentationml/2006/main">
   <p:cSld>
     <p:spTree>
@@ -6774,7 +5435,7 @@
 </p:sld>
 </file>
 
-<file path=ppt/slides/slide9.xml><?xml version="1.0" encoding="utf-8"?>
+<file path=ppt/slides/slide2.xml><?xml version="1.0" encoding="utf-8"?>
 <p:sld xmlns:a="http://schemas.openxmlformats.org/drawingml/2006/main" xmlns:r="http://schemas.openxmlformats.org/officeDocument/2006/relationships" xmlns:p="http://schemas.openxmlformats.org/presentationml/2006/main">
   <p:cSld>
     <p:spTree>
@@ -6793,6 +5454,69 @@
       </p:grpSpPr>
       <p:sp>
         <p:nvSpPr>
+          <p:cNvPr id="2" name="標題 1">
+            <a:extLst>
+              <a:ext uri="{FF2B5EF4-FFF2-40B4-BE49-F238E27FC236}">
+                <a16:creationId xmlns:a16="http://schemas.microsoft.com/office/drawing/2014/main" id="{B5267873-AA58-EA09-BB68-A35C76C0C37D}"/>
+              </a:ext>
+            </a:extLst>
+          </p:cNvPr>
+          <p:cNvSpPr>
+            <a:spLocks noGrp="1"/>
+          </p:cNvSpPr>
+          <p:nvPr>
+            <p:ph type="title"/>
+          </p:nvPr>
+        </p:nvSpPr>
+        <p:spPr/>
+        <p:txBody>
+          <a:bodyPr/>
+          <a:lstStyle/>
+          <a:p>
+            <a:r>
+              <a:rPr lang="en-US" altLang="zh-TW" b="1" dirty="0"/>
+              <a:t>Break it down </a:t>
+            </a:r>
+            <a:r>
+              <a:rPr lang="en-US" altLang="zh-TW" dirty="0"/>
+              <a:t>-- Searching</a:t>
+            </a:r>
+            <a:endParaRPr lang="zh-TW" altLang="en-US" dirty="0"/>
+          </a:p>
+        </p:txBody>
+      </p:sp>
+    </p:spTree>
+    <p:extLst>
+      <p:ext uri="{BB962C8B-B14F-4D97-AF65-F5344CB8AC3E}">
+        <p14:creationId xmlns:p14="http://schemas.microsoft.com/office/powerpoint/2010/main" val="2638432855"/>
+      </p:ext>
+    </p:extLst>
+  </p:cSld>
+  <p:clrMapOvr>
+    <a:masterClrMapping/>
+  </p:clrMapOvr>
+</p:sld>
+</file>
+
+<file path=ppt/slides/slide20.xml><?xml version="1.0" encoding="utf-8"?>
+<p:sld xmlns:a="http://schemas.openxmlformats.org/drawingml/2006/main" xmlns:r="http://schemas.openxmlformats.org/officeDocument/2006/relationships" xmlns:p="http://schemas.openxmlformats.org/presentationml/2006/main">
+  <p:cSld>
+    <p:spTree>
+      <p:nvGrpSpPr>
+        <p:cNvPr id="1" name=""/>
+        <p:cNvGrpSpPr/>
+        <p:nvPr/>
+      </p:nvGrpSpPr>
+      <p:grpSpPr>
+        <a:xfrm>
+          <a:off x="0" y="0"/>
+          <a:ext cx="0" cy="0"/>
+          <a:chOff x="0" y="0"/>
+          <a:chExt cx="0" cy="0"/>
+        </a:xfrm>
+      </p:grpSpPr>
+      <p:sp>
+        <p:nvSpPr>
           <p:cNvPr id="2" name="文字方塊 1"/>
           <p:cNvSpPr txBox="1"/>
           <p:nvPr/>
@@ -7029,6 +5753,2294 @@
     <p:extLst>
       <p:ext uri="{BB962C8B-B14F-4D97-AF65-F5344CB8AC3E}">
         <p14:creationId xmlns:p14="http://schemas.microsoft.com/office/powerpoint/2010/main" val="3534230044"/>
+      </p:ext>
+    </p:extLst>
+  </p:cSld>
+  <p:clrMapOvr>
+    <a:masterClrMapping/>
+  </p:clrMapOvr>
+</p:sld>
+</file>
+
+<file path=ppt/slides/slide21.xml><?xml version="1.0" encoding="utf-8"?>
+<p:sld xmlns:a="http://schemas.openxmlformats.org/drawingml/2006/main" xmlns:r="http://schemas.openxmlformats.org/officeDocument/2006/relationships" xmlns:p="http://schemas.openxmlformats.org/presentationml/2006/main">
+  <p:cSld>
+    <p:spTree>
+      <p:nvGrpSpPr>
+        <p:cNvPr id="1" name=""/>
+        <p:cNvGrpSpPr/>
+        <p:nvPr/>
+      </p:nvGrpSpPr>
+      <p:grpSpPr>
+        <a:xfrm>
+          <a:off x="0" y="0"/>
+          <a:ext cx="0" cy="0"/>
+          <a:chOff x="0" y="0"/>
+          <a:chExt cx="0" cy="0"/>
+        </a:xfrm>
+      </p:grpSpPr>
+      <p:sp>
+        <p:nvSpPr>
+          <p:cNvPr id="2" name="文字方塊 1"/>
+          <p:cNvSpPr txBox="1"/>
+          <p:nvPr/>
+        </p:nvSpPr>
+        <p:spPr>
+          <a:xfrm>
+            <a:off x="3149138" y="594635"/>
+            <a:ext cx="5694218" cy="830997"/>
+          </a:xfrm>
+          <a:prstGeom prst="rect">
+            <a:avLst/>
+          </a:prstGeom>
+          <a:noFill/>
+        </p:spPr>
+        <p:txBody>
+          <a:bodyPr wrap="square" rtlCol="0">
+            <a:spAutoFit/>
+          </a:bodyPr>
+          <a:lstStyle/>
+          <a:p>
+            <a:r>
+              <a:rPr lang="zh-TW" altLang="en-US" sz="4800" b="1" dirty="0">
+                <a:solidFill>
+                  <a:srgbClr val="FF0000"/>
+                </a:solidFill>
+                <a:latin typeface="標楷體" panose="03000509000000000000" pitchFamily="65" charset="-120"/>
+                <a:ea typeface="標楷體" panose="03000509000000000000" pitchFamily="65" charset="-120"/>
+              </a:rPr>
+              <a:t>小明</a:t>
+            </a:r>
+            <a:r>
+              <a:rPr lang="zh-TW" altLang="en-US" sz="4800" b="1" dirty="0">
+                <a:latin typeface="標楷體" panose="03000509000000000000" pitchFamily="65" charset="-120"/>
+                <a:ea typeface="標楷體" panose="03000509000000000000" pitchFamily="65" charset="-120"/>
+              </a:rPr>
+              <a:t>把</a:t>
+            </a:r>
+            <a:r>
+              <a:rPr lang="zh-TW" altLang="en-US" sz="4800" b="1" dirty="0">
+                <a:solidFill>
+                  <a:srgbClr val="00B050"/>
+                </a:solidFill>
+                <a:latin typeface="標楷體" panose="03000509000000000000" pitchFamily="65" charset="-120"/>
+                <a:ea typeface="標楷體" panose="03000509000000000000" pitchFamily="65" charset="-120"/>
+              </a:rPr>
+              <a:t>蘋果</a:t>
+            </a:r>
+            <a:r>
+              <a:rPr lang="zh-TW" altLang="en-US" sz="4800" b="1" dirty="0">
+                <a:latin typeface="標楷體" panose="03000509000000000000" pitchFamily="65" charset="-120"/>
+                <a:ea typeface="標楷體" panose="03000509000000000000" pitchFamily="65" charset="-120"/>
+              </a:rPr>
+              <a:t>給了</a:t>
+            </a:r>
+            <a:r>
+              <a:rPr lang="zh-TW" altLang="en-US" sz="4800" b="1" dirty="0">
+                <a:solidFill>
+                  <a:srgbClr val="00B0F0"/>
+                </a:solidFill>
+                <a:latin typeface="標楷體" panose="03000509000000000000" pitchFamily="65" charset="-120"/>
+                <a:ea typeface="標楷體" panose="03000509000000000000" pitchFamily="65" charset="-120"/>
+              </a:rPr>
+              <a:t>小弟</a:t>
+            </a:r>
+          </a:p>
+        </p:txBody>
+      </p:sp>
+      <p:sp>
+        <p:nvSpPr>
+          <p:cNvPr id="5" name="文字方塊 4"/>
+          <p:cNvSpPr txBox="1"/>
+          <p:nvPr/>
+        </p:nvSpPr>
+        <p:spPr>
+          <a:xfrm>
+            <a:off x="2674619" y="2256629"/>
+            <a:ext cx="6643255" cy="830997"/>
+          </a:xfrm>
+          <a:prstGeom prst="rect">
+            <a:avLst/>
+          </a:prstGeom>
+          <a:noFill/>
+        </p:spPr>
+        <p:txBody>
+          <a:bodyPr wrap="square" rtlCol="0">
+            <a:spAutoFit/>
+          </a:bodyPr>
+          <a:lstStyle/>
+          <a:p>
+            <a:r>
+              <a:rPr lang="zh-TW" altLang="en-US" sz="4800" b="1" dirty="0">
+                <a:latin typeface="標楷體" panose="03000509000000000000" pitchFamily="65" charset="-120"/>
+                <a:ea typeface="標楷體" panose="03000509000000000000" pitchFamily="65" charset="-120"/>
+              </a:rPr>
+              <a:t>小明把蘋果</a:t>
+            </a:r>
+            <a:r>
+              <a:rPr lang="zh-TW" altLang="en-US" sz="4800" b="1" dirty="0">
+                <a:solidFill>
+                  <a:srgbClr val="FF0000"/>
+                </a:solidFill>
+                <a:latin typeface="標楷體" panose="03000509000000000000" pitchFamily="65" charset="-120"/>
+                <a:ea typeface="標楷體" panose="03000509000000000000" pitchFamily="65" charset="-120"/>
+              </a:rPr>
+              <a:t>給</a:t>
+            </a:r>
+            <a:r>
+              <a:rPr lang="en-US" altLang="zh-TW" sz="4800" dirty="0">
+                <a:solidFill>
+                  <a:srgbClr val="FF0000"/>
+                </a:solidFill>
+                <a:latin typeface="Arial Black" panose="020B0A04020102020204" pitchFamily="34" charset="0"/>
+                <a:ea typeface="標楷體" panose="03000509000000000000" pitchFamily="65" charset="-120"/>
+              </a:rPr>
+              <a:t>(v)</a:t>
+            </a:r>
+            <a:r>
+              <a:rPr lang="zh-TW" altLang="en-US" sz="4800" b="1" dirty="0">
+                <a:latin typeface="標楷體" panose="03000509000000000000" pitchFamily="65" charset="-120"/>
+                <a:ea typeface="標楷體" panose="03000509000000000000" pitchFamily="65" charset="-120"/>
+              </a:rPr>
+              <a:t>了小弟</a:t>
+            </a:r>
+          </a:p>
+        </p:txBody>
+      </p:sp>
+      <p:sp>
+        <p:nvSpPr>
+          <p:cNvPr id="6" name="文字方塊 5"/>
+          <p:cNvSpPr txBox="1"/>
+          <p:nvPr/>
+        </p:nvSpPr>
+        <p:spPr>
+          <a:xfrm>
+            <a:off x="1753292" y="1425632"/>
+            <a:ext cx="8286404" cy="830997"/>
+          </a:xfrm>
+          <a:prstGeom prst="rect">
+            <a:avLst/>
+          </a:prstGeom>
+          <a:noFill/>
+        </p:spPr>
+        <p:txBody>
+          <a:bodyPr wrap="square" rtlCol="0">
+            <a:spAutoFit/>
+          </a:bodyPr>
+          <a:lstStyle/>
+          <a:p>
+            <a:r>
+              <a:rPr lang="zh-TW" altLang="en-US" sz="4800" b="1" dirty="0">
+                <a:solidFill>
+                  <a:srgbClr val="FF0000"/>
+                </a:solidFill>
+                <a:latin typeface="標楷體" panose="03000509000000000000" pitchFamily="65" charset="-120"/>
+                <a:ea typeface="標楷體" panose="03000509000000000000" pitchFamily="65" charset="-120"/>
+              </a:rPr>
+              <a:t>小明</a:t>
+            </a:r>
+            <a:r>
+              <a:rPr lang="en-US" altLang="zh-TW" sz="4800" dirty="0">
+                <a:solidFill>
+                  <a:srgbClr val="FF0000"/>
+                </a:solidFill>
+                <a:latin typeface="Arial Black" panose="020B0A04020102020204" pitchFamily="34" charset="0"/>
+                <a:ea typeface="標楷體" panose="03000509000000000000" pitchFamily="65" charset="-120"/>
+              </a:rPr>
+              <a:t>(n)</a:t>
+            </a:r>
+            <a:r>
+              <a:rPr lang="zh-TW" altLang="en-US" sz="4800" b="1" dirty="0">
+                <a:latin typeface="標楷體" panose="03000509000000000000" pitchFamily="65" charset="-120"/>
+                <a:ea typeface="標楷體" panose="03000509000000000000" pitchFamily="65" charset="-120"/>
+              </a:rPr>
+              <a:t>把</a:t>
+            </a:r>
+            <a:r>
+              <a:rPr lang="zh-TW" altLang="en-US" sz="4800" b="1" dirty="0">
+                <a:solidFill>
+                  <a:srgbClr val="00B050"/>
+                </a:solidFill>
+                <a:latin typeface="標楷體" panose="03000509000000000000" pitchFamily="65" charset="-120"/>
+                <a:ea typeface="標楷體" panose="03000509000000000000" pitchFamily="65" charset="-120"/>
+              </a:rPr>
+              <a:t>蘋果</a:t>
+            </a:r>
+            <a:r>
+              <a:rPr lang="en-US" altLang="zh-TW" sz="4800" dirty="0">
+                <a:solidFill>
+                  <a:srgbClr val="00B050"/>
+                </a:solidFill>
+                <a:latin typeface="Arial Black" panose="020B0A04020102020204" pitchFamily="34" charset="0"/>
+                <a:ea typeface="標楷體" panose="03000509000000000000" pitchFamily="65" charset="-120"/>
+              </a:rPr>
+              <a:t>(n)</a:t>
+            </a:r>
+            <a:r>
+              <a:rPr lang="zh-TW" altLang="en-US" sz="4800" b="1" dirty="0">
+                <a:latin typeface="標楷體" panose="03000509000000000000" pitchFamily="65" charset="-120"/>
+                <a:ea typeface="標楷體" panose="03000509000000000000" pitchFamily="65" charset="-120"/>
+              </a:rPr>
+              <a:t>給了</a:t>
+            </a:r>
+            <a:r>
+              <a:rPr lang="zh-TW" altLang="en-US" sz="4800" b="1" dirty="0">
+                <a:solidFill>
+                  <a:srgbClr val="00B0F0"/>
+                </a:solidFill>
+                <a:latin typeface="標楷體" panose="03000509000000000000" pitchFamily="65" charset="-120"/>
+                <a:ea typeface="標楷體" panose="03000509000000000000" pitchFamily="65" charset="-120"/>
+              </a:rPr>
+              <a:t>小弟</a:t>
+            </a:r>
+            <a:r>
+              <a:rPr lang="en-US" altLang="zh-TW" sz="4800" dirty="0">
+                <a:solidFill>
+                  <a:srgbClr val="00B0F0"/>
+                </a:solidFill>
+                <a:latin typeface="Arial Black" panose="020B0A04020102020204" pitchFamily="34" charset="0"/>
+                <a:ea typeface="標楷體" panose="03000509000000000000" pitchFamily="65" charset="-120"/>
+              </a:rPr>
+              <a:t>(n)</a:t>
+            </a:r>
+            <a:endParaRPr lang="zh-TW" altLang="en-US" sz="4800" dirty="0">
+              <a:solidFill>
+                <a:srgbClr val="00B0F0"/>
+              </a:solidFill>
+              <a:latin typeface="Arial Black" panose="020B0A04020102020204" pitchFamily="34" charset="0"/>
+              <a:ea typeface="標楷體" panose="03000509000000000000" pitchFamily="65" charset="-120"/>
+            </a:endParaRPr>
+          </a:p>
+        </p:txBody>
+      </p:sp>
+      <p:sp>
+        <p:nvSpPr>
+          <p:cNvPr id="4" name="矩形 3"/>
+          <p:cNvSpPr/>
+          <p:nvPr/>
+        </p:nvSpPr>
+        <p:spPr>
+          <a:xfrm>
+            <a:off x="0" y="0"/>
+            <a:ext cx="12192000" cy="6858000"/>
+          </a:xfrm>
+          <a:prstGeom prst="rect">
+            <a:avLst/>
+          </a:prstGeom>
+          <a:solidFill>
+            <a:schemeClr val="tx1">
+              <a:alpha val="90000"/>
+            </a:schemeClr>
+          </a:solidFill>
+          <a:ln>
+            <a:solidFill>
+              <a:schemeClr val="tx1"/>
+            </a:solidFill>
+          </a:ln>
+        </p:spPr>
+        <p:style>
+          <a:lnRef idx="2">
+            <a:schemeClr val="accent1">
+              <a:shade val="50000"/>
+            </a:schemeClr>
+          </a:lnRef>
+          <a:fillRef idx="1">
+            <a:schemeClr val="accent1"/>
+          </a:fillRef>
+          <a:effectRef idx="0">
+            <a:schemeClr val="accent1"/>
+          </a:effectRef>
+          <a:fontRef idx="minor">
+            <a:schemeClr val="lt1"/>
+          </a:fontRef>
+        </p:style>
+        <p:txBody>
+          <a:bodyPr rtlCol="0" anchor="ctr"/>
+          <a:lstStyle/>
+          <a:p>
+            <a:pPr algn="ctr"/>
+            <a:endParaRPr lang="zh-TW" altLang="en-US"/>
+          </a:p>
+        </p:txBody>
+      </p:sp>
+      <p:sp>
+        <p:nvSpPr>
+          <p:cNvPr id="7" name="文字方塊 6"/>
+          <p:cNvSpPr txBox="1"/>
+          <p:nvPr/>
+        </p:nvSpPr>
+        <p:spPr>
+          <a:xfrm>
+            <a:off x="3754522" y="2672127"/>
+            <a:ext cx="5088834" cy="1569660"/>
+          </a:xfrm>
+          <a:prstGeom prst="rect">
+            <a:avLst/>
+          </a:prstGeom>
+          <a:noFill/>
+        </p:spPr>
+        <p:txBody>
+          <a:bodyPr wrap="square" rtlCol="0">
+            <a:spAutoFit/>
+          </a:bodyPr>
+          <a:lstStyle/>
+          <a:p>
+            <a:pPr algn="ctr"/>
+            <a:r>
+              <a:rPr lang="en-US" altLang="zh-TW" sz="9600" b="1" dirty="0">
+                <a:solidFill>
+                  <a:srgbClr val="FF0000"/>
+                </a:solidFill>
+                <a:latin typeface="Arial Black" panose="020B0A04020102020204" pitchFamily="34" charset="0"/>
+              </a:rPr>
+              <a:t>HOW ?</a:t>
+            </a:r>
+            <a:endParaRPr lang="zh-TW" altLang="en-US" sz="9600" b="1" dirty="0">
+              <a:solidFill>
+                <a:srgbClr val="FF0000"/>
+              </a:solidFill>
+              <a:latin typeface="Arial Black" panose="020B0A04020102020204" pitchFamily="34" charset="0"/>
+            </a:endParaRPr>
+          </a:p>
+        </p:txBody>
+      </p:sp>
+    </p:spTree>
+    <p:extLst>
+      <p:ext uri="{BB962C8B-B14F-4D97-AF65-F5344CB8AC3E}">
+        <p14:creationId xmlns:p14="http://schemas.microsoft.com/office/powerpoint/2010/main" val="3744414516"/>
+      </p:ext>
+    </p:extLst>
+  </p:cSld>
+  <p:clrMapOvr>
+    <a:masterClrMapping/>
+  </p:clrMapOvr>
+</p:sld>
+</file>
+
+<file path=ppt/slides/slide22.xml><?xml version="1.0" encoding="utf-8"?>
+<p:sld xmlns:a="http://schemas.openxmlformats.org/drawingml/2006/main" xmlns:r="http://schemas.openxmlformats.org/officeDocument/2006/relationships" xmlns:p="http://schemas.openxmlformats.org/presentationml/2006/main">
+  <p:cSld>
+    <p:spTree>
+      <p:nvGrpSpPr>
+        <p:cNvPr id="1" name=""/>
+        <p:cNvGrpSpPr/>
+        <p:nvPr/>
+      </p:nvGrpSpPr>
+      <p:grpSpPr>
+        <a:xfrm>
+          <a:off x="0" y="0"/>
+          <a:ext cx="0" cy="0"/>
+          <a:chOff x="0" y="0"/>
+          <a:chExt cx="0" cy="0"/>
+        </a:xfrm>
+      </p:grpSpPr>
+      <p:pic>
+        <p:nvPicPr>
+          <p:cNvPr id="4" name="8bdRWgyN2vM"/>
+          <p:cNvPicPr>
+            <a:picLocks noRot="1" noChangeAspect="1"/>
+          </p:cNvPicPr>
+          <p:nvPr>
+            <a:videoFile r:link="rId1"/>
+          </p:nvPr>
+        </p:nvPicPr>
+        <p:blipFill>
+          <a:blip r:embed="rId3"/>
+          <a:stretch>
+            <a:fillRect/>
+          </a:stretch>
+        </p:blipFill>
+        <p:spPr>
+          <a:xfrm>
+            <a:off x="1373155" y="772399"/>
+            <a:ext cx="9445690" cy="5313201"/>
+          </a:xfrm>
+          <a:prstGeom prst="rect">
+            <a:avLst/>
+          </a:prstGeom>
+        </p:spPr>
+      </p:pic>
+      <p:sp>
+        <p:nvSpPr>
+          <p:cNvPr id="7" name="文字方塊 6"/>
+          <p:cNvSpPr txBox="1"/>
+          <p:nvPr/>
+        </p:nvSpPr>
+        <p:spPr>
+          <a:xfrm>
+            <a:off x="5682343" y="6085600"/>
+            <a:ext cx="5663681" cy="215444"/>
+          </a:xfrm>
+          <a:prstGeom prst="rect">
+            <a:avLst/>
+          </a:prstGeom>
+          <a:noFill/>
+        </p:spPr>
+        <p:txBody>
+          <a:bodyPr wrap="square" rtlCol="0">
+            <a:spAutoFit/>
+          </a:bodyPr>
+          <a:lstStyle/>
+          <a:p>
+            <a:pPr algn="ctr"/>
+            <a:r>
+              <a:rPr lang="en-US" altLang="zh-TW" sz="800" dirty="0">
+                <a:latin typeface="Arial Black" panose="020B0A04020102020204" pitchFamily="34" charset="0"/>
+              </a:rPr>
+              <a:t>Source:https://github.com/Droidtown/NLP_TrainingLab/tree/main/Syntax101/week01</a:t>
+            </a:r>
+            <a:endParaRPr lang="zh-TW" altLang="en-US" sz="800" dirty="0">
+              <a:latin typeface="Arial Black" panose="020B0A04020102020204" pitchFamily="34" charset="0"/>
+            </a:endParaRPr>
+          </a:p>
+        </p:txBody>
+      </p:sp>
+    </p:spTree>
+    <p:extLst>
+      <p:ext uri="{BB962C8B-B14F-4D97-AF65-F5344CB8AC3E}">
+        <p14:creationId xmlns:p14="http://schemas.microsoft.com/office/powerpoint/2010/main" val="1633356606"/>
+      </p:ext>
+    </p:extLst>
+  </p:cSld>
+  <p:clrMapOvr>
+    <a:masterClrMapping/>
+  </p:clrMapOvr>
+</p:sld>
+</file>
+
+<file path=ppt/slides/slide23.xml><?xml version="1.0" encoding="utf-8"?>
+<p:sld xmlns:a="http://schemas.openxmlformats.org/drawingml/2006/main" xmlns:r="http://schemas.openxmlformats.org/officeDocument/2006/relationships" xmlns:p="http://schemas.openxmlformats.org/presentationml/2006/main">
+  <p:cSld>
+    <p:spTree>
+      <p:nvGrpSpPr>
+        <p:cNvPr id="1" name=""/>
+        <p:cNvGrpSpPr/>
+        <p:nvPr/>
+      </p:nvGrpSpPr>
+      <p:grpSpPr>
+        <a:xfrm>
+          <a:off x="0" y="0"/>
+          <a:ext cx="0" cy="0"/>
+          <a:chOff x="0" y="0"/>
+          <a:chExt cx="0" cy="0"/>
+        </a:xfrm>
+      </p:grpSpPr>
+      <p:sp>
+        <p:nvSpPr>
+          <p:cNvPr id="2" name="標題 1"/>
+          <p:cNvSpPr>
+            <a:spLocks noGrp="1"/>
+          </p:cNvSpPr>
+          <p:nvPr>
+            <p:ph type="ctrTitle"/>
+          </p:nvPr>
+        </p:nvSpPr>
+        <p:spPr>
+          <a:xfrm>
+            <a:off x="1524000" y="2441643"/>
+            <a:ext cx="9144000" cy="1068320"/>
+          </a:xfrm>
+        </p:spPr>
+        <p:txBody>
+          <a:bodyPr/>
+          <a:lstStyle/>
+          <a:p>
+            <a:r>
+              <a:rPr lang="en-US" altLang="zh-TW" dirty="0">
+                <a:latin typeface="Arial Black" panose="020B0A04020102020204" pitchFamily="34" charset="0"/>
+              </a:rPr>
+              <a:t>E.G.,</a:t>
+            </a:r>
+            <a:endParaRPr lang="zh-TW" altLang="en-US" dirty="0">
+              <a:latin typeface="Arial Black" panose="020B0A04020102020204" pitchFamily="34" charset="0"/>
+            </a:endParaRPr>
+          </a:p>
+        </p:txBody>
+      </p:sp>
+    </p:spTree>
+    <p:extLst>
+      <p:ext uri="{BB962C8B-B14F-4D97-AF65-F5344CB8AC3E}">
+        <p14:creationId xmlns:p14="http://schemas.microsoft.com/office/powerpoint/2010/main" val="2543752364"/>
+      </p:ext>
+    </p:extLst>
+  </p:cSld>
+  <p:clrMapOvr>
+    <a:masterClrMapping/>
+  </p:clrMapOvr>
+</p:sld>
+</file>
+
+<file path=ppt/slides/slide24.xml><?xml version="1.0" encoding="utf-8"?>
+<p:sld xmlns:a="http://schemas.openxmlformats.org/drawingml/2006/main" xmlns:r="http://schemas.openxmlformats.org/officeDocument/2006/relationships" xmlns:p="http://schemas.openxmlformats.org/presentationml/2006/main">
+  <p:cSld>
+    <p:spTree>
+      <p:nvGrpSpPr>
+        <p:cNvPr id="1" name=""/>
+        <p:cNvGrpSpPr/>
+        <p:nvPr/>
+      </p:nvGrpSpPr>
+      <p:grpSpPr>
+        <a:xfrm>
+          <a:off x="0" y="0"/>
+          <a:ext cx="0" cy="0"/>
+          <a:chOff x="0" y="0"/>
+          <a:chExt cx="0" cy="0"/>
+        </a:xfrm>
+      </p:grpSpPr>
+      <p:pic>
+        <p:nvPicPr>
+          <p:cNvPr id="5" name="圖片 4"/>
+          <p:cNvPicPr>
+            <a:picLocks noChangeAspect="1"/>
+          </p:cNvPicPr>
+          <p:nvPr/>
+        </p:nvPicPr>
+        <p:blipFill>
+          <a:blip r:embed="rId2"/>
+          <a:stretch>
+            <a:fillRect/>
+          </a:stretch>
+        </p:blipFill>
+        <p:spPr>
+          <a:xfrm>
+            <a:off x="2641860" y="327091"/>
+            <a:ext cx="6908280" cy="6203818"/>
+          </a:xfrm>
+          <a:prstGeom prst="rect">
+            <a:avLst/>
+          </a:prstGeom>
+        </p:spPr>
+      </p:pic>
+    </p:spTree>
+    <p:extLst>
+      <p:ext uri="{BB962C8B-B14F-4D97-AF65-F5344CB8AC3E}">
+        <p14:creationId xmlns:p14="http://schemas.microsoft.com/office/powerpoint/2010/main" val="4147352019"/>
+      </p:ext>
+    </p:extLst>
+  </p:cSld>
+  <p:clrMapOvr>
+    <a:masterClrMapping/>
+  </p:clrMapOvr>
+</p:sld>
+</file>
+
+<file path=ppt/slides/slide25.xml><?xml version="1.0" encoding="utf-8"?>
+<p:sld xmlns:a="http://schemas.openxmlformats.org/drawingml/2006/main" xmlns:r="http://schemas.openxmlformats.org/officeDocument/2006/relationships" xmlns:p="http://schemas.openxmlformats.org/presentationml/2006/main">
+  <p:cSld>
+    <p:spTree>
+      <p:nvGrpSpPr>
+        <p:cNvPr id="1" name=""/>
+        <p:cNvGrpSpPr/>
+        <p:nvPr/>
+      </p:nvGrpSpPr>
+      <p:grpSpPr>
+        <a:xfrm>
+          <a:off x="0" y="0"/>
+          <a:ext cx="0" cy="0"/>
+          <a:chOff x="0" y="0"/>
+          <a:chExt cx="0" cy="0"/>
+        </a:xfrm>
+      </p:grpSpPr>
+      <p:pic>
+        <p:nvPicPr>
+          <p:cNvPr id="2" name="圖片 1"/>
+          <p:cNvPicPr>
+            <a:picLocks noChangeAspect="1"/>
+          </p:cNvPicPr>
+          <p:nvPr/>
+        </p:nvPicPr>
+        <p:blipFill>
+          <a:blip r:embed="rId2">
+            <a:extLst>
+              <a:ext uri="{28A0092B-C50C-407E-A947-70E740481C1C}">
+                <a14:useLocalDpi xmlns:a14="http://schemas.microsoft.com/office/drawing/2010/main" val="0"/>
+              </a:ext>
+            </a:extLst>
+          </a:blip>
+          <a:stretch>
+            <a:fillRect/>
+          </a:stretch>
+        </p:blipFill>
+        <p:spPr>
+          <a:xfrm>
+            <a:off x="1333500" y="838200"/>
+            <a:ext cx="9525000" cy="5181600"/>
+          </a:xfrm>
+          <a:prstGeom prst="rect">
+            <a:avLst/>
+          </a:prstGeom>
+        </p:spPr>
+      </p:pic>
+      <p:sp>
+        <p:nvSpPr>
+          <p:cNvPr id="3" name="矩形 2"/>
+          <p:cNvSpPr/>
+          <p:nvPr/>
+        </p:nvSpPr>
+        <p:spPr>
+          <a:xfrm>
+            <a:off x="1529542" y="2493818"/>
+            <a:ext cx="9077498" cy="498764"/>
+          </a:xfrm>
+          <a:prstGeom prst="rect">
+            <a:avLst/>
+          </a:prstGeom>
+          <a:noFill/>
+          <a:ln w="76200">
+            <a:solidFill>
+              <a:srgbClr val="FF0000"/>
+            </a:solidFill>
+          </a:ln>
+        </p:spPr>
+        <p:style>
+          <a:lnRef idx="2">
+            <a:schemeClr val="accent1">
+              <a:shade val="50000"/>
+            </a:schemeClr>
+          </a:lnRef>
+          <a:fillRef idx="1">
+            <a:schemeClr val="accent1"/>
+          </a:fillRef>
+          <a:effectRef idx="0">
+            <a:schemeClr val="accent1"/>
+          </a:effectRef>
+          <a:fontRef idx="minor">
+            <a:schemeClr val="lt1"/>
+          </a:fontRef>
+        </p:style>
+        <p:txBody>
+          <a:bodyPr rtlCol="0" anchor="ctr"/>
+          <a:lstStyle/>
+          <a:p>
+            <a:pPr algn="ctr"/>
+            <a:endParaRPr lang="zh-TW" altLang="en-US"/>
+          </a:p>
+        </p:txBody>
+      </p:sp>
+      <p:sp>
+        <p:nvSpPr>
+          <p:cNvPr id="6" name="矩形 5"/>
+          <p:cNvSpPr/>
+          <p:nvPr/>
+        </p:nvSpPr>
+        <p:spPr>
+          <a:xfrm>
+            <a:off x="1529542" y="3868189"/>
+            <a:ext cx="9077498" cy="498764"/>
+          </a:xfrm>
+          <a:prstGeom prst="rect">
+            <a:avLst/>
+          </a:prstGeom>
+          <a:noFill/>
+          <a:ln w="76200">
+            <a:solidFill>
+              <a:srgbClr val="FF0000"/>
+            </a:solidFill>
+          </a:ln>
+        </p:spPr>
+        <p:style>
+          <a:lnRef idx="2">
+            <a:schemeClr val="accent1">
+              <a:shade val="50000"/>
+            </a:schemeClr>
+          </a:lnRef>
+          <a:fillRef idx="1">
+            <a:schemeClr val="accent1"/>
+          </a:fillRef>
+          <a:effectRef idx="0">
+            <a:schemeClr val="accent1"/>
+          </a:effectRef>
+          <a:fontRef idx="minor">
+            <a:schemeClr val="lt1"/>
+          </a:fontRef>
+        </p:style>
+        <p:txBody>
+          <a:bodyPr rtlCol="0" anchor="ctr"/>
+          <a:lstStyle/>
+          <a:p>
+            <a:pPr algn="ctr"/>
+            <a:endParaRPr lang="zh-TW" altLang="en-US"/>
+          </a:p>
+        </p:txBody>
+      </p:sp>
+    </p:spTree>
+    <p:extLst>
+      <p:ext uri="{BB962C8B-B14F-4D97-AF65-F5344CB8AC3E}">
+        <p14:creationId xmlns:p14="http://schemas.microsoft.com/office/powerpoint/2010/main" val="2038594078"/>
+      </p:ext>
+    </p:extLst>
+  </p:cSld>
+  <p:clrMapOvr>
+    <a:masterClrMapping/>
+  </p:clrMapOvr>
+</p:sld>
+</file>
+
+<file path=ppt/slides/slide26.xml><?xml version="1.0" encoding="utf-8"?>
+<p:sld xmlns:a="http://schemas.openxmlformats.org/drawingml/2006/main" xmlns:r="http://schemas.openxmlformats.org/officeDocument/2006/relationships" xmlns:p="http://schemas.openxmlformats.org/presentationml/2006/main">
+  <p:cSld>
+    <p:spTree>
+      <p:nvGrpSpPr>
+        <p:cNvPr id="1" name=""/>
+        <p:cNvGrpSpPr/>
+        <p:nvPr/>
+      </p:nvGrpSpPr>
+      <p:grpSpPr>
+        <a:xfrm>
+          <a:off x="0" y="0"/>
+          <a:ext cx="0" cy="0"/>
+          <a:chOff x="0" y="0"/>
+          <a:chExt cx="0" cy="0"/>
+        </a:xfrm>
+      </p:grpSpPr>
+      <p:pic>
+        <p:nvPicPr>
+          <p:cNvPr id="4" name="圖片 3"/>
+          <p:cNvPicPr>
+            <a:picLocks noChangeAspect="1"/>
+          </p:cNvPicPr>
+          <p:nvPr/>
+        </p:nvPicPr>
+        <p:blipFill>
+          <a:blip r:embed="rId2"/>
+          <a:stretch>
+            <a:fillRect/>
+          </a:stretch>
+        </p:blipFill>
+        <p:spPr>
+          <a:xfrm>
+            <a:off x="1685886" y="1404719"/>
+            <a:ext cx="8820227" cy="3932052"/>
+          </a:xfrm>
+          <a:prstGeom prst="rect">
+            <a:avLst/>
+          </a:prstGeom>
+        </p:spPr>
+      </p:pic>
+    </p:spTree>
+    <p:extLst>
+      <p:ext uri="{BB962C8B-B14F-4D97-AF65-F5344CB8AC3E}">
+        <p14:creationId xmlns:p14="http://schemas.microsoft.com/office/powerpoint/2010/main" val="4076804561"/>
+      </p:ext>
+    </p:extLst>
+  </p:cSld>
+  <p:clrMapOvr>
+    <a:masterClrMapping/>
+  </p:clrMapOvr>
+</p:sld>
+</file>
+
+<file path=ppt/slides/slide27.xml><?xml version="1.0" encoding="utf-8"?>
+<p:sld xmlns:a="http://schemas.openxmlformats.org/drawingml/2006/main" xmlns:r="http://schemas.openxmlformats.org/officeDocument/2006/relationships" xmlns:p="http://schemas.openxmlformats.org/presentationml/2006/main">
+  <p:cSld>
+    <p:spTree>
+      <p:nvGrpSpPr>
+        <p:cNvPr id="1" name=""/>
+        <p:cNvGrpSpPr/>
+        <p:nvPr/>
+      </p:nvGrpSpPr>
+      <p:grpSpPr>
+        <a:xfrm>
+          <a:off x="0" y="0"/>
+          <a:ext cx="0" cy="0"/>
+          <a:chOff x="0" y="0"/>
+          <a:chExt cx="0" cy="0"/>
+        </a:xfrm>
+      </p:grpSpPr>
+      <p:sp>
+        <p:nvSpPr>
+          <p:cNvPr id="2" name="文字方塊 1"/>
+          <p:cNvSpPr txBox="1"/>
+          <p:nvPr/>
+        </p:nvSpPr>
+        <p:spPr>
+          <a:xfrm>
+            <a:off x="2880426" y="797510"/>
+            <a:ext cx="12204441" cy="5262979"/>
+          </a:xfrm>
+          <a:prstGeom prst="rect">
+            <a:avLst/>
+          </a:prstGeom>
+          <a:noFill/>
+        </p:spPr>
+        <p:txBody>
+          <a:bodyPr wrap="square" rtlCol="0">
+            <a:spAutoFit/>
+          </a:bodyPr>
+          <a:lstStyle/>
+          <a:p>
+            <a:r>
+              <a:rPr lang="en-US" altLang="zh-TW" sz="2800" dirty="0">
+                <a:latin typeface="Arial Black" panose="020B0A04020102020204" pitchFamily="34" charset="0"/>
+              </a:rPr>
+              <a:t>inputSTR = “</a:t>
+            </a:r>
+            <a:r>
+              <a:rPr lang="ja-JP" altLang="en-US" sz="2800" b="1" dirty="0">
+                <a:solidFill>
+                  <a:srgbClr val="FF0000"/>
+                </a:solidFill>
+                <a:latin typeface="Arial Black" panose="020B0A04020102020204" pitchFamily="34" charset="0"/>
+              </a:rPr>
+              <a:t>私</a:t>
+            </a:r>
+            <a:r>
+              <a:rPr lang="ja-JP" altLang="en-US" sz="2800" b="1" dirty="0">
+                <a:latin typeface="Arial Black" panose="020B0A04020102020204" pitchFamily="34" charset="0"/>
+              </a:rPr>
+              <a:t>は</a:t>
+            </a:r>
+            <a:r>
+              <a:rPr lang="ja-JP" altLang="en-US" sz="2800" b="1" dirty="0">
+                <a:solidFill>
+                  <a:srgbClr val="FF0000"/>
+                </a:solidFill>
+                <a:latin typeface="Arial Black" panose="020B0A04020102020204" pitchFamily="34" charset="0"/>
+              </a:rPr>
+              <a:t>ラーメン</a:t>
+            </a:r>
+            <a:r>
+              <a:rPr lang="ja-JP" altLang="en-US" sz="2800" b="1" dirty="0">
+                <a:latin typeface="Arial Black" panose="020B0A04020102020204" pitchFamily="34" charset="0"/>
+              </a:rPr>
+              <a:t>を</a:t>
+            </a:r>
+            <a:r>
+              <a:rPr lang="ja-JP" altLang="en-US" sz="2800" b="1" dirty="0">
+                <a:solidFill>
+                  <a:srgbClr val="FF0000"/>
+                </a:solidFill>
+                <a:latin typeface="Arial Black" panose="020B0A04020102020204" pitchFamily="34" charset="0"/>
+              </a:rPr>
+              <a:t>食べ</a:t>
+            </a:r>
+            <a:r>
+              <a:rPr lang="ja-JP" altLang="en-US" sz="2800" b="1" dirty="0">
+                <a:latin typeface="Arial Black" panose="020B0A04020102020204" pitchFamily="34" charset="0"/>
+              </a:rPr>
+              <a:t>ます</a:t>
+            </a:r>
+            <a:r>
+              <a:rPr lang="en-US" altLang="zh-TW" sz="2800" dirty="0">
+                <a:latin typeface="Arial Black" panose="020B0A04020102020204" pitchFamily="34" charset="0"/>
+              </a:rPr>
+              <a:t>”</a:t>
+            </a:r>
+          </a:p>
+          <a:p>
+            <a:endParaRPr lang="en-US" altLang="zh-TW" sz="2800" dirty="0">
+              <a:latin typeface="Arial Black" panose="020B0A04020102020204" pitchFamily="34" charset="0"/>
+            </a:endParaRPr>
+          </a:p>
+          <a:p>
+            <a:r>
+              <a:rPr lang="en-US" altLang="zh-TW" sz="2800" dirty="0">
+                <a:latin typeface="Arial Black" panose="020B0A04020102020204" pitchFamily="34" charset="0"/>
+              </a:rPr>
+              <a:t>resultDICT = {</a:t>
+            </a:r>
+          </a:p>
+          <a:p>
+            <a:r>
+              <a:rPr lang="en-US" altLang="zh-TW" sz="2800" dirty="0">
+                <a:latin typeface="Arial Black" panose="020B0A04020102020204" pitchFamily="34" charset="0"/>
+              </a:rPr>
+              <a:t>			“Subject”:”</a:t>
+            </a:r>
+            <a:r>
+              <a:rPr lang="ja-JP" altLang="en-US" sz="2800" b="1" dirty="0">
+                <a:solidFill>
+                  <a:srgbClr val="FF0000"/>
+                </a:solidFill>
+                <a:latin typeface="Arial Black" panose="020B0A04020102020204" pitchFamily="34" charset="0"/>
+              </a:rPr>
+              <a:t>私</a:t>
+            </a:r>
+            <a:r>
+              <a:rPr lang="en-US" altLang="zh-TW" sz="2800" dirty="0">
+                <a:latin typeface="Arial Black" panose="020B0A04020102020204" pitchFamily="34" charset="0"/>
+              </a:rPr>
+              <a:t>”, </a:t>
+            </a:r>
+          </a:p>
+          <a:p>
+            <a:r>
+              <a:rPr lang="en-US" altLang="zh-TW" sz="2800" dirty="0">
+                <a:latin typeface="Arial Black" panose="020B0A04020102020204" pitchFamily="34" charset="0"/>
+              </a:rPr>
+              <a:t>			“Object”:”</a:t>
+            </a:r>
+            <a:r>
+              <a:rPr lang="ja-JP" altLang="en-US" sz="2800" b="1" dirty="0">
+                <a:solidFill>
+                  <a:srgbClr val="FF0000"/>
+                </a:solidFill>
+                <a:latin typeface="Arial Black" panose="020B0A04020102020204" pitchFamily="34" charset="0"/>
+              </a:rPr>
+              <a:t>ラーメン</a:t>
+            </a:r>
+            <a:r>
+              <a:rPr lang="en-US" altLang="zh-TW" sz="2800" dirty="0">
+                <a:latin typeface="Arial Black" panose="020B0A04020102020204" pitchFamily="34" charset="0"/>
+              </a:rPr>
+              <a:t>”, </a:t>
+            </a:r>
+          </a:p>
+          <a:p>
+            <a:r>
+              <a:rPr lang="en-US" altLang="zh-TW" sz="2800" dirty="0">
+                <a:latin typeface="Arial Black" panose="020B0A04020102020204" pitchFamily="34" charset="0"/>
+              </a:rPr>
+              <a:t>			“Verb”:”</a:t>
+            </a:r>
+            <a:r>
+              <a:rPr lang="ja-JP" altLang="en-US" sz="2800" b="1" dirty="0">
+                <a:solidFill>
+                  <a:srgbClr val="FF0000"/>
+                </a:solidFill>
+                <a:latin typeface="Arial Black" panose="020B0A04020102020204" pitchFamily="34" charset="0"/>
+              </a:rPr>
+              <a:t>食べ</a:t>
+            </a:r>
+            <a:r>
+              <a:rPr lang="en-US" altLang="zh-TW" sz="2800" dirty="0">
+                <a:latin typeface="Arial Black" panose="020B0A04020102020204" pitchFamily="34" charset="0"/>
+              </a:rPr>
+              <a:t>”</a:t>
+            </a:r>
+          </a:p>
+          <a:p>
+            <a:r>
+              <a:rPr lang="en-US" altLang="zh-TW" sz="2800" dirty="0">
+                <a:latin typeface="Arial Black" panose="020B0A04020102020204" pitchFamily="34" charset="0"/>
+              </a:rPr>
+              <a:t>			}</a:t>
+            </a:r>
+          </a:p>
+          <a:p>
+            <a:endParaRPr lang="en-US" altLang="zh-TW" sz="2800" dirty="0">
+              <a:latin typeface="Arial Black" panose="020B0A04020102020204" pitchFamily="34" charset="0"/>
+            </a:endParaRPr>
+          </a:p>
+          <a:p>
+            <a:r>
+              <a:rPr lang="en-US" altLang="zh-TW" sz="2800" dirty="0">
+                <a:latin typeface="Arial Black" panose="020B0A04020102020204" pitchFamily="34" charset="0"/>
+              </a:rPr>
+              <a:t>def caseparse(inputLIST):</a:t>
+            </a:r>
+          </a:p>
+          <a:p>
+            <a:r>
+              <a:rPr lang="en-US" altLang="zh-TW" sz="2800" dirty="0">
+                <a:latin typeface="Arial Black" panose="020B0A04020102020204" pitchFamily="34" charset="0"/>
+              </a:rPr>
+              <a:t>	extractSubject(inputLIST)</a:t>
+            </a:r>
+          </a:p>
+          <a:p>
+            <a:r>
+              <a:rPr lang="en-US" altLang="zh-TW" sz="2800" dirty="0">
+                <a:latin typeface="Arial Black" panose="020B0A04020102020204" pitchFamily="34" charset="0"/>
+              </a:rPr>
+              <a:t>	extractObject(inputLIST)</a:t>
+            </a:r>
+          </a:p>
+          <a:p>
+            <a:r>
+              <a:rPr lang="en-US" altLang="zh-TW" sz="2800" dirty="0">
+                <a:latin typeface="Arial Black" panose="020B0A04020102020204" pitchFamily="34" charset="0"/>
+              </a:rPr>
+              <a:t>	extractVerb (inputLIST)</a:t>
+            </a:r>
+            <a:endParaRPr lang="zh-TW" altLang="en-US" sz="2800" dirty="0">
+              <a:latin typeface="Arial Black" panose="020B0A04020102020204" pitchFamily="34" charset="0"/>
+            </a:endParaRPr>
+          </a:p>
+        </p:txBody>
+      </p:sp>
+    </p:spTree>
+    <p:extLst>
+      <p:ext uri="{BB962C8B-B14F-4D97-AF65-F5344CB8AC3E}">
+        <p14:creationId xmlns:p14="http://schemas.microsoft.com/office/powerpoint/2010/main" val="3459649001"/>
+      </p:ext>
+    </p:extLst>
+  </p:cSld>
+  <p:clrMapOvr>
+    <a:masterClrMapping/>
+  </p:clrMapOvr>
+</p:sld>
+</file>
+
+<file path=ppt/slides/slide28.xml><?xml version="1.0" encoding="utf-8"?>
+<p:sld xmlns:a="http://schemas.openxmlformats.org/drawingml/2006/main" xmlns:r="http://schemas.openxmlformats.org/officeDocument/2006/relationships" xmlns:p="http://schemas.openxmlformats.org/presentationml/2006/main">
+  <p:cSld>
+    <p:spTree>
+      <p:nvGrpSpPr>
+        <p:cNvPr id="1" name=""/>
+        <p:cNvGrpSpPr/>
+        <p:nvPr/>
+      </p:nvGrpSpPr>
+      <p:grpSpPr>
+        <a:xfrm>
+          <a:off x="0" y="0"/>
+          <a:ext cx="0" cy="0"/>
+          <a:chOff x="0" y="0"/>
+          <a:chExt cx="0" cy="0"/>
+        </a:xfrm>
+      </p:grpSpPr>
+      <p:sp>
+        <p:nvSpPr>
+          <p:cNvPr id="2" name="文字方塊 1"/>
+          <p:cNvSpPr txBox="1"/>
+          <p:nvPr/>
+        </p:nvSpPr>
+        <p:spPr>
+          <a:xfrm>
+            <a:off x="2640564" y="1766958"/>
+            <a:ext cx="12204441" cy="954107"/>
+          </a:xfrm>
+          <a:prstGeom prst="rect">
+            <a:avLst/>
+          </a:prstGeom>
+          <a:noFill/>
+        </p:spPr>
+        <p:txBody>
+          <a:bodyPr wrap="square" rtlCol="0">
+            <a:spAutoFit/>
+          </a:bodyPr>
+          <a:lstStyle/>
+          <a:p>
+            <a:r>
+              <a:rPr lang="en-US" altLang="zh-TW" sz="2800" dirty="0">
+                <a:latin typeface="Arial Black" panose="020B0A04020102020204" pitchFamily="34" charset="0"/>
+              </a:rPr>
+              <a:t>inputSTR = “</a:t>
+            </a:r>
+            <a:r>
+              <a:rPr lang="ja-JP" altLang="en-US" sz="2800" b="1" dirty="0">
+                <a:latin typeface="Arial Black" panose="020B0A04020102020204" pitchFamily="34" charset="0"/>
+              </a:rPr>
+              <a:t>私</a:t>
+            </a:r>
+            <a:r>
+              <a:rPr lang="ja-JP" altLang="en-US" sz="2800" b="1" dirty="0">
+                <a:solidFill>
+                  <a:srgbClr val="FF0000"/>
+                </a:solidFill>
+                <a:latin typeface="Arial Black" panose="020B0A04020102020204" pitchFamily="34" charset="0"/>
+              </a:rPr>
+              <a:t>は</a:t>
+            </a:r>
+            <a:r>
+              <a:rPr lang="ja-JP" altLang="en-US" sz="2800" b="1" dirty="0">
+                <a:latin typeface="Arial Black" panose="020B0A04020102020204" pitchFamily="34" charset="0"/>
+              </a:rPr>
+              <a:t>ラーメン</a:t>
+            </a:r>
+            <a:r>
+              <a:rPr lang="ja-JP" altLang="en-US" sz="2800" b="1" dirty="0">
+                <a:solidFill>
+                  <a:srgbClr val="FF0000"/>
+                </a:solidFill>
+                <a:latin typeface="Arial Black" panose="020B0A04020102020204" pitchFamily="34" charset="0"/>
+              </a:rPr>
+              <a:t>を</a:t>
+            </a:r>
+            <a:r>
+              <a:rPr lang="ja-JP" altLang="en-US" sz="2800" b="1" dirty="0">
+                <a:latin typeface="Arial Black" panose="020B0A04020102020204" pitchFamily="34" charset="0"/>
+              </a:rPr>
+              <a:t>食べます</a:t>
+            </a:r>
+            <a:r>
+              <a:rPr lang="en-US" altLang="zh-TW" sz="2800" dirty="0">
+                <a:latin typeface="Arial Black" panose="020B0A04020102020204" pitchFamily="34" charset="0"/>
+              </a:rPr>
+              <a:t>”</a:t>
+            </a:r>
+          </a:p>
+          <a:p>
+            <a:endParaRPr lang="en-US" altLang="zh-TW" sz="2800" dirty="0">
+              <a:latin typeface="Arial Black" panose="020B0A04020102020204" pitchFamily="34" charset="0"/>
+            </a:endParaRPr>
+          </a:p>
+        </p:txBody>
+      </p:sp>
+      <p:sp>
+        <p:nvSpPr>
+          <p:cNvPr id="3" name="文字方塊 2"/>
+          <p:cNvSpPr txBox="1"/>
+          <p:nvPr/>
+        </p:nvSpPr>
+        <p:spPr>
+          <a:xfrm>
+            <a:off x="3707363" y="531844"/>
+            <a:ext cx="4777274" cy="1015663"/>
+          </a:xfrm>
+          <a:prstGeom prst="rect">
+            <a:avLst/>
+          </a:prstGeom>
+          <a:noFill/>
+        </p:spPr>
+        <p:txBody>
+          <a:bodyPr wrap="square" rtlCol="0">
+            <a:spAutoFit/>
+          </a:bodyPr>
+          <a:lstStyle/>
+          <a:p>
+            <a:pPr algn="ctr"/>
+            <a:r>
+              <a:rPr lang="en-US" altLang="zh-TW" sz="6000" dirty="0">
+                <a:latin typeface="Arial Black" panose="020B0A04020102020204" pitchFamily="34" charset="0"/>
+                <a:ea typeface="+mj-ea"/>
+                <a:cs typeface="+mj-cs"/>
+              </a:rPr>
+              <a:t>Hint</a:t>
+            </a:r>
+            <a:endParaRPr lang="zh-TW" altLang="en-US" sz="6000" dirty="0">
+              <a:latin typeface="Arial Black" panose="020B0A04020102020204" pitchFamily="34" charset="0"/>
+              <a:ea typeface="+mj-ea"/>
+              <a:cs typeface="+mj-cs"/>
+            </a:endParaRPr>
+          </a:p>
+        </p:txBody>
+      </p:sp>
+      <p:sp>
+        <p:nvSpPr>
+          <p:cNvPr id="6" name="文字方塊 5">
+            <a:extLst>
+              <a:ext uri="{FF2B5EF4-FFF2-40B4-BE49-F238E27FC236}">
+                <a16:creationId xmlns:a16="http://schemas.microsoft.com/office/drawing/2014/main" id="{E90E0AFC-5FA4-48D5-33EB-983C9417953D}"/>
+              </a:ext>
+            </a:extLst>
+          </p:cNvPr>
+          <p:cNvSpPr txBox="1"/>
+          <p:nvPr/>
+        </p:nvSpPr>
+        <p:spPr>
+          <a:xfrm>
+            <a:off x="2640564" y="3071199"/>
+            <a:ext cx="7421418" cy="1384995"/>
+          </a:xfrm>
+          <a:prstGeom prst="rect">
+            <a:avLst/>
+          </a:prstGeom>
+          <a:noFill/>
+        </p:spPr>
+        <p:txBody>
+          <a:bodyPr wrap="square">
+            <a:spAutoFit/>
+          </a:bodyPr>
+          <a:lstStyle/>
+          <a:p>
+            <a:r>
+              <a:rPr lang="zh-TW" altLang="en-US" sz="2800" dirty="0">
+                <a:latin typeface="Arial Black" panose="020B0A04020102020204" pitchFamily="34" charset="0"/>
+              </a:rPr>
+              <a:t>https://medium.com/ccclub/ccclub-python-for-beginners-tutorial-d26900b9280e</a:t>
+            </a:r>
+          </a:p>
+        </p:txBody>
+      </p:sp>
+    </p:spTree>
+    <p:extLst>
+      <p:ext uri="{BB962C8B-B14F-4D97-AF65-F5344CB8AC3E}">
+        <p14:creationId xmlns:p14="http://schemas.microsoft.com/office/powerpoint/2010/main" val="2561639903"/>
+      </p:ext>
+    </p:extLst>
+  </p:cSld>
+  <p:clrMapOvr>
+    <a:masterClrMapping/>
+  </p:clrMapOvr>
+</p:sld>
+</file>
+
+<file path=ppt/slides/slide3.xml><?xml version="1.0" encoding="utf-8"?>
+<p:sld xmlns:a="http://schemas.openxmlformats.org/drawingml/2006/main" xmlns:r="http://schemas.openxmlformats.org/officeDocument/2006/relationships" xmlns:p="http://schemas.openxmlformats.org/presentationml/2006/main">
+  <p:cSld>
+    <p:spTree>
+      <p:nvGrpSpPr>
+        <p:cNvPr id="1" name="">
+          <a:extLst>
+            <a:ext uri="{FF2B5EF4-FFF2-40B4-BE49-F238E27FC236}">
+              <a16:creationId xmlns:a16="http://schemas.microsoft.com/office/drawing/2014/main" id="{FE241630-7562-CED5-0CE5-61DB5FBD701D}"/>
+            </a:ext>
+          </a:extLst>
+        </p:cNvPr>
+        <p:cNvGrpSpPr/>
+        <p:nvPr/>
+      </p:nvGrpSpPr>
+      <p:grpSpPr>
+        <a:xfrm>
+          <a:off x="0" y="0"/>
+          <a:ext cx="0" cy="0"/>
+          <a:chOff x="0" y="0"/>
+          <a:chExt cx="0" cy="0"/>
+        </a:xfrm>
+      </p:grpSpPr>
+      <p:sp>
+        <p:nvSpPr>
+          <p:cNvPr id="2" name="標題 1">
+            <a:extLst>
+              <a:ext uri="{FF2B5EF4-FFF2-40B4-BE49-F238E27FC236}">
+                <a16:creationId xmlns:a16="http://schemas.microsoft.com/office/drawing/2014/main" id="{92970B4F-BC42-723A-6D08-96E8D3FB9542}"/>
+              </a:ext>
+            </a:extLst>
+          </p:cNvPr>
+          <p:cNvSpPr>
+            <a:spLocks noGrp="1"/>
+          </p:cNvSpPr>
+          <p:nvPr>
+            <p:ph type="title"/>
+          </p:nvPr>
+        </p:nvSpPr>
+        <p:spPr/>
+        <p:txBody>
+          <a:bodyPr/>
+          <a:lstStyle/>
+          <a:p>
+            <a:r>
+              <a:rPr lang="en-US" altLang="zh-TW" b="1" dirty="0"/>
+              <a:t>Break it down </a:t>
+            </a:r>
+            <a:r>
+              <a:rPr lang="en-US" altLang="zh-TW" dirty="0"/>
+              <a:t>-- Searching</a:t>
+            </a:r>
+            <a:endParaRPr lang="zh-TW" altLang="en-US" dirty="0"/>
+          </a:p>
+        </p:txBody>
+      </p:sp>
+      <p:sp>
+        <p:nvSpPr>
+          <p:cNvPr id="3" name="文字方塊 2">
+            <a:extLst>
+              <a:ext uri="{FF2B5EF4-FFF2-40B4-BE49-F238E27FC236}">
+                <a16:creationId xmlns:a16="http://schemas.microsoft.com/office/drawing/2014/main" id="{ABC6234F-E98D-47B3-BABC-7158E143C6E8}"/>
+              </a:ext>
+            </a:extLst>
+          </p:cNvPr>
+          <p:cNvSpPr txBox="1"/>
+          <p:nvPr/>
+        </p:nvSpPr>
+        <p:spPr>
+          <a:xfrm>
+            <a:off x="838200" y="1690688"/>
+            <a:ext cx="9834664" cy="646331"/>
+          </a:xfrm>
+          <a:prstGeom prst="rect">
+            <a:avLst/>
+          </a:prstGeom>
+          <a:noFill/>
+        </p:spPr>
+        <p:txBody>
+          <a:bodyPr wrap="square" rtlCol="0">
+            <a:spAutoFit/>
+          </a:bodyPr>
+          <a:lstStyle/>
+          <a:p>
+            <a:r>
+              <a:rPr lang="en-US" altLang="zh-TW" sz="3600" b="1" dirty="0"/>
+              <a:t>1. Spec – search number from </a:t>
+            </a:r>
+            <a:r>
+              <a:rPr lang="en-US" altLang="zh-TW" sz="3600" b="1" dirty="0">
+                <a:solidFill>
+                  <a:srgbClr val="FF0000"/>
+                </a:solidFill>
+              </a:rPr>
+              <a:t>sorted</a:t>
+            </a:r>
+            <a:r>
+              <a:rPr lang="en-US" altLang="zh-TW" sz="3600" b="1" dirty="0"/>
+              <a:t> sequence </a:t>
+            </a:r>
+            <a:endParaRPr lang="zh-TW" altLang="en-US" b="1" dirty="0"/>
+          </a:p>
+        </p:txBody>
+      </p:sp>
+    </p:spTree>
+    <p:extLst>
+      <p:ext uri="{BB962C8B-B14F-4D97-AF65-F5344CB8AC3E}">
+        <p14:creationId xmlns:p14="http://schemas.microsoft.com/office/powerpoint/2010/main" val="671581028"/>
+      </p:ext>
+    </p:extLst>
+  </p:cSld>
+  <p:clrMapOvr>
+    <a:masterClrMapping/>
+  </p:clrMapOvr>
+</p:sld>
+</file>
+
+<file path=ppt/slides/slide4.xml><?xml version="1.0" encoding="utf-8"?>
+<p:sld xmlns:a="http://schemas.openxmlformats.org/drawingml/2006/main" xmlns:r="http://schemas.openxmlformats.org/officeDocument/2006/relationships" xmlns:p="http://schemas.openxmlformats.org/presentationml/2006/main">
+  <p:cSld>
+    <p:spTree>
+      <p:nvGrpSpPr>
+        <p:cNvPr id="1" name="">
+          <a:extLst>
+            <a:ext uri="{FF2B5EF4-FFF2-40B4-BE49-F238E27FC236}">
+              <a16:creationId xmlns:a16="http://schemas.microsoft.com/office/drawing/2014/main" id="{B889ADAB-2BBF-95DD-D60B-990523C19165}"/>
+            </a:ext>
+          </a:extLst>
+        </p:cNvPr>
+        <p:cNvGrpSpPr/>
+        <p:nvPr/>
+      </p:nvGrpSpPr>
+      <p:grpSpPr>
+        <a:xfrm>
+          <a:off x="0" y="0"/>
+          <a:ext cx="0" cy="0"/>
+          <a:chOff x="0" y="0"/>
+          <a:chExt cx="0" cy="0"/>
+        </a:xfrm>
+      </p:grpSpPr>
+      <p:sp>
+        <p:nvSpPr>
+          <p:cNvPr id="2" name="標題 1">
+            <a:extLst>
+              <a:ext uri="{FF2B5EF4-FFF2-40B4-BE49-F238E27FC236}">
+                <a16:creationId xmlns:a16="http://schemas.microsoft.com/office/drawing/2014/main" id="{61B2837B-99FC-B3AE-595F-705191DC56F1}"/>
+              </a:ext>
+            </a:extLst>
+          </p:cNvPr>
+          <p:cNvSpPr>
+            <a:spLocks noGrp="1"/>
+          </p:cNvSpPr>
+          <p:nvPr>
+            <p:ph type="title"/>
+          </p:nvPr>
+        </p:nvSpPr>
+        <p:spPr/>
+        <p:txBody>
+          <a:bodyPr/>
+          <a:lstStyle/>
+          <a:p>
+            <a:r>
+              <a:rPr lang="en-US" altLang="zh-TW" b="1" dirty="0"/>
+              <a:t>Break it down </a:t>
+            </a:r>
+            <a:r>
+              <a:rPr lang="en-US" altLang="zh-TW" dirty="0"/>
+              <a:t>-- Searching</a:t>
+            </a:r>
+            <a:endParaRPr lang="zh-TW" altLang="en-US" dirty="0"/>
+          </a:p>
+        </p:txBody>
+      </p:sp>
+      <p:sp>
+        <p:nvSpPr>
+          <p:cNvPr id="3" name="文字方塊 2">
+            <a:extLst>
+              <a:ext uri="{FF2B5EF4-FFF2-40B4-BE49-F238E27FC236}">
+                <a16:creationId xmlns:a16="http://schemas.microsoft.com/office/drawing/2014/main" id="{F443C3A8-144A-C1E5-C46E-F54C4F28F3C0}"/>
+              </a:ext>
+            </a:extLst>
+          </p:cNvPr>
+          <p:cNvSpPr txBox="1"/>
+          <p:nvPr/>
+        </p:nvSpPr>
+        <p:spPr>
+          <a:xfrm>
+            <a:off x="838200" y="1690688"/>
+            <a:ext cx="9834664" cy="1200329"/>
+          </a:xfrm>
+          <a:prstGeom prst="rect">
+            <a:avLst/>
+          </a:prstGeom>
+          <a:noFill/>
+        </p:spPr>
+        <p:txBody>
+          <a:bodyPr wrap="square" rtlCol="0">
+            <a:spAutoFit/>
+          </a:bodyPr>
+          <a:lstStyle/>
+          <a:p>
+            <a:pPr marL="742950" indent="-742950">
+              <a:buAutoNum type="arabicPeriod"/>
+            </a:pPr>
+            <a:r>
+              <a:rPr lang="en-US" altLang="zh-TW" sz="3600" b="1" dirty="0"/>
+              <a:t>Spec – search number from </a:t>
+            </a:r>
+            <a:r>
+              <a:rPr lang="en-US" altLang="zh-TW" sz="3600" b="1" dirty="0">
+                <a:solidFill>
+                  <a:srgbClr val="FF0000"/>
+                </a:solidFill>
+              </a:rPr>
+              <a:t>sorted</a:t>
+            </a:r>
+            <a:r>
+              <a:rPr lang="en-US" altLang="zh-TW" sz="3600" b="1" dirty="0"/>
+              <a:t> sequence</a:t>
+            </a:r>
+          </a:p>
+          <a:p>
+            <a:pPr marL="742950" indent="-742950">
+              <a:buAutoNum type="arabicPeriod"/>
+            </a:pPr>
+            <a:r>
+              <a:rPr lang="en-US" altLang="zh-TW" sz="3600" b="1" dirty="0"/>
+              <a:t>Now start thinking </a:t>
+            </a:r>
+            <a:endParaRPr lang="zh-TW" altLang="en-US" b="1" dirty="0"/>
+          </a:p>
+        </p:txBody>
+      </p:sp>
+    </p:spTree>
+    <p:extLst>
+      <p:ext uri="{BB962C8B-B14F-4D97-AF65-F5344CB8AC3E}">
+        <p14:creationId xmlns:p14="http://schemas.microsoft.com/office/powerpoint/2010/main" val="2189287558"/>
+      </p:ext>
+    </p:extLst>
+  </p:cSld>
+  <p:clrMapOvr>
+    <a:masterClrMapping/>
+  </p:clrMapOvr>
+</p:sld>
+</file>
+
+<file path=ppt/slides/slide5.xml><?xml version="1.0" encoding="utf-8"?>
+<p:sld xmlns:a="http://schemas.openxmlformats.org/drawingml/2006/main" xmlns:r="http://schemas.openxmlformats.org/officeDocument/2006/relationships" xmlns:p="http://schemas.openxmlformats.org/presentationml/2006/main">
+  <p:cSld>
+    <p:spTree>
+      <p:nvGrpSpPr>
+        <p:cNvPr id="1" name="">
+          <a:extLst>
+            <a:ext uri="{FF2B5EF4-FFF2-40B4-BE49-F238E27FC236}">
+              <a16:creationId xmlns:a16="http://schemas.microsoft.com/office/drawing/2014/main" id="{3E395CC1-4E25-DE28-580F-5EA40D5BC765}"/>
+            </a:ext>
+          </a:extLst>
+        </p:cNvPr>
+        <p:cNvGrpSpPr/>
+        <p:nvPr/>
+      </p:nvGrpSpPr>
+      <p:grpSpPr>
+        <a:xfrm>
+          <a:off x="0" y="0"/>
+          <a:ext cx="0" cy="0"/>
+          <a:chOff x="0" y="0"/>
+          <a:chExt cx="0" cy="0"/>
+        </a:xfrm>
+      </p:grpSpPr>
+      <p:sp>
+        <p:nvSpPr>
+          <p:cNvPr id="2" name="標題 1">
+            <a:extLst>
+              <a:ext uri="{FF2B5EF4-FFF2-40B4-BE49-F238E27FC236}">
+                <a16:creationId xmlns:a16="http://schemas.microsoft.com/office/drawing/2014/main" id="{7A354C22-C447-0876-AAE0-F8A43A95E8B8}"/>
+              </a:ext>
+            </a:extLst>
+          </p:cNvPr>
+          <p:cNvSpPr>
+            <a:spLocks noGrp="1"/>
+          </p:cNvSpPr>
+          <p:nvPr>
+            <p:ph type="title"/>
+          </p:nvPr>
+        </p:nvSpPr>
+        <p:spPr/>
+        <p:txBody>
+          <a:bodyPr/>
+          <a:lstStyle/>
+          <a:p>
+            <a:r>
+              <a:rPr lang="en-US" altLang="zh-TW" b="1" dirty="0"/>
+              <a:t>Break it down </a:t>
+            </a:r>
+            <a:r>
+              <a:rPr lang="en-US" altLang="zh-TW" dirty="0"/>
+              <a:t>– Linear Search</a:t>
+            </a:r>
+            <a:endParaRPr lang="zh-TW" altLang="en-US" dirty="0"/>
+          </a:p>
+        </p:txBody>
+      </p:sp>
+      <p:sp>
+        <p:nvSpPr>
+          <p:cNvPr id="3" name="文字方塊 2">
+            <a:extLst>
+              <a:ext uri="{FF2B5EF4-FFF2-40B4-BE49-F238E27FC236}">
+                <a16:creationId xmlns:a16="http://schemas.microsoft.com/office/drawing/2014/main" id="{F494E08F-FA3A-B7AB-9B00-F9A0780FF28D}"/>
+              </a:ext>
+            </a:extLst>
+          </p:cNvPr>
+          <p:cNvSpPr txBox="1"/>
+          <p:nvPr/>
+        </p:nvSpPr>
+        <p:spPr>
+          <a:xfrm>
+            <a:off x="838200" y="1690688"/>
+            <a:ext cx="9834664" cy="2492990"/>
+          </a:xfrm>
+          <a:prstGeom prst="rect">
+            <a:avLst/>
+          </a:prstGeom>
+          <a:noFill/>
+        </p:spPr>
+        <p:txBody>
+          <a:bodyPr wrap="square" rtlCol="0">
+            <a:spAutoFit/>
+          </a:bodyPr>
+          <a:lstStyle/>
+          <a:p>
+            <a:pPr marL="742950" indent="-742950">
+              <a:buAutoNum type="arabicPeriod"/>
+            </a:pPr>
+            <a:r>
+              <a:rPr lang="en-US" altLang="zh-TW" sz="3600" b="1" dirty="0"/>
+              <a:t>Spec – search number from </a:t>
+            </a:r>
+            <a:r>
+              <a:rPr lang="en-US" altLang="zh-TW" sz="3600" b="1" dirty="0">
+                <a:solidFill>
+                  <a:srgbClr val="FF0000"/>
+                </a:solidFill>
+              </a:rPr>
+              <a:t>sorted</a:t>
+            </a:r>
+            <a:r>
+              <a:rPr lang="en-US" altLang="zh-TW" sz="3600" b="1" dirty="0"/>
+              <a:t> sequence</a:t>
+            </a:r>
+          </a:p>
+          <a:p>
+            <a:pPr marL="742950" indent="-742950">
+              <a:buAutoNum type="arabicPeriod"/>
+            </a:pPr>
+            <a:r>
+              <a:rPr lang="en-US" altLang="zh-TW" sz="3600" b="1" dirty="0"/>
+              <a:t>Now start thinking – one at a time?</a:t>
+            </a:r>
+          </a:p>
+          <a:p>
+            <a:pPr marL="742950" indent="-742950">
+              <a:buAutoNum type="arabicPeriod"/>
+            </a:pPr>
+            <a:endParaRPr lang="en-US" altLang="zh-TW" sz="3600" b="1" dirty="0"/>
+          </a:p>
+          <a:p>
+            <a:r>
+              <a:rPr lang="en-US" altLang="zh-TW" sz="4800" b="1" dirty="0"/>
+              <a:t>[1,2,</a:t>
+            </a:r>
+            <a:r>
+              <a:rPr lang="en-US" altLang="zh-TW" sz="4800" b="1" dirty="0">
+                <a:highlight>
+                  <a:srgbClr val="FF0000"/>
+                </a:highlight>
+              </a:rPr>
+              <a:t>3</a:t>
+            </a:r>
+            <a:r>
+              <a:rPr lang="en-US" altLang="zh-TW" sz="4800" b="1" dirty="0"/>
+              <a:t>,4,5,6,7,8,9,10,11,12,13,14,15] </a:t>
+            </a:r>
+            <a:endParaRPr lang="zh-TW" altLang="en-US" sz="2800" b="1" dirty="0"/>
+          </a:p>
+        </p:txBody>
+      </p:sp>
+    </p:spTree>
+    <p:extLst>
+      <p:ext uri="{BB962C8B-B14F-4D97-AF65-F5344CB8AC3E}">
+        <p14:creationId xmlns:p14="http://schemas.microsoft.com/office/powerpoint/2010/main" val="503709859"/>
+      </p:ext>
+    </p:extLst>
+  </p:cSld>
+  <p:clrMapOvr>
+    <a:masterClrMapping/>
+  </p:clrMapOvr>
+</p:sld>
+</file>
+
+<file path=ppt/slides/slide6.xml><?xml version="1.0" encoding="utf-8"?>
+<p:sld xmlns:a="http://schemas.openxmlformats.org/drawingml/2006/main" xmlns:r="http://schemas.openxmlformats.org/officeDocument/2006/relationships" xmlns:p="http://schemas.openxmlformats.org/presentationml/2006/main">
+  <p:cSld>
+    <p:spTree>
+      <p:nvGrpSpPr>
+        <p:cNvPr id="1" name="">
+          <a:extLst>
+            <a:ext uri="{FF2B5EF4-FFF2-40B4-BE49-F238E27FC236}">
+              <a16:creationId xmlns:a16="http://schemas.microsoft.com/office/drawing/2014/main" id="{9D5A8E2C-93FF-AD62-9F48-578E37BE601B}"/>
+            </a:ext>
+          </a:extLst>
+        </p:cNvPr>
+        <p:cNvGrpSpPr/>
+        <p:nvPr/>
+      </p:nvGrpSpPr>
+      <p:grpSpPr>
+        <a:xfrm>
+          <a:off x="0" y="0"/>
+          <a:ext cx="0" cy="0"/>
+          <a:chOff x="0" y="0"/>
+          <a:chExt cx="0" cy="0"/>
+        </a:xfrm>
+      </p:grpSpPr>
+      <p:sp>
+        <p:nvSpPr>
+          <p:cNvPr id="2" name="標題 1">
+            <a:extLst>
+              <a:ext uri="{FF2B5EF4-FFF2-40B4-BE49-F238E27FC236}">
+                <a16:creationId xmlns:a16="http://schemas.microsoft.com/office/drawing/2014/main" id="{AA656F99-D609-B720-747B-0CA785A6F275}"/>
+              </a:ext>
+            </a:extLst>
+          </p:cNvPr>
+          <p:cNvSpPr>
+            <a:spLocks noGrp="1"/>
+          </p:cNvSpPr>
+          <p:nvPr>
+            <p:ph type="title"/>
+          </p:nvPr>
+        </p:nvSpPr>
+        <p:spPr/>
+        <p:txBody>
+          <a:bodyPr/>
+          <a:lstStyle/>
+          <a:p>
+            <a:r>
+              <a:rPr lang="en-US" altLang="zh-TW" b="1" dirty="0"/>
+              <a:t>Break it down </a:t>
+            </a:r>
+            <a:r>
+              <a:rPr lang="en-US" altLang="zh-TW" dirty="0"/>
+              <a:t>– Linear Search</a:t>
+            </a:r>
+            <a:endParaRPr lang="zh-TW" altLang="en-US" dirty="0"/>
+          </a:p>
+        </p:txBody>
+      </p:sp>
+      <p:sp>
+        <p:nvSpPr>
+          <p:cNvPr id="3" name="文字方塊 2">
+            <a:extLst>
+              <a:ext uri="{FF2B5EF4-FFF2-40B4-BE49-F238E27FC236}">
+                <a16:creationId xmlns:a16="http://schemas.microsoft.com/office/drawing/2014/main" id="{53D972AB-4716-BE5E-690F-6EED8FDBC648}"/>
+              </a:ext>
+            </a:extLst>
+          </p:cNvPr>
+          <p:cNvSpPr txBox="1"/>
+          <p:nvPr/>
+        </p:nvSpPr>
+        <p:spPr>
+          <a:xfrm>
+            <a:off x="838200" y="1690688"/>
+            <a:ext cx="9834664" cy="2492990"/>
+          </a:xfrm>
+          <a:prstGeom prst="rect">
+            <a:avLst/>
+          </a:prstGeom>
+          <a:noFill/>
+        </p:spPr>
+        <p:txBody>
+          <a:bodyPr wrap="square" rtlCol="0">
+            <a:spAutoFit/>
+          </a:bodyPr>
+          <a:lstStyle/>
+          <a:p>
+            <a:pPr marL="742950" indent="-742950">
+              <a:buAutoNum type="arabicPeriod"/>
+            </a:pPr>
+            <a:r>
+              <a:rPr lang="en-US" altLang="zh-TW" sz="3600" b="1" dirty="0"/>
+              <a:t>Spec – search number from </a:t>
+            </a:r>
+            <a:r>
+              <a:rPr lang="en-US" altLang="zh-TW" sz="3600" b="1" dirty="0">
+                <a:solidFill>
+                  <a:srgbClr val="FF0000"/>
+                </a:solidFill>
+              </a:rPr>
+              <a:t>sorted</a:t>
+            </a:r>
+            <a:r>
+              <a:rPr lang="en-US" altLang="zh-TW" sz="3600" b="1" dirty="0"/>
+              <a:t> sequence</a:t>
+            </a:r>
+          </a:p>
+          <a:p>
+            <a:pPr marL="742950" indent="-742950">
+              <a:buFontTx/>
+              <a:buAutoNum type="arabicPeriod"/>
+            </a:pPr>
+            <a:r>
+              <a:rPr lang="en-US" altLang="zh-TW" sz="3600" b="1" dirty="0"/>
+              <a:t>Now start thinking – one at a time?</a:t>
+            </a:r>
+          </a:p>
+          <a:p>
+            <a:pPr marL="742950" indent="-742950">
+              <a:buAutoNum type="arabicPeriod"/>
+            </a:pPr>
+            <a:endParaRPr lang="en-US" altLang="zh-TW" sz="3600" b="1" dirty="0"/>
+          </a:p>
+          <a:p>
+            <a:r>
+              <a:rPr lang="en-US" altLang="zh-TW" sz="4800" b="1" dirty="0"/>
+              <a:t>[1,2,3,4,5,6,7,8,9,10,11,</a:t>
+            </a:r>
+            <a:r>
+              <a:rPr lang="en-US" altLang="zh-TW" sz="4800" b="1" dirty="0">
+                <a:highlight>
+                  <a:srgbClr val="FF0000"/>
+                </a:highlight>
+              </a:rPr>
+              <a:t>12</a:t>
+            </a:r>
+            <a:r>
+              <a:rPr lang="en-US" altLang="zh-TW" sz="4800" b="1" dirty="0"/>
+              <a:t>,13,14,15] </a:t>
+            </a:r>
+            <a:endParaRPr lang="zh-TW" altLang="en-US" sz="2800" b="1" dirty="0"/>
+          </a:p>
+        </p:txBody>
+      </p:sp>
+    </p:spTree>
+    <p:extLst>
+      <p:ext uri="{BB962C8B-B14F-4D97-AF65-F5344CB8AC3E}">
+        <p14:creationId xmlns:p14="http://schemas.microsoft.com/office/powerpoint/2010/main" val="2628252426"/>
+      </p:ext>
+    </p:extLst>
+  </p:cSld>
+  <p:clrMapOvr>
+    <a:masterClrMapping/>
+  </p:clrMapOvr>
+</p:sld>
+</file>
+
+<file path=ppt/slides/slide7.xml><?xml version="1.0" encoding="utf-8"?>
+<p:sld xmlns:a="http://schemas.openxmlformats.org/drawingml/2006/main" xmlns:r="http://schemas.openxmlformats.org/officeDocument/2006/relationships" xmlns:p="http://schemas.openxmlformats.org/presentationml/2006/main">
+  <p:cSld>
+    <p:spTree>
+      <p:nvGrpSpPr>
+        <p:cNvPr id="1" name="">
+          <a:extLst>
+            <a:ext uri="{FF2B5EF4-FFF2-40B4-BE49-F238E27FC236}">
+              <a16:creationId xmlns:a16="http://schemas.microsoft.com/office/drawing/2014/main" id="{8AA1F5F8-F6E0-77E0-3EF6-2B2C62516393}"/>
+            </a:ext>
+          </a:extLst>
+        </p:cNvPr>
+        <p:cNvGrpSpPr/>
+        <p:nvPr/>
+      </p:nvGrpSpPr>
+      <p:grpSpPr>
+        <a:xfrm>
+          <a:off x="0" y="0"/>
+          <a:ext cx="0" cy="0"/>
+          <a:chOff x="0" y="0"/>
+          <a:chExt cx="0" cy="0"/>
+        </a:xfrm>
+      </p:grpSpPr>
+      <p:sp>
+        <p:nvSpPr>
+          <p:cNvPr id="2" name="標題 1">
+            <a:extLst>
+              <a:ext uri="{FF2B5EF4-FFF2-40B4-BE49-F238E27FC236}">
+                <a16:creationId xmlns:a16="http://schemas.microsoft.com/office/drawing/2014/main" id="{E140DBD1-C499-C6AB-1456-CBD2F09EBCD3}"/>
+              </a:ext>
+            </a:extLst>
+          </p:cNvPr>
+          <p:cNvSpPr>
+            <a:spLocks noGrp="1"/>
+          </p:cNvSpPr>
+          <p:nvPr>
+            <p:ph type="title"/>
+          </p:nvPr>
+        </p:nvSpPr>
+        <p:spPr/>
+        <p:txBody>
+          <a:bodyPr/>
+          <a:lstStyle/>
+          <a:p>
+            <a:r>
+              <a:rPr lang="en-US" altLang="zh-TW" b="1" dirty="0"/>
+              <a:t>Break it down </a:t>
+            </a:r>
+            <a:r>
+              <a:rPr lang="en-US" altLang="zh-TW" dirty="0"/>
+              <a:t>-- Searching</a:t>
+            </a:r>
+            <a:endParaRPr lang="zh-TW" altLang="en-US" dirty="0"/>
+          </a:p>
+        </p:txBody>
+      </p:sp>
+      <p:sp>
+        <p:nvSpPr>
+          <p:cNvPr id="3" name="文字方塊 2">
+            <a:extLst>
+              <a:ext uri="{FF2B5EF4-FFF2-40B4-BE49-F238E27FC236}">
+                <a16:creationId xmlns:a16="http://schemas.microsoft.com/office/drawing/2014/main" id="{7FD4A087-579D-ED83-D81E-97DCD225F5DF}"/>
+              </a:ext>
+            </a:extLst>
+          </p:cNvPr>
+          <p:cNvSpPr txBox="1"/>
+          <p:nvPr/>
+        </p:nvSpPr>
+        <p:spPr>
+          <a:xfrm>
+            <a:off x="838200" y="1690688"/>
+            <a:ext cx="9834664" cy="3877985"/>
+          </a:xfrm>
+          <a:prstGeom prst="rect">
+            <a:avLst/>
+          </a:prstGeom>
+          <a:noFill/>
+        </p:spPr>
+        <p:txBody>
+          <a:bodyPr wrap="square" rtlCol="0">
+            <a:spAutoFit/>
+          </a:bodyPr>
+          <a:lstStyle/>
+          <a:p>
+            <a:pPr marL="742950" indent="-742950">
+              <a:buAutoNum type="arabicPeriod"/>
+            </a:pPr>
+            <a:r>
+              <a:rPr lang="en-US" altLang="zh-TW" sz="3600" b="1" dirty="0"/>
+              <a:t>Spec – search number from </a:t>
+            </a:r>
+            <a:r>
+              <a:rPr lang="en-US" altLang="zh-TW" sz="3600" b="1" dirty="0">
+                <a:solidFill>
+                  <a:srgbClr val="FF0000"/>
+                </a:solidFill>
+              </a:rPr>
+              <a:t>sorted</a:t>
+            </a:r>
+            <a:r>
+              <a:rPr lang="en-US" altLang="zh-TW" sz="3600" b="1" dirty="0"/>
+              <a:t> sequence</a:t>
+            </a:r>
+          </a:p>
+          <a:p>
+            <a:pPr marL="742950" indent="-742950">
+              <a:buAutoNum type="arabicPeriod"/>
+            </a:pPr>
+            <a:r>
+              <a:rPr lang="en-US" altLang="zh-TW" sz="3600" b="1" dirty="0"/>
+              <a:t>Now start thinking</a:t>
+            </a:r>
+          </a:p>
+          <a:p>
+            <a:endParaRPr lang="en-US" altLang="zh-TW" sz="3600" b="1" dirty="0"/>
+          </a:p>
+          <a:p>
+            <a:pPr algn="ctr"/>
+            <a:r>
+              <a:rPr lang="en-US" altLang="zh-TW" sz="5400" b="1" dirty="0">
+                <a:highlight>
+                  <a:srgbClr val="FF0000"/>
+                </a:highlight>
+              </a:rPr>
+              <a:t>robust, efficient</a:t>
+            </a:r>
+          </a:p>
+          <a:p>
+            <a:pPr marL="742950" indent="-742950">
+              <a:buAutoNum type="arabicPeriod"/>
+            </a:pPr>
+            <a:endParaRPr lang="en-US" altLang="zh-TW" sz="3600" b="1" dirty="0"/>
+          </a:p>
+          <a:p>
+            <a:r>
+              <a:rPr lang="en-US" altLang="zh-TW" sz="4800" b="1" dirty="0"/>
+              <a:t>[1,2,3,4,5,6,7,8,9,10,11,12,13,14,15] </a:t>
+            </a:r>
+            <a:endParaRPr lang="zh-TW" altLang="en-US" sz="2800" b="1" dirty="0"/>
+          </a:p>
+        </p:txBody>
+      </p:sp>
+    </p:spTree>
+    <p:extLst>
+      <p:ext uri="{BB962C8B-B14F-4D97-AF65-F5344CB8AC3E}">
+        <p14:creationId xmlns:p14="http://schemas.microsoft.com/office/powerpoint/2010/main" val="91276583"/>
+      </p:ext>
+    </p:extLst>
+  </p:cSld>
+  <p:clrMapOvr>
+    <a:masterClrMapping/>
+  </p:clrMapOvr>
+</p:sld>
+</file>
+
+<file path=ppt/slides/slide8.xml><?xml version="1.0" encoding="utf-8"?>
+<p:sld xmlns:a="http://schemas.openxmlformats.org/drawingml/2006/main" xmlns:r="http://schemas.openxmlformats.org/officeDocument/2006/relationships" xmlns:p="http://schemas.openxmlformats.org/presentationml/2006/main">
+  <p:cSld>
+    <p:spTree>
+      <p:nvGrpSpPr>
+        <p:cNvPr id="1" name="">
+          <a:extLst>
+            <a:ext uri="{FF2B5EF4-FFF2-40B4-BE49-F238E27FC236}">
+              <a16:creationId xmlns:a16="http://schemas.microsoft.com/office/drawing/2014/main" id="{4CA3B7DA-BDA5-DB60-D308-81FA4FD55358}"/>
+            </a:ext>
+          </a:extLst>
+        </p:cNvPr>
+        <p:cNvGrpSpPr/>
+        <p:nvPr/>
+      </p:nvGrpSpPr>
+      <p:grpSpPr>
+        <a:xfrm>
+          <a:off x="0" y="0"/>
+          <a:ext cx="0" cy="0"/>
+          <a:chOff x="0" y="0"/>
+          <a:chExt cx="0" cy="0"/>
+        </a:xfrm>
+      </p:grpSpPr>
+      <p:sp>
+        <p:nvSpPr>
+          <p:cNvPr id="2" name="標題 1">
+            <a:extLst>
+              <a:ext uri="{FF2B5EF4-FFF2-40B4-BE49-F238E27FC236}">
+                <a16:creationId xmlns:a16="http://schemas.microsoft.com/office/drawing/2014/main" id="{25C172EB-A1D3-7AD2-79F0-90CAE6FE34CD}"/>
+              </a:ext>
+            </a:extLst>
+          </p:cNvPr>
+          <p:cNvSpPr>
+            <a:spLocks noGrp="1"/>
+          </p:cNvSpPr>
+          <p:nvPr>
+            <p:ph type="title"/>
+          </p:nvPr>
+        </p:nvSpPr>
+        <p:spPr/>
+        <p:txBody>
+          <a:bodyPr/>
+          <a:lstStyle/>
+          <a:p>
+            <a:r>
+              <a:rPr lang="en-US" altLang="zh-TW" b="1" dirty="0"/>
+              <a:t>Break it down </a:t>
+            </a:r>
+            <a:r>
+              <a:rPr lang="en-US" altLang="zh-TW" dirty="0"/>
+              <a:t>– Linear Search</a:t>
+            </a:r>
+            <a:endParaRPr lang="zh-TW" altLang="en-US" dirty="0"/>
+          </a:p>
+        </p:txBody>
+      </p:sp>
+      <p:sp>
+        <p:nvSpPr>
+          <p:cNvPr id="3" name="文字方塊 2">
+            <a:extLst>
+              <a:ext uri="{FF2B5EF4-FFF2-40B4-BE49-F238E27FC236}">
+                <a16:creationId xmlns:a16="http://schemas.microsoft.com/office/drawing/2014/main" id="{A89681F2-B0AB-B705-E5CA-1B44A29B4E33}"/>
+              </a:ext>
+            </a:extLst>
+          </p:cNvPr>
+          <p:cNvSpPr txBox="1"/>
+          <p:nvPr/>
+        </p:nvSpPr>
+        <p:spPr>
+          <a:xfrm>
+            <a:off x="838200" y="1690688"/>
+            <a:ext cx="9834664" cy="1200329"/>
+          </a:xfrm>
+          <a:prstGeom prst="rect">
+            <a:avLst/>
+          </a:prstGeom>
+          <a:noFill/>
+        </p:spPr>
+        <p:txBody>
+          <a:bodyPr wrap="square" rtlCol="0">
+            <a:spAutoFit/>
+          </a:bodyPr>
+          <a:lstStyle/>
+          <a:p>
+            <a:pPr marL="742950" indent="-742950">
+              <a:buAutoNum type="arabicPeriod"/>
+            </a:pPr>
+            <a:r>
+              <a:rPr lang="en-US" altLang="zh-TW" sz="3600" b="1" dirty="0"/>
+              <a:t>Spec – search number from </a:t>
+            </a:r>
+            <a:r>
+              <a:rPr lang="en-US" altLang="zh-TW" sz="3600" b="1" dirty="0">
+                <a:solidFill>
+                  <a:srgbClr val="FF0000"/>
+                </a:solidFill>
+              </a:rPr>
+              <a:t>sorted</a:t>
+            </a:r>
+            <a:r>
+              <a:rPr lang="en-US" altLang="zh-TW" sz="3600" b="1" dirty="0"/>
+              <a:t> sequence</a:t>
+            </a:r>
+          </a:p>
+          <a:p>
+            <a:endParaRPr lang="en-US" altLang="zh-TW" sz="3600" b="1" dirty="0"/>
+          </a:p>
+        </p:txBody>
+      </p:sp>
+      <p:pic>
+        <p:nvPicPr>
+          <p:cNvPr id="6" name="圖片 5" descr="一張含有 文字, 字型, 螢幕擷取畫面, 數字 的圖片&#10;&#10;AI 產生的內容可能不正確。">
+            <a:extLst>
+              <a:ext uri="{FF2B5EF4-FFF2-40B4-BE49-F238E27FC236}">
+                <a16:creationId xmlns:a16="http://schemas.microsoft.com/office/drawing/2014/main" id="{301A9B87-6072-E4FA-5429-46C37ADE473C}"/>
+              </a:ext>
+            </a:extLst>
+          </p:cNvPr>
+          <p:cNvPicPr>
+            <a:picLocks noChangeAspect="1"/>
+          </p:cNvPicPr>
+          <p:nvPr/>
+        </p:nvPicPr>
+        <p:blipFill>
+          <a:blip r:embed="rId2">
+            <a:extLst>
+              <a:ext uri="{28A0092B-C50C-407E-A947-70E740481C1C}">
+                <a14:useLocalDpi xmlns:a14="http://schemas.microsoft.com/office/drawing/2010/main" val="0"/>
+              </a:ext>
+            </a:extLst>
+          </a:blip>
+          <a:stretch>
+            <a:fillRect/>
+          </a:stretch>
+        </p:blipFill>
+        <p:spPr>
+          <a:xfrm>
+            <a:off x="-33161" y="1423093"/>
+            <a:ext cx="12258321" cy="4011814"/>
+          </a:xfrm>
+          <a:prstGeom prst="rect">
+            <a:avLst/>
+          </a:prstGeom>
+        </p:spPr>
+      </p:pic>
+      <p:sp>
+        <p:nvSpPr>
+          <p:cNvPr id="8" name="文字方塊 7">
+            <a:extLst>
+              <a:ext uri="{FF2B5EF4-FFF2-40B4-BE49-F238E27FC236}">
+                <a16:creationId xmlns:a16="http://schemas.microsoft.com/office/drawing/2014/main" id="{86711959-2812-575F-CC74-0F56BD052AD3}"/>
+              </a:ext>
+            </a:extLst>
+          </p:cNvPr>
+          <p:cNvSpPr txBox="1"/>
+          <p:nvPr/>
+        </p:nvSpPr>
+        <p:spPr>
+          <a:xfrm>
+            <a:off x="0" y="6427113"/>
+            <a:ext cx="9251003" cy="430887"/>
+          </a:xfrm>
+          <a:prstGeom prst="rect">
+            <a:avLst/>
+          </a:prstGeom>
+          <a:noFill/>
+        </p:spPr>
+        <p:txBody>
+          <a:bodyPr wrap="square">
+            <a:spAutoFit/>
+          </a:bodyPr>
+          <a:lstStyle/>
+          <a:p>
+            <a:r>
+              <a:rPr lang="zh-TW" altLang="en-US" sz="1100" dirty="0"/>
+              <a:t>https://medium.com/@ralph-tech/%E6%BC%94%E7%AE%97%E6%B3%95%E5%AD%B8%E7%BF%92%E7%AD%86%E8%A8%98-%E7%B7%9A%E6%80%A7%E6%90%9C%E5%B0%8B-linear-sequential-search-%E4%BA%8C%E5%85%83%E6%90%9C%E5%B0%8B-binary-search-fe55e1b6865f</a:t>
+            </a:r>
+          </a:p>
+        </p:txBody>
+      </p:sp>
+    </p:spTree>
+    <p:extLst>
+      <p:ext uri="{BB962C8B-B14F-4D97-AF65-F5344CB8AC3E}">
+        <p14:creationId xmlns:p14="http://schemas.microsoft.com/office/powerpoint/2010/main" val="597056394"/>
+      </p:ext>
+    </p:extLst>
+  </p:cSld>
+  <p:clrMapOvr>
+    <a:masterClrMapping/>
+  </p:clrMapOvr>
+</p:sld>
+</file>
+
+<file path=ppt/slides/slide9.xml><?xml version="1.0" encoding="utf-8"?>
+<p:sld xmlns:a="http://schemas.openxmlformats.org/drawingml/2006/main" xmlns:r="http://schemas.openxmlformats.org/officeDocument/2006/relationships" xmlns:p="http://schemas.openxmlformats.org/presentationml/2006/main">
+  <p:cSld>
+    <p:spTree>
+      <p:nvGrpSpPr>
+        <p:cNvPr id="1" name="">
+          <a:extLst>
+            <a:ext uri="{FF2B5EF4-FFF2-40B4-BE49-F238E27FC236}">
+              <a16:creationId xmlns:a16="http://schemas.microsoft.com/office/drawing/2014/main" id="{96296109-6854-57AB-E26A-1C7BF0CCEDCB}"/>
+            </a:ext>
+          </a:extLst>
+        </p:cNvPr>
+        <p:cNvGrpSpPr/>
+        <p:nvPr/>
+      </p:nvGrpSpPr>
+      <p:grpSpPr>
+        <a:xfrm>
+          <a:off x="0" y="0"/>
+          <a:ext cx="0" cy="0"/>
+          <a:chOff x="0" y="0"/>
+          <a:chExt cx="0" cy="0"/>
+        </a:xfrm>
+      </p:grpSpPr>
+      <p:sp>
+        <p:nvSpPr>
+          <p:cNvPr id="2" name="標題 1">
+            <a:extLst>
+              <a:ext uri="{FF2B5EF4-FFF2-40B4-BE49-F238E27FC236}">
+                <a16:creationId xmlns:a16="http://schemas.microsoft.com/office/drawing/2014/main" id="{3A65E52D-3DB4-38BE-0645-06B0519FCF7A}"/>
+              </a:ext>
+            </a:extLst>
+          </p:cNvPr>
+          <p:cNvSpPr>
+            <a:spLocks noGrp="1"/>
+          </p:cNvSpPr>
+          <p:nvPr>
+            <p:ph type="title"/>
+          </p:nvPr>
+        </p:nvSpPr>
+        <p:spPr/>
+        <p:txBody>
+          <a:bodyPr/>
+          <a:lstStyle/>
+          <a:p>
+            <a:r>
+              <a:rPr lang="en-US" altLang="zh-TW" b="1" dirty="0"/>
+              <a:t>Break it down </a:t>
+            </a:r>
+            <a:r>
+              <a:rPr lang="en-US" altLang="zh-TW" dirty="0"/>
+              <a:t>-- Searching</a:t>
+            </a:r>
+            <a:endParaRPr lang="zh-TW" altLang="en-US" dirty="0"/>
+          </a:p>
+        </p:txBody>
+      </p:sp>
+      <p:sp>
+        <p:nvSpPr>
+          <p:cNvPr id="3" name="文字方塊 2">
+            <a:extLst>
+              <a:ext uri="{FF2B5EF4-FFF2-40B4-BE49-F238E27FC236}">
+                <a16:creationId xmlns:a16="http://schemas.microsoft.com/office/drawing/2014/main" id="{903746F6-01B4-EE1B-E16C-944C5AF929A4}"/>
+              </a:ext>
+            </a:extLst>
+          </p:cNvPr>
+          <p:cNvSpPr txBox="1"/>
+          <p:nvPr/>
+        </p:nvSpPr>
+        <p:spPr>
+          <a:xfrm>
+            <a:off x="838200" y="1690688"/>
+            <a:ext cx="9834664" cy="1200329"/>
+          </a:xfrm>
+          <a:prstGeom prst="rect">
+            <a:avLst/>
+          </a:prstGeom>
+          <a:noFill/>
+        </p:spPr>
+        <p:txBody>
+          <a:bodyPr wrap="square" rtlCol="0">
+            <a:spAutoFit/>
+          </a:bodyPr>
+          <a:lstStyle/>
+          <a:p>
+            <a:pPr marL="742950" indent="-742950">
+              <a:buAutoNum type="arabicPeriod"/>
+            </a:pPr>
+            <a:r>
+              <a:rPr lang="en-US" altLang="zh-TW" sz="3600" b="1" dirty="0"/>
+              <a:t>Spec – search number from </a:t>
+            </a:r>
+            <a:r>
+              <a:rPr lang="en-US" altLang="zh-TW" sz="3600" b="1" dirty="0">
+                <a:solidFill>
+                  <a:srgbClr val="FF0000"/>
+                </a:solidFill>
+              </a:rPr>
+              <a:t>sorted</a:t>
+            </a:r>
+            <a:r>
+              <a:rPr lang="en-US" altLang="zh-TW" sz="3600" b="1" dirty="0"/>
+              <a:t> sequence</a:t>
+            </a:r>
+          </a:p>
+          <a:p>
+            <a:endParaRPr lang="en-US" altLang="zh-TW" sz="3600" b="1" dirty="0"/>
+          </a:p>
+        </p:txBody>
+      </p:sp>
+      <p:pic>
+        <p:nvPicPr>
+          <p:cNvPr id="5" name="圖片 4" descr="一張含有 文字, 螢幕擷取畫面, 字型, 數字 的圖片&#10;&#10;AI 產生的內容可能不正確。">
+            <a:extLst>
+              <a:ext uri="{FF2B5EF4-FFF2-40B4-BE49-F238E27FC236}">
+                <a16:creationId xmlns:a16="http://schemas.microsoft.com/office/drawing/2014/main" id="{3CE46DE1-632C-1DA7-74E0-6373034BF377}"/>
+              </a:ext>
+            </a:extLst>
+          </p:cNvPr>
+          <p:cNvPicPr>
+            <a:picLocks noChangeAspect="1"/>
+          </p:cNvPicPr>
+          <p:nvPr/>
+        </p:nvPicPr>
+        <p:blipFill>
+          <a:blip r:embed="rId2">
+            <a:extLst>
+              <a:ext uri="{28A0092B-C50C-407E-A947-70E740481C1C}">
+                <a14:useLocalDpi xmlns:a14="http://schemas.microsoft.com/office/drawing/2010/main" val="0"/>
+              </a:ext>
+            </a:extLst>
+          </a:blip>
+          <a:stretch>
+            <a:fillRect/>
+          </a:stretch>
+        </p:blipFill>
+        <p:spPr>
+          <a:xfrm>
+            <a:off x="759568" y="442513"/>
+            <a:ext cx="10672864" cy="5972974"/>
+          </a:xfrm>
+          <a:prstGeom prst="rect">
+            <a:avLst/>
+          </a:prstGeom>
+        </p:spPr>
+      </p:pic>
+      <p:sp>
+        <p:nvSpPr>
+          <p:cNvPr id="6" name="文字方塊 5">
+            <a:extLst>
+              <a:ext uri="{FF2B5EF4-FFF2-40B4-BE49-F238E27FC236}">
+                <a16:creationId xmlns:a16="http://schemas.microsoft.com/office/drawing/2014/main" id="{709D1D5A-0386-8ACB-04F1-C1C1BA780375}"/>
+              </a:ext>
+            </a:extLst>
+          </p:cNvPr>
+          <p:cNvSpPr txBox="1"/>
+          <p:nvPr/>
+        </p:nvSpPr>
+        <p:spPr>
+          <a:xfrm>
+            <a:off x="0" y="6460822"/>
+            <a:ext cx="9251003" cy="430887"/>
+          </a:xfrm>
+          <a:prstGeom prst="rect">
+            <a:avLst/>
+          </a:prstGeom>
+          <a:noFill/>
+        </p:spPr>
+        <p:txBody>
+          <a:bodyPr wrap="square">
+            <a:spAutoFit/>
+          </a:bodyPr>
+          <a:lstStyle/>
+          <a:p>
+            <a:r>
+              <a:rPr lang="zh-TW" altLang="en-US" sz="1100" dirty="0"/>
+              <a:t>https://medium.com/@ralph-tech/%E6%BC%94%E7%AE%97%E6%B3%95%E5%AD%B8%E7%BF%92%E7%AD%86%E8%A8%98-%E7%B7%9A%E6%80%A7%E6%90%9C%E5%B0%8B-linear-sequential-search-%E4%BA%8C%E5%85%83%E6%90%9C%E5%B0%8B-binary-search-fe55e1b6865f</a:t>
+            </a:r>
+          </a:p>
+        </p:txBody>
+      </p:sp>
+    </p:spTree>
+    <p:extLst>
+      <p:ext uri="{BB962C8B-B14F-4D97-AF65-F5344CB8AC3E}">
+        <p14:creationId xmlns:p14="http://schemas.microsoft.com/office/powerpoint/2010/main" val="3321127399"/>
       </p:ext>
     </p:extLst>
   </p:cSld>

--- a/slides/Python_Workshop_2.pptx
+++ b/slides/Python_Workshop_2.pptx
@@ -4548,7 +4548,7 @@
         </p:blipFill>
         <p:spPr>
           <a:xfrm>
-            <a:off x="5730905" y="3924368"/>
+            <a:off x="4229020" y="3993156"/>
             <a:ext cx="730189" cy="730189"/>
           </a:xfrm>
           <a:prstGeom prst="rect">
@@ -5018,10 +5018,10 @@
       </p:sp>
       <p:pic>
         <p:nvPicPr>
-          <p:cNvPr id="7" name="圖片 6">
+          <p:cNvPr id="8" name="圖片 7">
             <a:extLst>
               <a:ext uri="{FF2B5EF4-FFF2-40B4-BE49-F238E27FC236}">
-                <a16:creationId xmlns:a16="http://schemas.microsoft.com/office/drawing/2014/main" id="{94C959A4-9641-D4FD-502D-FC560B84AA7D}"/>
+                <a16:creationId xmlns:a16="http://schemas.microsoft.com/office/drawing/2014/main" id="{48F27EB4-5E26-024C-33B1-E4F9C19C69FA}"/>
               </a:ext>
             </a:extLst>
           </p:cNvPr>
@@ -5044,42 +5044,6 @@
         </p:blipFill>
         <p:spPr>
           <a:xfrm>
-            <a:off x="4229020" y="4019394"/>
-            <a:ext cx="730189" cy="730189"/>
-          </a:xfrm>
-          <a:prstGeom prst="rect">
-            <a:avLst/>
-          </a:prstGeom>
-        </p:spPr>
-      </p:pic>
-      <p:pic>
-        <p:nvPicPr>
-          <p:cNvPr id="8" name="圖片 7">
-            <a:extLst>
-              <a:ext uri="{FF2B5EF4-FFF2-40B4-BE49-F238E27FC236}">
-                <a16:creationId xmlns:a16="http://schemas.microsoft.com/office/drawing/2014/main" id="{48F27EB4-5E26-024C-33B1-E4F9C19C69FA}"/>
-              </a:ext>
-            </a:extLst>
-          </p:cNvPr>
-          <p:cNvPicPr>
-            <a:picLocks noChangeAspect="1"/>
-          </p:cNvPicPr>
-          <p:nvPr/>
-        </p:nvPicPr>
-        <p:blipFill>
-          <a:blip r:embed="rId3" cstate="print">
-            <a:extLst>
-              <a:ext uri="{28A0092B-C50C-407E-A947-70E740481C1C}">
-                <a14:useLocalDpi xmlns:a14="http://schemas.microsoft.com/office/drawing/2010/main" val="0"/>
-              </a:ext>
-            </a:extLst>
-          </a:blip>
-          <a:stretch>
-            <a:fillRect/>
-          </a:stretch>
-        </p:blipFill>
-        <p:spPr>
-          <a:xfrm>
             <a:off x="3295395" y="3087626"/>
             <a:ext cx="933625" cy="2403675"/>
           </a:xfrm>
@@ -5103,7 +5067,7 @@
           <p:nvPr/>
         </p:nvPicPr>
         <p:blipFill>
-          <a:blip r:embed="rId2" cstate="print">
+          <a:blip r:embed="rId3" cstate="print">
             <a:extLst>
               <a:ext uri="{28A0092B-C50C-407E-A947-70E740481C1C}">
                 <a14:useLocalDpi xmlns:a14="http://schemas.microsoft.com/office/drawing/2010/main" val="0"/>
@@ -5160,6 +5124,48 @@
           </a:prstGeom>
         </p:spPr>
       </p:pic>
+      <p:cxnSp>
+        <p:nvCxnSpPr>
+          <p:cNvPr id="5" name="直線單箭頭接點 4">
+            <a:extLst>
+              <a:ext uri="{FF2B5EF4-FFF2-40B4-BE49-F238E27FC236}">
+                <a16:creationId xmlns:a16="http://schemas.microsoft.com/office/drawing/2014/main" id="{4B74CC76-FA7C-DAC1-6EC9-390581CD6DCA}"/>
+              </a:ext>
+            </a:extLst>
+          </p:cNvPr>
+          <p:cNvCxnSpPr/>
+          <p:nvPr/>
+        </p:nvCxnSpPr>
+        <p:spPr>
+          <a:xfrm>
+            <a:off x="4591455" y="4426085"/>
+            <a:ext cx="2256817" cy="0"/>
+          </a:xfrm>
+          <a:prstGeom prst="straightConnector1">
+            <a:avLst/>
+          </a:prstGeom>
+          <a:ln w="76200">
+            <a:solidFill>
+              <a:srgbClr val="FF0000"/>
+            </a:solidFill>
+            <a:tailEnd type="triangle"/>
+          </a:ln>
+        </p:spPr>
+        <p:style>
+          <a:lnRef idx="1">
+            <a:schemeClr val="accent1"/>
+          </a:lnRef>
+          <a:fillRef idx="0">
+            <a:schemeClr val="accent1"/>
+          </a:fillRef>
+          <a:effectRef idx="0">
+            <a:schemeClr val="accent1"/>
+          </a:effectRef>
+          <a:fontRef idx="minor">
+            <a:schemeClr val="tx1"/>
+          </a:fontRef>
+        </p:style>
+      </p:cxnSp>
     </p:spTree>
     <p:extLst>
       <p:ext uri="{BB962C8B-B14F-4D97-AF65-F5344CB8AC3E}">
@@ -5278,41 +5284,6 @@
                                   </p:childTnLst>
                                 </p:cTn>
                               </p:par>
-                              <p:par>
-                                <p:cTn id="13" presetID="10" presetClass="entr" presetSubtype="0" fill="hold" nodeType="withEffect">
-                                  <p:stCondLst>
-                                    <p:cond delay="0"/>
-                                  </p:stCondLst>
-                                  <p:childTnLst>
-                                    <p:set>
-                                      <p:cBhvr>
-                                        <p:cTn id="14" dur="1" fill="hold">
-                                          <p:stCondLst>
-                                            <p:cond delay="0"/>
-                                          </p:stCondLst>
-                                        </p:cTn>
-                                        <p:tgtEl>
-                                          <p:spTgt spid="7"/>
-                                        </p:tgtEl>
-                                        <p:attrNameLst>
-                                          <p:attrName>style.visibility</p:attrName>
-                                        </p:attrNameLst>
-                                      </p:cBhvr>
-                                      <p:to>
-                                        <p:strVal val="visible"/>
-                                      </p:to>
-                                    </p:set>
-                                    <p:animEffect transition="in" filter="fade">
-                                      <p:cBhvr>
-                                        <p:cTn id="15" dur="500"/>
-                                        <p:tgtEl>
-                                          <p:spTgt spid="7"/>
-                                        </p:tgtEl>
-                                      </p:cBhvr>
-                                    </p:animEffect>
-                                  </p:childTnLst>
-                                </p:cTn>
-                              </p:par>
                             </p:childTnLst>
                           </p:cTn>
                         </p:par>
@@ -5320,26 +5291,26 @@
                     </p:cTn>
                   </p:par>
                   <p:par>
-                    <p:cTn id="16" fill="hold">
+                    <p:cTn id="13" fill="hold">
                       <p:stCondLst>
                         <p:cond delay="indefinite"/>
                       </p:stCondLst>
                       <p:childTnLst>
                         <p:par>
-                          <p:cTn id="17" fill="hold">
+                          <p:cTn id="14" fill="hold">
                             <p:stCondLst>
                               <p:cond delay="0"/>
                             </p:stCondLst>
                             <p:childTnLst>
                               <p:par>
-                                <p:cTn id="18" presetID="10" presetClass="entr" presetSubtype="0" fill="hold" nodeType="clickEffect">
+                                <p:cTn id="15" presetID="10" presetClass="entr" presetSubtype="0" fill="hold" nodeType="clickEffect">
                                   <p:stCondLst>
                                     <p:cond delay="0"/>
                                   </p:stCondLst>
                                   <p:childTnLst>
                                     <p:set>
                                       <p:cBhvr>
-                                        <p:cTn id="19" dur="1" fill="hold">
+                                        <p:cTn id="16" dur="1" fill="hold">
                                           <p:stCondLst>
                                             <p:cond delay="0"/>
                                           </p:stCondLst>
@@ -5357,7 +5328,7 @@
                                     </p:set>
                                     <p:animEffect transition="in" filter="fade">
                                       <p:cBhvr>
-                                        <p:cTn id="20" dur="500"/>
+                                        <p:cTn id="17" dur="500"/>
                                         <p:tgtEl>
                                           <p:spTgt spid="10"/>
                                         </p:tgtEl>
@@ -5367,14 +5338,14 @@
                                 </p:cTn>
                               </p:par>
                               <p:par>
-                                <p:cTn id="21" presetID="10" presetClass="entr" presetSubtype="0" fill="hold" nodeType="withEffect">
+                                <p:cTn id="18" presetID="10" presetClass="entr" presetSubtype="0" fill="hold" nodeType="withEffect">
                                   <p:stCondLst>
                                     <p:cond delay="0"/>
                                   </p:stCondLst>
                                   <p:childTnLst>
                                     <p:set>
                                       <p:cBhvr>
-                                        <p:cTn id="22" dur="1" fill="hold">
+                                        <p:cTn id="19" dur="1" fill="hold">
                                           <p:stCondLst>
                                             <p:cond delay="0"/>
                                           </p:stCondLst>
@@ -5392,7 +5363,7 @@
                                     </p:set>
                                     <p:animEffect transition="in" filter="fade">
                                       <p:cBhvr>
-                                        <p:cTn id="23" dur="500"/>
+                                        <p:cTn id="20" dur="500"/>
                                         <p:tgtEl>
                                           <p:spTgt spid="11"/>
                                         </p:tgtEl>
@@ -7580,7 +7551,7 @@
         <p:spPr>
           <a:xfrm>
             <a:off x="838200" y="1690688"/>
-            <a:ext cx="9834664" cy="3877985"/>
+            <a:ext cx="9834664" cy="3785652"/>
           </a:xfrm>
           <a:prstGeom prst="rect">
             <a:avLst/>
@@ -7623,9 +7594,6 @@
             </a:r>
           </a:p>
           <a:p>
-            <a:endParaRPr lang="en-US" altLang="zh-TW" sz="3600" b="1" dirty="0"/>
-          </a:p>
-          <a:p>
             <a:pPr algn="ctr"/>
             <a:r>
               <a:rPr lang="en-US" altLang="zh-TW" sz="5400" b="1" dirty="0">
@@ -7637,17 +7605,31 @@
             </a:r>
           </a:p>
           <a:p>
-            <a:pPr marL="742950" indent="-742950">
-              <a:buAutoNum type="arabicPeriod"/>
-            </a:pPr>
-            <a:endParaRPr lang="en-US" altLang="zh-TW" sz="3600" b="1" dirty="0"/>
-          </a:p>
-          <a:p>
-            <a:r>
-              <a:rPr lang="en-US" altLang="zh-TW" sz="4800" b="1" dirty="0"/>
-              <a:t>[1,2,3,4,5,6,7,8,9,10,11,12,13,14,15] </a:t>
-            </a:r>
-            <a:endParaRPr lang="zh-TW" altLang="en-US" sz="2800" b="1" dirty="0"/>
+            <a:pPr algn="ctr"/>
+            <a:endParaRPr lang="en-US" altLang="zh-TW" sz="5400" b="1" dirty="0">
+              <a:highlight>
+                <a:srgbClr val="FF0000"/>
+              </a:highlight>
+            </a:endParaRPr>
+          </a:p>
+          <a:p>
+            <a:pPr algn="ctr"/>
+            <a:r>
+              <a:rPr lang="en-US" altLang="zh-TW" sz="6000" b="1" dirty="0"/>
+              <a:t>[2,5,7,15,22,</a:t>
+            </a:r>
+            <a:r>
+              <a:rPr lang="en-US" altLang="zh-TW" sz="6000" b="1" dirty="0">
+                <a:highlight>
+                  <a:srgbClr val="FF0000"/>
+                </a:highlight>
+              </a:rPr>
+              <a:t>35</a:t>
+            </a:r>
+            <a:r>
+              <a:rPr lang="en-US" altLang="zh-TW" sz="6000" b="1" dirty="0"/>
+              <a:t>,48,57]</a:t>
+            </a:r>
           </a:p>
         </p:txBody>
       </p:sp>

--- a/slides/Python_Workshop_2.pptx
+++ b/slides/Python_Workshop_2.pptx
@@ -6998,7 +6998,7 @@
         <p:spPr>
           <a:xfrm>
             <a:off x="838200" y="1690688"/>
-            <a:ext cx="9834664" cy="646331"/>
+            <a:ext cx="9834664" cy="1754326"/>
           </a:xfrm>
           <a:prstGeom prst="rect">
             <a:avLst/>
@@ -7011,9 +7011,12 @@
           </a:bodyPr>
           <a:lstStyle/>
           <a:p>
+            <a:pPr marL="742950" indent="-742950">
+              <a:buAutoNum type="arabicPeriod"/>
+            </a:pPr>
             <a:r>
               <a:rPr lang="en-US" altLang="zh-TW" sz="3600" b="1" dirty="0"/>
-              <a:t>1. Spec – search number from </a:t>
+              <a:t>Spec – search number from </a:t>
             </a:r>
             <a:r>
               <a:rPr lang="en-US" altLang="zh-TW" sz="3600" b="1" dirty="0">
@@ -7025,7 +7028,22 @@
             </a:r>
             <a:r>
               <a:rPr lang="en-US" altLang="zh-TW" sz="3600" b="1" dirty="0"/>
-              <a:t> sequence </a:t>
+              <a:t> sequence</a:t>
+            </a:r>
+          </a:p>
+          <a:p>
+            <a:endParaRPr lang="en-US" altLang="zh-TW" sz="3600" b="1" dirty="0"/>
+          </a:p>
+          <a:p>
+            <a:r>
+              <a:rPr lang="en-US" altLang="zh-TW" b="1" dirty="0"/>
+              <a:t>Input: target integer </a:t>
+            </a:r>
+          </a:p>
+          <a:p>
+            <a:r>
+              <a:rPr lang="en-US" altLang="zh-TW" b="1" dirty="0"/>
+              <a:t>Output: target index</a:t>
             </a:r>
             <a:endParaRPr lang="zh-TW" altLang="en-US" b="1" dirty="0"/>
           </a:p>
@@ -7616,7 +7634,19 @@
             <a:pPr algn="ctr"/>
             <a:r>
               <a:rPr lang="en-US" altLang="zh-TW" sz="6000" b="1" dirty="0"/>
-              <a:t>[2,5,7,15,22,</a:t>
+              <a:t>[2,5,7,</a:t>
+            </a:r>
+            <a:r>
+              <a:rPr lang="en-US" altLang="zh-TW" sz="6000" b="1" dirty="0">
+                <a:highlight>
+                  <a:srgbClr val="FFFF00"/>
+                </a:highlight>
+              </a:rPr>
+              <a:t>15</a:t>
+            </a:r>
+            <a:r>
+              <a:rPr lang="en-US" altLang="zh-TW" sz="6000" b="1" dirty="0"/>
+              <a:t>,     [22,</a:t>
             </a:r>
             <a:r>
               <a:rPr lang="en-US" altLang="zh-TW" sz="6000" b="1" dirty="0">
